--- a/draft-gandhi-spring-twamp-srpm-02.pptx
+++ b/draft-gandhi-spring-twamp-srpm-02.pptx
@@ -5,10 +5,10 @@
     <p:sldMasterId id="2147483648" r:id="rId1"/>
   </p:sldMasterIdLst>
   <p:notesMasterIdLst>
-    <p:notesMasterId r:id="rId11"/>
+    <p:notesMasterId r:id="rId14"/>
   </p:notesMasterIdLst>
   <p:handoutMasterIdLst>
-    <p:handoutMasterId r:id="rId12"/>
+    <p:handoutMasterId r:id="rId15"/>
   </p:handoutMasterIdLst>
   <p:sldIdLst>
     <p:sldId id="256" r:id="rId2"/>
@@ -18,8 +18,11 @@
     <p:sldId id="1653" r:id="rId6"/>
     <p:sldId id="318" r:id="rId7"/>
     <p:sldId id="303" r:id="rId8"/>
-    <p:sldId id="1652" r:id="rId9"/>
-    <p:sldId id="321" r:id="rId10"/>
+    <p:sldId id="1655" r:id="rId9"/>
+    <p:sldId id="1652" r:id="rId10"/>
+    <p:sldId id="321" r:id="rId11"/>
+    <p:sldId id="1649" r:id="rId12"/>
+    <p:sldId id="1654" r:id="rId13"/>
   </p:sldIdLst>
   <p:sldSz cx="9144000" cy="5143500" type="screen16x9"/>
   <p:notesSz cx="6858000" cy="9144000"/>
@@ -1409,6 +1412,186 @@
 </p:notes>
 </file>
 
+<file path=ppt/notesSlides/notesSlide8.xml><?xml version="1.0" encoding="utf-8"?>
+<p:notes xmlns:a="http://schemas.openxmlformats.org/drawingml/2006/main" xmlns:r="http://schemas.openxmlformats.org/officeDocument/2006/relationships" xmlns:p="http://schemas.openxmlformats.org/presentationml/2006/main">
+  <p:cSld>
+    <p:spTree>
+      <p:nvGrpSpPr>
+        <p:cNvPr id="1" name=""/>
+        <p:cNvGrpSpPr/>
+        <p:nvPr/>
+      </p:nvGrpSpPr>
+      <p:grpSpPr>
+        <a:xfrm>
+          <a:off x="0" y="0"/>
+          <a:ext cx="0" cy="0"/>
+          <a:chOff x="0" y="0"/>
+          <a:chExt cx="0" cy="0"/>
+        </a:xfrm>
+      </p:grpSpPr>
+      <p:sp>
+        <p:nvSpPr>
+          <p:cNvPr id="2" name="Slide Image Placeholder 1"/>
+          <p:cNvSpPr>
+            <a:spLocks noGrp="1" noRot="1" noChangeAspect="1"/>
+          </p:cNvSpPr>
+          <p:nvPr>
+            <p:ph type="sldImg"/>
+          </p:nvPr>
+        </p:nvSpPr>
+        <p:spPr/>
+      </p:sp>
+      <p:sp>
+        <p:nvSpPr>
+          <p:cNvPr id="3" name="Notes Placeholder 2"/>
+          <p:cNvSpPr>
+            <a:spLocks noGrp="1"/>
+          </p:cNvSpPr>
+          <p:nvPr>
+            <p:ph type="body" idx="1"/>
+          </p:nvPr>
+        </p:nvSpPr>
+        <p:spPr/>
+        <p:txBody>
+          <a:bodyPr/>
+          <a:lstStyle/>
+          <a:p>
+            <a:endParaRPr lang="en-CA" dirty="0"/>
+          </a:p>
+        </p:txBody>
+      </p:sp>
+      <p:sp>
+        <p:nvSpPr>
+          <p:cNvPr id="4" name="Slide Number Placeholder 3"/>
+          <p:cNvSpPr>
+            <a:spLocks noGrp="1"/>
+          </p:cNvSpPr>
+          <p:nvPr>
+            <p:ph type="sldNum" sz="quarter" idx="10"/>
+          </p:nvPr>
+        </p:nvSpPr>
+        <p:spPr/>
+        <p:txBody>
+          <a:bodyPr/>
+          <a:lstStyle/>
+          <a:p>
+            <a:pPr>
+              <a:defRPr/>
+            </a:pPr>
+            <a:fld id="{100938BD-FD70-4535-B0C2-13FC38CDF1BE}" type="slidenum">
+              <a:rPr lang="en-US" altLang="zh-CN" smtClean="0"/>
+              <a:pPr>
+                <a:defRPr/>
+              </a:pPr>
+              <a:t>8</a:t>
+            </a:fld>
+            <a:endParaRPr lang="en-US" altLang="zh-CN"/>
+          </a:p>
+        </p:txBody>
+      </p:sp>
+    </p:spTree>
+    <p:extLst>
+      <p:ext uri="{BB962C8B-B14F-4D97-AF65-F5344CB8AC3E}">
+        <p14:creationId xmlns:p14="http://schemas.microsoft.com/office/powerpoint/2010/main" val="127127535"/>
+      </p:ext>
+    </p:extLst>
+  </p:cSld>
+  <p:clrMapOvr>
+    <a:masterClrMapping/>
+  </p:clrMapOvr>
+</p:notes>
+</file>
+
+<file path=ppt/notesSlides/notesSlide9.xml><?xml version="1.0" encoding="utf-8"?>
+<p:notes xmlns:a="http://schemas.openxmlformats.org/drawingml/2006/main" xmlns:r="http://schemas.openxmlformats.org/officeDocument/2006/relationships" xmlns:p="http://schemas.openxmlformats.org/presentationml/2006/main">
+  <p:cSld>
+    <p:spTree>
+      <p:nvGrpSpPr>
+        <p:cNvPr id="1" name=""/>
+        <p:cNvGrpSpPr/>
+        <p:nvPr/>
+      </p:nvGrpSpPr>
+      <p:grpSpPr>
+        <a:xfrm>
+          <a:off x="0" y="0"/>
+          <a:ext cx="0" cy="0"/>
+          <a:chOff x="0" y="0"/>
+          <a:chExt cx="0" cy="0"/>
+        </a:xfrm>
+      </p:grpSpPr>
+      <p:sp>
+        <p:nvSpPr>
+          <p:cNvPr id="2" name="Slide Image Placeholder 1"/>
+          <p:cNvSpPr>
+            <a:spLocks noGrp="1" noRot="1" noChangeAspect="1"/>
+          </p:cNvSpPr>
+          <p:nvPr>
+            <p:ph type="sldImg"/>
+          </p:nvPr>
+        </p:nvSpPr>
+        <p:spPr/>
+      </p:sp>
+      <p:sp>
+        <p:nvSpPr>
+          <p:cNvPr id="3" name="Notes Placeholder 2"/>
+          <p:cNvSpPr>
+            <a:spLocks noGrp="1"/>
+          </p:cNvSpPr>
+          <p:nvPr>
+            <p:ph type="body" idx="1"/>
+          </p:nvPr>
+        </p:nvSpPr>
+        <p:spPr/>
+        <p:txBody>
+          <a:bodyPr/>
+          <a:lstStyle/>
+          <a:p>
+            <a:endParaRPr lang="en-US" dirty="0"/>
+          </a:p>
+        </p:txBody>
+      </p:sp>
+      <p:sp>
+        <p:nvSpPr>
+          <p:cNvPr id="4" name="Slide Number Placeholder 3"/>
+          <p:cNvSpPr>
+            <a:spLocks noGrp="1"/>
+          </p:cNvSpPr>
+          <p:nvPr>
+            <p:ph type="sldNum" sz="quarter" idx="10"/>
+          </p:nvPr>
+        </p:nvSpPr>
+        <p:spPr/>
+        <p:txBody>
+          <a:bodyPr/>
+          <a:lstStyle/>
+          <a:p>
+            <a:pPr>
+              <a:defRPr/>
+            </a:pPr>
+            <a:fld id="{100938BD-FD70-4535-B0C2-13FC38CDF1BE}" type="slidenum">
+              <a:rPr lang="en-US" altLang="zh-CN" smtClean="0"/>
+              <a:pPr>
+                <a:defRPr/>
+              </a:pPr>
+              <a:t>12</a:t>
+            </a:fld>
+            <a:endParaRPr lang="en-US" altLang="zh-CN"/>
+          </a:p>
+        </p:txBody>
+      </p:sp>
+    </p:spTree>
+    <p:extLst>
+      <p:ext uri="{BB962C8B-B14F-4D97-AF65-F5344CB8AC3E}">
+        <p14:creationId xmlns:p14="http://schemas.microsoft.com/office/powerpoint/2010/main" val="2642803163"/>
+      </p:ext>
+    </p:extLst>
+  </p:cSld>
+  <p:clrMapOvr>
+    <a:masterClrMapping/>
+  </p:clrMapOvr>
+</p:notes>
+</file>
+
 <file path=ppt/slideLayouts/slideLayout1.xml><?xml version="1.0" encoding="utf-8"?>
 <p:sldLayout xmlns:a="http://schemas.openxmlformats.org/drawingml/2006/main" xmlns:r="http://schemas.openxmlformats.org/officeDocument/2006/relationships" xmlns:p="http://schemas.openxmlformats.org/presentationml/2006/main" type="title" preserve="1">
   <p:cSld name="Title Slide">
@@ -2058,6 +2241,251 @@
 </p:sldLayout>
 </file>
 
+<file path=ppt/slideLayouts/slideLayout12.xml><?xml version="1.0" encoding="utf-8"?>
+<p:sldLayout xmlns:a="http://schemas.openxmlformats.org/drawingml/2006/main" xmlns:r="http://schemas.openxmlformats.org/officeDocument/2006/relationships" xmlns:p="http://schemas.openxmlformats.org/presentationml/2006/main" userDrawn="1">
+  <p:cSld name="Bullet">
+    <p:spTree>
+      <p:nvGrpSpPr>
+        <p:cNvPr id="1" name=""/>
+        <p:cNvGrpSpPr/>
+        <p:nvPr/>
+      </p:nvGrpSpPr>
+      <p:grpSpPr>
+        <a:xfrm>
+          <a:off x="0" y="0"/>
+          <a:ext cx="0" cy="0"/>
+          <a:chOff x="0" y="0"/>
+          <a:chExt cx="0" cy="0"/>
+        </a:xfrm>
+      </p:grpSpPr>
+      <p:sp>
+        <p:nvSpPr>
+          <p:cNvPr id="4" name="Text Placeholder 3"/>
+          <p:cNvSpPr>
+            <a:spLocks noGrp="1"/>
+          </p:cNvSpPr>
+          <p:nvPr>
+            <p:ph type="body" sz="quarter" idx="10" hasCustomPrompt="1"/>
+          </p:nvPr>
+        </p:nvSpPr>
+        <p:spPr>
+          <a:xfrm>
+            <a:off x="462301" y="1347788"/>
+            <a:ext cx="8277344" cy="3168210"/>
+          </a:xfrm>
+          <a:prstGeom prst="rect">
+            <a:avLst/>
+          </a:prstGeom>
+        </p:spPr>
+        <p:txBody>
+          <a:bodyPr lIns="91420" tIns="45710" rIns="91420" bIns="45710">
+            <a:noAutofit/>
+          </a:bodyPr>
+          <a:lstStyle>
+            <a:lvl1pPr marL="280928" indent="-223792">
+              <a:lnSpc>
+                <a:spcPct val="95000"/>
+              </a:lnSpc>
+              <a:spcBef>
+                <a:spcPts val="1110"/>
+              </a:spcBef>
+              <a:buClr>
+                <a:schemeClr val="tx1"/>
+              </a:buClr>
+              <a:buSzPct val="80000"/>
+              <a:buFont typeface="Arial"/>
+              <a:buChar char="•"/>
+              <a:defRPr sz="2000" b="0" i="0">
+                <a:solidFill>
+                  <a:srgbClr val="676767"/>
+                </a:solidFill>
+                <a:latin typeface="+mn-lt"/>
+                <a:cs typeface="CiscoSans ExtraLight"/>
+              </a:defRPr>
+            </a:lvl1pPr>
+            <a:lvl2pPr marL="507895" indent="-215855">
+              <a:lnSpc>
+                <a:spcPct val="95000"/>
+              </a:lnSpc>
+              <a:spcBef>
+                <a:spcPts val="450"/>
+              </a:spcBef>
+              <a:buClr>
+                <a:schemeClr val="tx1"/>
+              </a:buClr>
+              <a:buSzPct val="80000"/>
+              <a:buFont typeface="Arial"/>
+              <a:buChar char="•"/>
+              <a:defRPr sz="1800" b="0" i="0">
+                <a:solidFill>
+                  <a:srgbClr val="676767"/>
+                </a:solidFill>
+                <a:latin typeface="+mn-lt"/>
+                <a:cs typeface="CiscoSans ExtraLight"/>
+              </a:defRPr>
+            </a:lvl2pPr>
+            <a:lvl3pPr marL="747558" indent="-171415">
+              <a:buClr>
+                <a:schemeClr val="tx1"/>
+              </a:buClr>
+              <a:buSzPct val="80000"/>
+              <a:buFont typeface="Arial"/>
+              <a:buChar char="•"/>
+              <a:defRPr sz="1600" b="0" i="0">
+                <a:solidFill>
+                  <a:srgbClr val="676767"/>
+                </a:solidFill>
+                <a:latin typeface="+mn-lt"/>
+                <a:cs typeface="CiscoSans ExtraLight"/>
+              </a:defRPr>
+            </a:lvl3pPr>
+            <a:lvl4pPr marL="911035" indent="-171415">
+              <a:buClr>
+                <a:schemeClr val="tx1"/>
+              </a:buClr>
+              <a:buSzPct val="80000"/>
+              <a:buFont typeface="Arial"/>
+              <a:buChar char="•"/>
+              <a:defRPr sz="1400" b="0" i="0">
+                <a:solidFill>
+                  <a:srgbClr val="676767"/>
+                </a:solidFill>
+                <a:latin typeface="+mn-lt"/>
+                <a:cs typeface="CiscoSans ExtraLight"/>
+              </a:defRPr>
+            </a:lvl4pPr>
+            <a:lvl5pPr marL="1082450" indent="-168240">
+              <a:buClr>
+                <a:schemeClr val="tx1"/>
+              </a:buClr>
+              <a:buSzPct val="80000"/>
+              <a:buFont typeface="Arial"/>
+              <a:buChar char="•"/>
+              <a:defRPr sz="1200" b="0" i="0">
+                <a:solidFill>
+                  <a:srgbClr val="676767"/>
+                </a:solidFill>
+                <a:latin typeface="+mn-lt"/>
+                <a:cs typeface="CiscoSans ExtraLight"/>
+              </a:defRPr>
+            </a:lvl5pPr>
+          </a:lstStyle>
+          <a:p>
+            <a:pPr lvl="0"/>
+            <a:r>
+              <a:rPr lang="en-GB" dirty="0"/>
+              <a:t>First level</a:t>
+            </a:r>
+          </a:p>
+          <a:p>
+            <a:pPr lvl="1"/>
+            <a:r>
+              <a:rPr lang="en-GB" dirty="0"/>
+              <a:t>Second level</a:t>
+            </a:r>
+          </a:p>
+          <a:p>
+            <a:pPr lvl="2"/>
+            <a:r>
+              <a:rPr lang="en-GB" dirty="0"/>
+              <a:t>Third level</a:t>
+            </a:r>
+          </a:p>
+          <a:p>
+            <a:pPr lvl="3"/>
+            <a:r>
+              <a:rPr lang="en-GB" dirty="0"/>
+              <a:t>Fourth level</a:t>
+            </a:r>
+          </a:p>
+          <a:p>
+            <a:pPr lvl="4"/>
+            <a:r>
+              <a:rPr lang="en-GB" dirty="0"/>
+              <a:t>Fifth level</a:t>
+            </a:r>
+            <a:endParaRPr lang="en-US" dirty="0"/>
+          </a:p>
+        </p:txBody>
+      </p:sp>
+      <p:sp>
+        <p:nvSpPr>
+          <p:cNvPr id="6" name="Title Placeholder 5"/>
+          <p:cNvSpPr>
+            <a:spLocks noGrp="1"/>
+          </p:cNvSpPr>
+          <p:nvPr>
+            <p:ph type="title"/>
+          </p:nvPr>
+        </p:nvSpPr>
+        <p:spPr bwMode="auto">
+          <a:xfrm>
+            <a:off x="437766" y="341313"/>
+            <a:ext cx="8345488" cy="731837"/>
+          </a:xfrm>
+          <a:prstGeom prst="rect">
+            <a:avLst/>
+          </a:prstGeom>
+          <a:noFill/>
+          <a:ln>
+            <a:noFill/>
+          </a:ln>
+          <a:extLst>
+            <a:ext uri="{909E8E84-426E-40DD-AFC4-6F175D3DCCD1}">
+              <a14:hiddenFill xmlns:a14="http://schemas.microsoft.com/office/drawing/2010/main">
+                <a:solidFill>
+                  <a:srgbClr val="FFFFFF"/>
+                </a:solidFill>
+              </a14:hiddenFill>
+            </a:ext>
+            <a:ext uri="{91240B29-F687-4F45-9708-019B960494DF}">
+              <a14:hiddenLine xmlns:a14="http://schemas.microsoft.com/office/drawing/2010/main" w="9525">
+                <a:solidFill>
+                  <a:srgbClr val="000000"/>
+                </a:solidFill>
+                <a:miter lim="800000"/>
+                <a:headEnd/>
+                <a:tailEnd/>
+              </a14:hiddenLine>
+            </a:ext>
+            <a:ext uri="{FAA26D3D-D897-4be2-8F04-BA451C77F1D7}">
+              <ma14:placeholderFlag xmlns="" xmlns:ma14="http://schemas.microsoft.com/office/mac/drawingml/2011/main" val="1"/>
+            </a:ext>
+          </a:extLst>
+        </p:spPr>
+        <p:txBody>
+          <a:bodyPr vert="horz" wrap="square" lIns="91424" tIns="45712" rIns="91424" bIns="45712" numCol="1" anchor="ctr" anchorCtr="0" compatLnSpc="1">
+            <a:prstTxWarp prst="textNoShape">
+              <a:avLst/>
+            </a:prstTxWarp>
+          </a:bodyPr>
+          <a:lstStyle/>
+          <a:p>
+            <a:pPr lvl="0"/>
+            <a:r>
+              <a:rPr lang="en-US"/>
+              <a:t>Click to edit Master title style</a:t>
+            </a:r>
+            <a:endParaRPr lang="en-GB" dirty="0"/>
+          </a:p>
+        </p:txBody>
+      </p:sp>
+    </p:spTree>
+    <p:extLst>
+      <p:ext uri="{BB962C8B-B14F-4D97-AF65-F5344CB8AC3E}">
+        <p14:creationId xmlns:p14="http://schemas.microsoft.com/office/powerpoint/2010/main" val="732659842"/>
+      </p:ext>
+    </p:extLst>
+  </p:cSld>
+  <p:clrMapOvr>
+    <a:masterClrMapping/>
+  </p:clrMapOvr>
+  <p:transition spd="med">
+    <p:fade/>
+  </p:transition>
+</p:sldLayout>
+</file>
+
 <file path=ppt/slideLayouts/slideLayout2.xml><?xml version="1.0" encoding="utf-8"?>
 <p:sldLayout xmlns:a="http://schemas.openxmlformats.org/drawingml/2006/main" xmlns:r="http://schemas.openxmlformats.org/officeDocument/2006/relationships" xmlns:p="http://schemas.openxmlformats.org/presentationml/2006/main" type="obj" preserve="1">
   <p:cSld name="Title and Content">
@@ -4158,6 +4586,7 @@
     <p:sldLayoutId id="2147483657" r:id="rId9"/>
     <p:sldLayoutId id="2147483658" r:id="rId10"/>
     <p:sldLayoutId id="2147483659" r:id="rId11"/>
+    <p:sldLayoutId id="2147483660" r:id="rId12"/>
   </p:sldLayoutIdLst>
   <p:hf hdr="0" dt="0"/>
   <p:txStyles>
@@ -4632,7 +5061,7 @@
         </p:nvSpPr>
         <p:spPr bwMode="auto">
           <a:xfrm>
-            <a:off x="1828800" y="2921792"/>
+            <a:off x="1828800" y="2791883"/>
             <a:ext cx="6248400" cy="1478757"/>
           </a:xfrm>
           <a:prstGeom prst="rect">
@@ -4899,6 +5328,3311 @@
         </p:txBody>
       </p:sp>
     </p:spTree>
+  </p:cSld>
+  <p:clrMapOvr>
+    <a:masterClrMapping/>
+  </p:clrMapOvr>
+</p:sld>
+</file>
+
+<file path=ppt/slides/slide10.xml><?xml version="1.0" encoding="utf-8"?>
+<p:sld xmlns:a="http://schemas.openxmlformats.org/drawingml/2006/main" xmlns:r="http://schemas.openxmlformats.org/officeDocument/2006/relationships" xmlns:p="http://schemas.openxmlformats.org/presentationml/2006/main">
+  <p:cSld>
+    <p:spTree>
+      <p:nvGrpSpPr>
+        <p:cNvPr id="1" name=""/>
+        <p:cNvGrpSpPr/>
+        <p:nvPr/>
+      </p:nvGrpSpPr>
+      <p:grpSpPr>
+        <a:xfrm>
+          <a:off x="0" y="0"/>
+          <a:ext cx="0" cy="0"/>
+          <a:chOff x="0" y="0"/>
+          <a:chExt cx="0" cy="0"/>
+        </a:xfrm>
+      </p:grpSpPr>
+      <p:sp>
+        <p:nvSpPr>
+          <p:cNvPr id="2" name="Title 1"/>
+          <p:cNvSpPr>
+            <a:spLocks noGrp="1"/>
+          </p:cNvSpPr>
+          <p:nvPr>
+            <p:ph type="title"/>
+          </p:nvPr>
+        </p:nvSpPr>
+        <p:spPr>
+          <a:xfrm>
+            <a:off x="152400" y="202211"/>
+            <a:ext cx="4419600" cy="845539"/>
+          </a:xfrm>
+        </p:spPr>
+        <p:txBody>
+          <a:bodyPr/>
+          <a:lstStyle/>
+          <a:p>
+            <a:pPr algn="l"/>
+            <a:r>
+              <a:rPr lang="en-US" sz="3200" dirty="0">
+                <a:solidFill>
+                  <a:srgbClr val="0070C0"/>
+                </a:solidFill>
+                <a:latin typeface="Calibri Light" panose="020F0302020204030204" pitchFamily="34" charset="0"/>
+                <a:cs typeface="Calibri Light" panose="020F0302020204030204" pitchFamily="34" charset="0"/>
+              </a:rPr>
+              <a:t>LM Message Format for TWAMP</a:t>
+            </a:r>
+          </a:p>
+        </p:txBody>
+      </p:sp>
+      <p:sp>
+        <p:nvSpPr>
+          <p:cNvPr id="4" name="Footer Placeholder 3"/>
+          <p:cNvSpPr>
+            <a:spLocks noGrp="1"/>
+          </p:cNvSpPr>
+          <p:nvPr>
+            <p:ph type="ftr" sz="quarter" idx="11"/>
+          </p:nvPr>
+        </p:nvSpPr>
+        <p:spPr>
+          <a:xfrm>
+            <a:off x="2971800" y="4857750"/>
+            <a:ext cx="2895600" cy="357188"/>
+          </a:xfrm>
+        </p:spPr>
+        <p:txBody>
+          <a:bodyPr/>
+          <a:lstStyle/>
+          <a:p>
+            <a:pPr>
+              <a:defRPr/>
+            </a:pPr>
+            <a:r>
+              <a:rPr lang="en-US" altLang="zh-CN" sz="1200" dirty="0"/>
+              <a:t>106</a:t>
+            </a:r>
+            <a:r>
+              <a:rPr lang="en-US" altLang="zh-CN" sz="1200" baseline="30000" dirty="0"/>
+              <a:t>th</a:t>
+            </a:r>
+            <a:r>
+              <a:rPr lang="en-US" altLang="zh-CN" sz="1200" dirty="0"/>
+              <a:t> IETF @ Singapore</a:t>
+            </a:r>
+          </a:p>
+        </p:txBody>
+      </p:sp>
+      <p:sp>
+        <p:nvSpPr>
+          <p:cNvPr id="5" name="Rectangle 4"/>
+          <p:cNvSpPr/>
+          <p:nvPr/>
+        </p:nvSpPr>
+        <p:spPr>
+          <a:xfrm>
+            <a:off x="4724400" y="64716"/>
+            <a:ext cx="4191000" cy="4770537"/>
+          </a:xfrm>
+          <a:prstGeom prst="rect">
+            <a:avLst/>
+          </a:prstGeom>
+          <a:solidFill>
+            <a:schemeClr val="accent6">
+              <a:lumMod val="20000"/>
+              <a:lumOff val="80000"/>
+            </a:schemeClr>
+          </a:solidFill>
+        </p:spPr>
+        <p:txBody>
+          <a:bodyPr wrap="square">
+            <a:spAutoFit/>
+          </a:bodyPr>
+          <a:lstStyle/>
+          <a:p>
+            <a:pPr>
+              <a:spcAft>
+                <a:spcPts val="0"/>
+              </a:spcAft>
+            </a:pPr>
+            <a:r>
+              <a:rPr lang="en-CA" sz="800" b="1" dirty="0">
+                <a:solidFill>
+                  <a:schemeClr val="tx2"/>
+                </a:solidFill>
+                <a:latin typeface="Courier" pitchFamily="2" charset="0"/>
+                <a:ea typeface="Courier" charset="0"/>
+                <a:cs typeface="Courier" charset="0"/>
+              </a:rPr>
+              <a:t>+---------------------------------------------------------------+</a:t>
+            </a:r>
+            <a:endParaRPr lang="en-US" sz="800" b="1" dirty="0">
+              <a:solidFill>
+                <a:schemeClr val="tx2"/>
+              </a:solidFill>
+              <a:latin typeface="Courier" pitchFamily="2" charset="0"/>
+              <a:ea typeface="Courier" charset="0"/>
+              <a:cs typeface="Courier" charset="0"/>
+            </a:endParaRPr>
+          </a:p>
+          <a:p>
+            <a:pPr>
+              <a:spcAft>
+                <a:spcPts val="0"/>
+              </a:spcAft>
+            </a:pPr>
+            <a:r>
+              <a:rPr lang="en-CA" sz="800" b="1" dirty="0">
+                <a:solidFill>
+                  <a:schemeClr val="tx2"/>
+                </a:solidFill>
+                <a:latin typeface="Courier" pitchFamily="2" charset="0"/>
+                <a:ea typeface="Courier" charset="0"/>
+                <a:cs typeface="Courier" charset="0"/>
+              </a:rPr>
+              <a:t>| IP Header                                                     |  </a:t>
+            </a:r>
+            <a:endParaRPr lang="en-US" sz="800" b="1" dirty="0">
+              <a:solidFill>
+                <a:schemeClr val="tx2"/>
+              </a:solidFill>
+              <a:latin typeface="Courier" pitchFamily="2" charset="0"/>
+              <a:ea typeface="Courier" charset="0"/>
+              <a:cs typeface="Courier" charset="0"/>
+            </a:endParaRPr>
+          </a:p>
+          <a:p>
+            <a:pPr>
+              <a:spcAft>
+                <a:spcPts val="0"/>
+              </a:spcAft>
+            </a:pPr>
+            <a:r>
+              <a:rPr lang="en-CA" sz="800" b="1" dirty="0">
+                <a:solidFill>
+                  <a:schemeClr val="tx2"/>
+                </a:solidFill>
+                <a:latin typeface="Courier" pitchFamily="2" charset="0"/>
+                <a:ea typeface="Courier" charset="0"/>
+                <a:cs typeface="Courier" charset="0"/>
+              </a:rPr>
+              <a:t>.  Source IP Address = </a:t>
+            </a:r>
+            <a:r>
+              <a:rPr lang="en-CA" sz="800" b="1" dirty="0" err="1">
+                <a:solidFill>
+                  <a:schemeClr val="tx2"/>
+                </a:solidFill>
+                <a:latin typeface="Courier" pitchFamily="2" charset="0"/>
+                <a:ea typeface="Courier" charset="0"/>
+                <a:cs typeface="Courier" charset="0"/>
+              </a:rPr>
+              <a:t>Querier</a:t>
+            </a:r>
+            <a:r>
+              <a:rPr lang="en-CA" sz="800" b="1" dirty="0">
+                <a:solidFill>
+                  <a:schemeClr val="tx2"/>
+                </a:solidFill>
+                <a:latin typeface="Courier" pitchFamily="2" charset="0"/>
+                <a:ea typeface="Courier" charset="0"/>
+                <a:cs typeface="Courier" charset="0"/>
+              </a:rPr>
+              <a:t> IPv4 or IPv6 Address             .</a:t>
+            </a:r>
+            <a:endParaRPr lang="en-US" sz="800" b="1" dirty="0">
+              <a:solidFill>
+                <a:schemeClr val="tx2"/>
+              </a:solidFill>
+              <a:latin typeface="Courier" pitchFamily="2" charset="0"/>
+              <a:ea typeface="Courier" charset="0"/>
+              <a:cs typeface="Courier" charset="0"/>
+            </a:endParaRPr>
+          </a:p>
+          <a:p>
+            <a:pPr>
+              <a:spcAft>
+                <a:spcPts val="0"/>
+              </a:spcAft>
+            </a:pPr>
+            <a:r>
+              <a:rPr lang="en-CA" sz="800" b="1" dirty="0">
+                <a:solidFill>
+                  <a:schemeClr val="tx2"/>
+                </a:solidFill>
+                <a:latin typeface="Courier" pitchFamily="2" charset="0"/>
+                <a:ea typeface="Courier" charset="0"/>
+                <a:cs typeface="Courier" charset="0"/>
+              </a:rPr>
+              <a:t>.  Destination IP Address = Responder IPv4 or IPv6 Address      .</a:t>
+            </a:r>
+            <a:endParaRPr lang="en-US" sz="800" b="1" dirty="0">
+              <a:solidFill>
+                <a:schemeClr val="tx2"/>
+              </a:solidFill>
+              <a:latin typeface="Courier" pitchFamily="2" charset="0"/>
+              <a:ea typeface="Courier" charset="0"/>
+              <a:cs typeface="Courier" charset="0"/>
+            </a:endParaRPr>
+          </a:p>
+          <a:p>
+            <a:pPr>
+              <a:spcAft>
+                <a:spcPts val="0"/>
+              </a:spcAft>
+            </a:pPr>
+            <a:r>
+              <a:rPr lang="en-CA" sz="800" b="1" dirty="0">
+                <a:solidFill>
+                  <a:schemeClr val="tx2"/>
+                </a:solidFill>
+                <a:latin typeface="Courier" pitchFamily="2" charset="0"/>
+                <a:ea typeface="Courier" charset="0"/>
+                <a:cs typeface="Courier" charset="0"/>
+              </a:rPr>
+              <a:t>.  Protocol = UDP                                               .</a:t>
+            </a:r>
+            <a:endParaRPr lang="en-US" sz="800" b="1" dirty="0">
+              <a:solidFill>
+                <a:schemeClr val="tx2"/>
+              </a:solidFill>
+              <a:latin typeface="Courier" pitchFamily="2" charset="0"/>
+              <a:ea typeface="Courier" charset="0"/>
+              <a:cs typeface="Courier" charset="0"/>
+            </a:endParaRPr>
+          </a:p>
+          <a:p>
+            <a:pPr>
+              <a:spcAft>
+                <a:spcPts val="0"/>
+              </a:spcAft>
+            </a:pPr>
+            <a:r>
+              <a:rPr lang="en-CA" sz="800" b="1" dirty="0">
+                <a:solidFill>
+                  <a:schemeClr val="tx2"/>
+                </a:solidFill>
+                <a:latin typeface="Courier" pitchFamily="2" charset="0"/>
+                <a:ea typeface="Courier" charset="0"/>
+                <a:cs typeface="Courier" charset="0"/>
+              </a:rPr>
+              <a:t>.  Router Alert Option Not Set                                  .</a:t>
+            </a:r>
+            <a:endParaRPr lang="en-US" sz="800" b="1" dirty="0">
+              <a:solidFill>
+                <a:schemeClr val="tx2"/>
+              </a:solidFill>
+              <a:latin typeface="Courier" pitchFamily="2" charset="0"/>
+              <a:ea typeface="Courier" charset="0"/>
+              <a:cs typeface="Courier" charset="0"/>
+            </a:endParaRPr>
+          </a:p>
+          <a:p>
+            <a:pPr>
+              <a:spcAft>
+                <a:spcPts val="0"/>
+              </a:spcAft>
+            </a:pPr>
+            <a:r>
+              <a:rPr lang="en-CA" sz="800" b="1" dirty="0">
+                <a:solidFill>
+                  <a:schemeClr val="tx2"/>
+                </a:solidFill>
+                <a:latin typeface="Courier" pitchFamily="2" charset="0"/>
+                <a:ea typeface="Courier" charset="0"/>
+                <a:cs typeface="Courier" charset="0"/>
+              </a:rPr>
+              <a:t>.                                                               .</a:t>
+            </a:r>
+            <a:endParaRPr lang="en-US" sz="800" b="1" dirty="0">
+              <a:solidFill>
+                <a:schemeClr val="tx2"/>
+              </a:solidFill>
+              <a:latin typeface="Courier" pitchFamily="2" charset="0"/>
+              <a:ea typeface="Courier" charset="0"/>
+              <a:cs typeface="Courier" charset="0"/>
+            </a:endParaRPr>
+          </a:p>
+          <a:p>
+            <a:pPr>
+              <a:spcAft>
+                <a:spcPts val="0"/>
+              </a:spcAft>
+            </a:pPr>
+            <a:r>
+              <a:rPr lang="en-CA" sz="800" b="1" dirty="0">
+                <a:solidFill>
+                  <a:schemeClr val="tx2"/>
+                </a:solidFill>
+                <a:latin typeface="Courier" pitchFamily="2" charset="0"/>
+                <a:ea typeface="Courier" charset="0"/>
+                <a:cs typeface="Courier" charset="0"/>
+              </a:rPr>
+              <a:t>+---------------------------------------------------------------+</a:t>
+            </a:r>
+            <a:endParaRPr lang="en-US" sz="800" b="1" dirty="0">
+              <a:solidFill>
+                <a:schemeClr val="tx2"/>
+              </a:solidFill>
+              <a:latin typeface="Courier" pitchFamily="2" charset="0"/>
+              <a:ea typeface="Courier" charset="0"/>
+              <a:cs typeface="Courier" charset="0"/>
+            </a:endParaRPr>
+          </a:p>
+          <a:p>
+            <a:pPr>
+              <a:spcAft>
+                <a:spcPts val="0"/>
+              </a:spcAft>
+            </a:pPr>
+            <a:r>
+              <a:rPr lang="en-CA" sz="800" b="1" dirty="0">
+                <a:solidFill>
+                  <a:schemeClr val="tx2"/>
+                </a:solidFill>
+                <a:latin typeface="Courier" pitchFamily="2" charset="0"/>
+                <a:ea typeface="Courier" charset="0"/>
+                <a:cs typeface="Courier" charset="0"/>
+              </a:rPr>
+              <a:t>| UDP Header                                                    |</a:t>
+            </a:r>
+            <a:endParaRPr lang="en-US" sz="800" b="1" dirty="0">
+              <a:solidFill>
+                <a:schemeClr val="tx2"/>
+              </a:solidFill>
+              <a:latin typeface="Courier" pitchFamily="2" charset="0"/>
+              <a:ea typeface="Courier" charset="0"/>
+              <a:cs typeface="Courier" charset="0"/>
+            </a:endParaRPr>
+          </a:p>
+          <a:p>
+            <a:pPr>
+              <a:spcAft>
+                <a:spcPts val="0"/>
+              </a:spcAft>
+            </a:pPr>
+            <a:r>
+              <a:rPr lang="en-CA" sz="800" b="1" dirty="0">
+                <a:solidFill>
+                  <a:schemeClr val="tx2"/>
+                </a:solidFill>
+                <a:latin typeface="Courier" pitchFamily="2" charset="0"/>
+                <a:ea typeface="Courier" charset="0"/>
+                <a:cs typeface="Courier" charset="0"/>
+              </a:rPr>
+              <a:t>.  Source Port = As chosen by </a:t>
+            </a:r>
+            <a:r>
+              <a:rPr lang="en-CA" sz="800" b="1" dirty="0" err="1">
+                <a:solidFill>
+                  <a:schemeClr val="tx2"/>
+                </a:solidFill>
+                <a:latin typeface="Courier" pitchFamily="2" charset="0"/>
+                <a:ea typeface="Courier" charset="0"/>
+                <a:cs typeface="Courier" charset="0"/>
+              </a:rPr>
+              <a:t>Querier</a:t>
+            </a:r>
+            <a:r>
+              <a:rPr lang="en-CA" sz="800" b="1" dirty="0">
+                <a:solidFill>
+                  <a:schemeClr val="tx2"/>
+                </a:solidFill>
+                <a:latin typeface="Courier" pitchFamily="2" charset="0"/>
+                <a:ea typeface="Courier" charset="0"/>
+                <a:cs typeface="Courier" charset="0"/>
+              </a:rPr>
+              <a:t>                           .</a:t>
+            </a:r>
+            <a:endParaRPr lang="en-US" sz="800" b="1" dirty="0">
+              <a:solidFill>
+                <a:schemeClr val="tx2"/>
+              </a:solidFill>
+              <a:latin typeface="Courier" pitchFamily="2" charset="0"/>
+              <a:ea typeface="Courier" charset="0"/>
+              <a:cs typeface="Courier" charset="0"/>
+            </a:endParaRPr>
+          </a:p>
+          <a:p>
+            <a:pPr>
+              <a:spcAft>
+                <a:spcPts val="0"/>
+              </a:spcAft>
+            </a:pPr>
+            <a:r>
+              <a:rPr lang="en-CA" sz="800" b="1" dirty="0">
+                <a:solidFill>
+                  <a:schemeClr val="tx2"/>
+                </a:solidFill>
+                <a:latin typeface="Courier" pitchFamily="2" charset="0"/>
+                <a:ea typeface="Courier" charset="0"/>
+                <a:cs typeface="Courier" charset="0"/>
+              </a:rPr>
+              <a:t>.  Destination Port = User-configured Port for Loss Measurement .</a:t>
+            </a:r>
+            <a:endParaRPr lang="en-US" sz="800" b="1" dirty="0">
+              <a:solidFill>
+                <a:schemeClr val="tx2"/>
+              </a:solidFill>
+              <a:latin typeface="Courier" pitchFamily="2" charset="0"/>
+              <a:ea typeface="Courier" charset="0"/>
+              <a:cs typeface="Courier" charset="0"/>
+            </a:endParaRPr>
+          </a:p>
+          <a:p>
+            <a:pPr>
+              <a:spcAft>
+                <a:spcPts val="0"/>
+              </a:spcAft>
+            </a:pPr>
+            <a:r>
+              <a:rPr lang="en-CA" sz="800" b="1" dirty="0">
+                <a:solidFill>
+                  <a:schemeClr val="tx2"/>
+                </a:solidFill>
+                <a:latin typeface="Courier" pitchFamily="2" charset="0"/>
+                <a:ea typeface="Courier" charset="0"/>
+                <a:cs typeface="Courier" charset="0"/>
+              </a:rPr>
+              <a:t>.                                                               .</a:t>
+            </a:r>
+            <a:endParaRPr lang="en-US" sz="800" b="1" dirty="0">
+              <a:solidFill>
+                <a:schemeClr val="tx2"/>
+              </a:solidFill>
+              <a:latin typeface="Courier" pitchFamily="2" charset="0"/>
+              <a:ea typeface="Courier" charset="0"/>
+              <a:cs typeface="Courier" charset="0"/>
+            </a:endParaRPr>
+          </a:p>
+          <a:p>
+            <a:pPr>
+              <a:spcAft>
+                <a:spcPts val="0"/>
+              </a:spcAft>
+            </a:pPr>
+            <a:r>
+              <a:rPr lang="en-US" sz="800" b="1" dirty="0">
+                <a:solidFill>
+                  <a:schemeClr val="tx2"/>
+                </a:solidFill>
+                <a:latin typeface="Courier" pitchFamily="2" charset="0"/>
+                <a:ea typeface="Courier" charset="0"/>
+                <a:cs typeface="Courier" charset="0"/>
+              </a:rPr>
+              <a:t>+-+-+-+-+-+-+-+-+-+-+-+-+-+-+-+-+-+-+-+-+-+-+-+-+-+-+-+-+-+-+-+-+</a:t>
+            </a:r>
+          </a:p>
+          <a:p>
+            <a:pPr>
+              <a:spcAft>
+                <a:spcPts val="0"/>
+              </a:spcAft>
+            </a:pPr>
+            <a:r>
+              <a:rPr lang="en-US" sz="800" b="1" dirty="0">
+                <a:solidFill>
+                  <a:schemeClr val="tx2"/>
+                </a:solidFill>
+                <a:latin typeface="Courier" pitchFamily="2" charset="0"/>
+                <a:ea typeface="Courier" charset="0"/>
+                <a:cs typeface="Courier" charset="0"/>
+              </a:rPr>
+              <a:t>|                        Sequence Number                        |</a:t>
+            </a:r>
+          </a:p>
+          <a:p>
+            <a:pPr>
+              <a:spcAft>
+                <a:spcPts val="0"/>
+              </a:spcAft>
+            </a:pPr>
+            <a:r>
+              <a:rPr lang="en-US" sz="800" b="1" dirty="0">
+                <a:solidFill>
+                  <a:schemeClr val="tx2"/>
+                </a:solidFill>
+                <a:latin typeface="Courier" pitchFamily="2" charset="0"/>
+                <a:ea typeface="Courier" charset="0"/>
+                <a:cs typeface="Courier" charset="0"/>
+              </a:rPr>
+              <a:t>+-+-+-+-+-+-+-+-+-+-+-+-+-+-+-+-+-+-+-+-+-+-+-+-+-+-+-+-+-+-+-+-+</a:t>
+            </a:r>
+          </a:p>
+          <a:p>
+            <a:pPr>
+              <a:spcAft>
+                <a:spcPts val="0"/>
+              </a:spcAft>
+            </a:pPr>
+            <a:r>
+              <a:rPr lang="en-US" sz="800" b="1" dirty="0">
+                <a:solidFill>
+                  <a:schemeClr val="tx2"/>
+                </a:solidFill>
+                <a:latin typeface="Courier" pitchFamily="2" charset="0"/>
+                <a:ea typeface="Courier" charset="0"/>
+                <a:cs typeface="Courier" charset="0"/>
+              </a:rPr>
+              <a:t>|                        Transmit Counter                       |</a:t>
+            </a:r>
+          </a:p>
+          <a:p>
+            <a:pPr>
+              <a:spcAft>
+                <a:spcPts val="0"/>
+              </a:spcAft>
+            </a:pPr>
+            <a:r>
+              <a:rPr lang="en-US" sz="800" b="1" dirty="0">
+                <a:solidFill>
+                  <a:schemeClr val="tx2"/>
+                </a:solidFill>
+                <a:latin typeface="Courier" pitchFamily="2" charset="0"/>
+                <a:ea typeface="Courier" charset="0"/>
+                <a:cs typeface="Courier" charset="0"/>
+              </a:rPr>
+              <a:t>|                                                               |</a:t>
+            </a:r>
+          </a:p>
+          <a:p>
+            <a:pPr>
+              <a:spcAft>
+                <a:spcPts val="0"/>
+              </a:spcAft>
+            </a:pPr>
+            <a:r>
+              <a:rPr lang="en-US" sz="800" b="1" dirty="0">
+                <a:solidFill>
+                  <a:schemeClr val="tx2"/>
+                </a:solidFill>
+                <a:latin typeface="Courier" pitchFamily="2" charset="0"/>
+                <a:ea typeface="Courier" charset="0"/>
+                <a:cs typeface="Courier" charset="0"/>
+              </a:rPr>
+              <a:t>+-+-+-+-+-+-+-+-+-+-+-+-+-+-+-+-+-+-+-+-+-+-+-+-+-+-+-+-+-+-+-+-+</a:t>
+            </a:r>
+          </a:p>
+          <a:p>
+            <a:pPr>
+              <a:spcAft>
+                <a:spcPts val="0"/>
+              </a:spcAft>
+            </a:pPr>
+            <a:r>
+              <a:rPr lang="en-CA" sz="800" b="1" dirty="0">
+                <a:latin typeface="Courier" pitchFamily="2" charset="0"/>
+              </a:rPr>
+              <a:t>|</a:t>
+            </a:r>
+            <a:r>
+              <a:rPr lang="en-CA" sz="800" b="1" dirty="0">
+                <a:solidFill>
+                  <a:schemeClr val="accent6">
+                    <a:lumMod val="50000"/>
+                  </a:schemeClr>
+                </a:solidFill>
+                <a:latin typeface="Courier" pitchFamily="2" charset="0"/>
+              </a:rPr>
+              <a:t>X|B|I| Reserved                | Block Number                  |</a:t>
+            </a:r>
+          </a:p>
+          <a:p>
+            <a:pPr>
+              <a:spcAft>
+                <a:spcPts val="0"/>
+              </a:spcAft>
+            </a:pPr>
+            <a:r>
+              <a:rPr lang="en-US" sz="800" b="1" dirty="0">
+                <a:solidFill>
+                  <a:schemeClr val="accent6">
+                    <a:lumMod val="50000"/>
+                  </a:schemeClr>
+                </a:solidFill>
+                <a:latin typeface="Courier" pitchFamily="2" charset="0"/>
+                <a:ea typeface="Courier" charset="0"/>
+                <a:cs typeface="Courier" charset="0"/>
+              </a:rPr>
+              <a:t>+-+-+-+-+-+-+-+-+-+-+-+-+-+-+-+-+-+-+-+-+-+-+-+-+-+-+-+-+-+-+-+-+</a:t>
+            </a:r>
+          </a:p>
+          <a:p>
+            <a:pPr>
+              <a:spcAft>
+                <a:spcPts val="0"/>
+              </a:spcAft>
+            </a:pPr>
+            <a:r>
+              <a:rPr lang="en-US" sz="800" b="1" dirty="0">
+                <a:solidFill>
+                  <a:schemeClr val="accent6"/>
+                </a:solidFill>
+                <a:latin typeface="Courier" pitchFamily="2" charset="0"/>
+                <a:ea typeface="Courier" charset="0"/>
+                <a:cs typeface="Courier" charset="0"/>
+              </a:rPr>
+              <a:t>|                        Receive Counter                        |</a:t>
+            </a:r>
+          </a:p>
+          <a:p>
+            <a:pPr>
+              <a:spcAft>
+                <a:spcPts val="0"/>
+              </a:spcAft>
+            </a:pPr>
+            <a:r>
+              <a:rPr lang="en-US" sz="800" b="1" dirty="0">
+                <a:solidFill>
+                  <a:schemeClr val="accent6"/>
+                </a:solidFill>
+                <a:latin typeface="Courier" pitchFamily="2" charset="0"/>
+                <a:ea typeface="Courier" charset="0"/>
+                <a:cs typeface="Courier" charset="0"/>
+              </a:rPr>
+              <a:t>|                                                               |</a:t>
+            </a:r>
+          </a:p>
+          <a:p>
+            <a:pPr>
+              <a:spcAft>
+                <a:spcPts val="0"/>
+              </a:spcAft>
+            </a:pPr>
+            <a:r>
+              <a:rPr lang="en-US" sz="800" b="1" dirty="0">
+                <a:solidFill>
+                  <a:schemeClr val="accent6"/>
+                </a:solidFill>
+                <a:latin typeface="Courier" pitchFamily="2" charset="0"/>
+                <a:ea typeface="Courier" charset="0"/>
+                <a:cs typeface="Courier" charset="0"/>
+              </a:rPr>
+              <a:t>+-+-+-+-+-+-+-+-+-+-+-+-+-+-+-+-+-+-+-+-+-+-+-+-+-+-+-+-+-+-+-+-+</a:t>
+            </a:r>
+          </a:p>
+          <a:p>
+            <a:pPr>
+              <a:spcAft>
+                <a:spcPts val="0"/>
+              </a:spcAft>
+            </a:pPr>
+            <a:r>
+              <a:rPr lang="en-US" sz="800" b="1" dirty="0">
+                <a:solidFill>
+                  <a:schemeClr val="accent6"/>
+                </a:solidFill>
+                <a:latin typeface="Courier" pitchFamily="2" charset="0"/>
+                <a:ea typeface="Courier" charset="0"/>
+                <a:cs typeface="Courier" charset="0"/>
+              </a:rPr>
+              <a:t>|                        Sender Sequence Number                 |</a:t>
+            </a:r>
+          </a:p>
+          <a:p>
+            <a:pPr>
+              <a:spcAft>
+                <a:spcPts val="0"/>
+              </a:spcAft>
+            </a:pPr>
+            <a:r>
+              <a:rPr lang="en-US" sz="800" b="1" dirty="0">
+                <a:solidFill>
+                  <a:schemeClr val="accent6"/>
+                </a:solidFill>
+                <a:latin typeface="Courier" pitchFamily="2" charset="0"/>
+                <a:ea typeface="Courier" charset="0"/>
+                <a:cs typeface="Courier" charset="0"/>
+              </a:rPr>
+              <a:t>+-+-+-+-+-+-+-+-+-+-+-+-+-+-+-+-+-+-+-+-+-+-+-+-+-+-+-+-+-+-+-+-+</a:t>
+            </a:r>
+          </a:p>
+          <a:p>
+            <a:pPr>
+              <a:spcAft>
+                <a:spcPts val="0"/>
+              </a:spcAft>
+            </a:pPr>
+            <a:r>
+              <a:rPr lang="en-US" sz="800" b="1" dirty="0">
+                <a:solidFill>
+                  <a:schemeClr val="accent6"/>
+                </a:solidFill>
+                <a:latin typeface="Courier" pitchFamily="2" charset="0"/>
+                <a:ea typeface="Courier" charset="0"/>
+                <a:cs typeface="Courier" charset="0"/>
+              </a:rPr>
+              <a:t>|                        Sender Counter                         |</a:t>
+            </a:r>
+          </a:p>
+          <a:p>
+            <a:pPr>
+              <a:spcAft>
+                <a:spcPts val="0"/>
+              </a:spcAft>
+            </a:pPr>
+            <a:r>
+              <a:rPr lang="en-US" sz="800" b="1" dirty="0">
+                <a:solidFill>
+                  <a:schemeClr val="accent6"/>
+                </a:solidFill>
+                <a:latin typeface="Courier" pitchFamily="2" charset="0"/>
+                <a:ea typeface="Courier" charset="0"/>
+                <a:cs typeface="Courier" charset="0"/>
+              </a:rPr>
+              <a:t>|                                                               |</a:t>
+            </a:r>
+          </a:p>
+          <a:p>
+            <a:pPr>
+              <a:spcAft>
+                <a:spcPts val="0"/>
+              </a:spcAft>
+            </a:pPr>
+            <a:r>
+              <a:rPr lang="en-US" sz="800" b="1" dirty="0">
+                <a:solidFill>
+                  <a:schemeClr val="accent6"/>
+                </a:solidFill>
+                <a:latin typeface="Courier" pitchFamily="2" charset="0"/>
+                <a:ea typeface="Courier" charset="0"/>
+                <a:cs typeface="Courier" charset="0"/>
+              </a:rPr>
+              <a:t>+-+-+-+-+-+-+-+-+-+-+-+-+-+-+-+-+-+-+-+-+-+-+-+-+-+-+-+-+-+-+-+-+</a:t>
+            </a:r>
+          </a:p>
+          <a:p>
+            <a:pPr>
+              <a:spcAft>
+                <a:spcPts val="0"/>
+              </a:spcAft>
+            </a:pPr>
+            <a:r>
+              <a:rPr lang="en-CA" sz="800" b="1" dirty="0">
+                <a:solidFill>
+                  <a:schemeClr val="accent6"/>
+                </a:solidFill>
+                <a:latin typeface="Courier" pitchFamily="2" charset="0"/>
+              </a:rPr>
+              <a:t>|X|B|I| Reserved                | Sender Block Number           |</a:t>
+            </a:r>
+          </a:p>
+          <a:p>
+            <a:pPr>
+              <a:spcAft>
+                <a:spcPts val="0"/>
+              </a:spcAft>
+            </a:pPr>
+            <a:r>
+              <a:rPr lang="en-US" sz="800" b="1" dirty="0">
+                <a:solidFill>
+                  <a:schemeClr val="accent6"/>
+                </a:solidFill>
+                <a:latin typeface="Courier" pitchFamily="2" charset="0"/>
+                <a:ea typeface="Courier" charset="0"/>
+                <a:cs typeface="Courier" charset="0"/>
+              </a:rPr>
+              <a:t>+-+-+-+-+-+-+-+-+-+-+-+-+-+-+-+-+-+-+-+-+-+-+-+-+-+-+-+-+-+-+-+-+</a:t>
+            </a:r>
+          </a:p>
+          <a:p>
+            <a:pPr>
+              <a:spcAft>
+                <a:spcPts val="0"/>
+              </a:spcAft>
+            </a:pPr>
+            <a:r>
+              <a:rPr lang="en-US" sz="800" b="1" dirty="0">
+                <a:solidFill>
+                  <a:schemeClr val="accent6"/>
+                </a:solidFill>
+                <a:latin typeface="Courier" pitchFamily="2" charset="0"/>
+                <a:ea typeface="Courier" charset="0"/>
+                <a:cs typeface="Courier" charset="0"/>
+              </a:rPr>
+              <a:t>|  Sender TTL   |                                     </a:t>
+            </a:r>
+            <a:r>
+              <a:rPr lang="en-CA" sz="800" b="1" dirty="0">
+                <a:solidFill>
+                  <a:schemeClr val="accent6"/>
+                </a:solidFill>
+                <a:latin typeface="Courier" pitchFamily="2" charset="0"/>
+              </a:rPr>
+              <a:t>          </a:t>
+            </a:r>
+            <a:r>
+              <a:rPr lang="en-US" sz="800" b="1" dirty="0">
+                <a:solidFill>
+                  <a:schemeClr val="accent6"/>
+                </a:solidFill>
+                <a:latin typeface="Courier" pitchFamily="2" charset="0"/>
+                <a:ea typeface="Courier" charset="0"/>
+                <a:cs typeface="Courier" charset="0"/>
+              </a:rPr>
+              <a:t>|</a:t>
+            </a:r>
+          </a:p>
+          <a:p>
+            <a:pPr>
+              <a:spcAft>
+                <a:spcPts val="0"/>
+              </a:spcAft>
+            </a:pPr>
+            <a:r>
+              <a:rPr lang="en-US" sz="800" b="1" dirty="0">
+                <a:solidFill>
+                  <a:schemeClr val="accent6"/>
+                </a:solidFill>
+                <a:latin typeface="Courier" pitchFamily="2" charset="0"/>
+                <a:ea typeface="Courier" charset="0"/>
+                <a:cs typeface="Courier" charset="0"/>
+              </a:rPr>
+              <a:t>+-+-+-+-+-+-+-+-+                                               </a:t>
+            </a:r>
+            <a:r>
+              <a:rPr lang="en-US" sz="800" b="1" dirty="0">
+                <a:solidFill>
+                  <a:schemeClr val="bg1">
+                    <a:lumMod val="65000"/>
+                  </a:schemeClr>
+                </a:solidFill>
+                <a:latin typeface="Courier" pitchFamily="2" charset="0"/>
+                <a:ea typeface="Courier" charset="0"/>
+                <a:cs typeface="Courier" charset="0"/>
+              </a:rPr>
+              <a:t>+</a:t>
+            </a:r>
+          </a:p>
+          <a:p>
+            <a:pPr>
+              <a:spcAft>
+                <a:spcPts val="0"/>
+              </a:spcAft>
+            </a:pPr>
+            <a:r>
+              <a:rPr lang="en-US" sz="800" b="1" dirty="0">
+                <a:solidFill>
+                  <a:schemeClr val="tx2"/>
+                </a:solidFill>
+                <a:latin typeface="Courier" pitchFamily="2" charset="0"/>
+                <a:ea typeface="Courier" charset="0"/>
+                <a:cs typeface="Courier" charset="0"/>
+              </a:rPr>
+              <a:t>|                        Padding                                |</a:t>
+            </a:r>
+          </a:p>
+          <a:p>
+            <a:pPr>
+              <a:spcAft>
+                <a:spcPts val="0"/>
+              </a:spcAft>
+            </a:pPr>
+            <a:r>
+              <a:rPr lang="en-US" sz="800" b="1" dirty="0">
+                <a:solidFill>
+                  <a:schemeClr val="tx2"/>
+                </a:solidFill>
+                <a:latin typeface="Courier" pitchFamily="2" charset="0"/>
+                <a:ea typeface="Courier" charset="0"/>
+                <a:cs typeface="Courier" charset="0"/>
+              </a:rPr>
+              <a:t>.                                                               .</a:t>
+            </a:r>
+          </a:p>
+          <a:p>
+            <a:r>
+              <a:rPr lang="en-US" sz="800" b="1" dirty="0">
+                <a:solidFill>
+                  <a:schemeClr val="tx2"/>
+                </a:solidFill>
+                <a:latin typeface="Courier" pitchFamily="2" charset="0"/>
+                <a:ea typeface="Courier" charset="0"/>
+                <a:cs typeface="Courier" charset="0"/>
+              </a:rPr>
+              <a:t>|                               +-+-+-+-+-+-+-+-+-+-+-+-+-+-+-+-+</a:t>
+            </a:r>
+          </a:p>
+          <a:p>
+            <a:r>
+              <a:rPr lang="en-US" sz="800" b="1" dirty="0">
+                <a:solidFill>
+                  <a:schemeClr val="tx2"/>
+                </a:solidFill>
+                <a:latin typeface="Courier" pitchFamily="2" charset="0"/>
+                <a:ea typeface="Courier" charset="0"/>
+                <a:cs typeface="Courier" charset="0"/>
+              </a:rPr>
+              <a:t>|                               |      Checksum Complement      |</a:t>
+            </a:r>
+          </a:p>
+          <a:p>
+            <a:r>
+              <a:rPr lang="en-US" sz="800" b="1" dirty="0">
+                <a:solidFill>
+                  <a:schemeClr val="tx2"/>
+                </a:solidFill>
+                <a:latin typeface="Courier" pitchFamily="2" charset="0"/>
+                <a:ea typeface="Courier" charset="0"/>
+                <a:cs typeface="Courier" charset="0"/>
+              </a:rPr>
+              <a:t>+-+-+-+-+-+-+-+-+-+-+-+-+-+-+-+-+-+-+-+-+-+-+-+-+-+-+-+-+-+-+-+-+</a:t>
+            </a:r>
+          </a:p>
+        </p:txBody>
+      </p:sp>
+      <p:sp>
+        <p:nvSpPr>
+          <p:cNvPr id="6" name="Content Placeholder 2"/>
+          <p:cNvSpPr txBox="1">
+            <a:spLocks/>
+          </p:cNvSpPr>
+          <p:nvPr/>
+        </p:nvSpPr>
+        <p:spPr bwMode="auto">
+          <a:xfrm>
+            <a:off x="228600" y="1309592"/>
+            <a:ext cx="4191000" cy="3243358"/>
+          </a:xfrm>
+          <a:prstGeom prst="rect">
+            <a:avLst/>
+          </a:prstGeom>
+          <a:noFill/>
+          <a:ln w="9525">
+            <a:noFill/>
+            <a:miter lim="800000"/>
+            <a:headEnd/>
+            <a:tailEnd/>
+          </a:ln>
+        </p:spPr>
+        <p:txBody>
+          <a:bodyPr vert="horz" wrap="square" lIns="91440" tIns="45720" rIns="91440" bIns="45720" numCol="1" anchor="t" anchorCtr="0" compatLnSpc="1">
+            <a:prstTxWarp prst="textNoShape">
+              <a:avLst/>
+            </a:prstTxWarp>
+          </a:bodyPr>
+          <a:lstStyle>
+            <a:lvl1pPr marL="342900" indent="-342900" algn="l" rtl="0" eaLnBrk="0" fontAlgn="base" hangingPunct="0">
+              <a:spcBef>
+                <a:spcPct val="20000"/>
+              </a:spcBef>
+              <a:spcAft>
+                <a:spcPct val="0"/>
+              </a:spcAft>
+              <a:buChar char="•"/>
+              <a:defRPr sz="3200">
+                <a:solidFill>
+                  <a:schemeClr val="tx1"/>
+                </a:solidFill>
+                <a:latin typeface="Calibri" charset="0"/>
+                <a:ea typeface="Calibri" charset="0"/>
+                <a:cs typeface="Calibri" charset="0"/>
+              </a:defRPr>
+            </a:lvl1pPr>
+            <a:lvl2pPr marL="742950" indent="-285750" algn="l" rtl="0" eaLnBrk="0" fontAlgn="base" hangingPunct="0">
+              <a:spcBef>
+                <a:spcPct val="20000"/>
+              </a:spcBef>
+              <a:spcAft>
+                <a:spcPct val="0"/>
+              </a:spcAft>
+              <a:buChar char="–"/>
+              <a:defRPr sz="2800">
+                <a:solidFill>
+                  <a:schemeClr val="tx1"/>
+                </a:solidFill>
+                <a:latin typeface="Calibri" charset="0"/>
+                <a:ea typeface="Calibri" charset="0"/>
+                <a:cs typeface="Calibri" charset="0"/>
+              </a:defRPr>
+            </a:lvl2pPr>
+            <a:lvl3pPr marL="1143000" indent="-228600" algn="l" rtl="0" eaLnBrk="0" fontAlgn="base" hangingPunct="0">
+              <a:spcBef>
+                <a:spcPct val="20000"/>
+              </a:spcBef>
+              <a:spcAft>
+                <a:spcPct val="0"/>
+              </a:spcAft>
+              <a:buChar char="•"/>
+              <a:defRPr sz="2400">
+                <a:solidFill>
+                  <a:schemeClr val="tx1"/>
+                </a:solidFill>
+                <a:latin typeface="Calibri" charset="0"/>
+                <a:ea typeface="Calibri" charset="0"/>
+                <a:cs typeface="Calibri" charset="0"/>
+              </a:defRPr>
+            </a:lvl3pPr>
+            <a:lvl4pPr marL="1600200" indent="-228600" algn="l" rtl="0" eaLnBrk="0" fontAlgn="base" hangingPunct="0">
+              <a:spcBef>
+                <a:spcPct val="20000"/>
+              </a:spcBef>
+              <a:spcAft>
+                <a:spcPct val="0"/>
+              </a:spcAft>
+              <a:buChar char="–"/>
+              <a:defRPr sz="2000">
+                <a:solidFill>
+                  <a:schemeClr val="tx1"/>
+                </a:solidFill>
+                <a:latin typeface="Calibri" charset="0"/>
+                <a:ea typeface="Calibri" charset="0"/>
+                <a:cs typeface="Calibri" charset="0"/>
+              </a:defRPr>
+            </a:lvl4pPr>
+            <a:lvl5pPr marL="2057400" indent="-228600" algn="l" rtl="0" eaLnBrk="0" fontAlgn="base" hangingPunct="0">
+              <a:spcBef>
+                <a:spcPct val="20000"/>
+              </a:spcBef>
+              <a:spcAft>
+                <a:spcPct val="0"/>
+              </a:spcAft>
+              <a:buChar char="»"/>
+              <a:defRPr sz="2000">
+                <a:solidFill>
+                  <a:schemeClr val="tx1"/>
+                </a:solidFill>
+                <a:latin typeface="Calibri" charset="0"/>
+                <a:ea typeface="Calibri" charset="0"/>
+                <a:cs typeface="Calibri" charset="0"/>
+              </a:defRPr>
+            </a:lvl5pPr>
+            <a:lvl6pPr marL="2514600" indent="-228600" algn="l" rtl="0" fontAlgn="base">
+              <a:spcBef>
+                <a:spcPct val="20000"/>
+              </a:spcBef>
+              <a:spcAft>
+                <a:spcPct val="0"/>
+              </a:spcAft>
+              <a:buChar char="»"/>
+              <a:defRPr sz="2000">
+                <a:solidFill>
+                  <a:schemeClr val="tx1"/>
+                </a:solidFill>
+                <a:latin typeface="+mn-lt"/>
+                <a:ea typeface="+mn-ea"/>
+              </a:defRPr>
+            </a:lvl6pPr>
+            <a:lvl7pPr marL="2971800" indent="-228600" algn="l" rtl="0" fontAlgn="base">
+              <a:spcBef>
+                <a:spcPct val="20000"/>
+              </a:spcBef>
+              <a:spcAft>
+                <a:spcPct val="0"/>
+              </a:spcAft>
+              <a:buChar char="»"/>
+              <a:defRPr sz="2000">
+                <a:solidFill>
+                  <a:schemeClr val="tx1"/>
+                </a:solidFill>
+                <a:latin typeface="+mn-lt"/>
+                <a:ea typeface="+mn-ea"/>
+              </a:defRPr>
+            </a:lvl7pPr>
+            <a:lvl8pPr marL="3429000" indent="-228600" algn="l" rtl="0" fontAlgn="base">
+              <a:spcBef>
+                <a:spcPct val="20000"/>
+              </a:spcBef>
+              <a:spcAft>
+                <a:spcPct val="0"/>
+              </a:spcAft>
+              <a:buChar char="»"/>
+              <a:defRPr sz="2000">
+                <a:solidFill>
+                  <a:schemeClr val="tx1"/>
+                </a:solidFill>
+                <a:latin typeface="+mn-lt"/>
+                <a:ea typeface="+mn-ea"/>
+              </a:defRPr>
+            </a:lvl8pPr>
+            <a:lvl9pPr marL="3886200" indent="-228600" algn="l" rtl="0" fontAlgn="base">
+              <a:spcBef>
+                <a:spcPct val="20000"/>
+              </a:spcBef>
+              <a:spcAft>
+                <a:spcPct val="0"/>
+              </a:spcAft>
+              <a:buChar char="»"/>
+              <a:defRPr sz="2000">
+                <a:solidFill>
+                  <a:schemeClr val="tx1"/>
+                </a:solidFill>
+                <a:latin typeface="+mn-lt"/>
+                <a:ea typeface="+mn-ea"/>
+              </a:defRPr>
+            </a:lvl9pPr>
+          </a:lstStyle>
+          <a:p>
+            <a:r>
+              <a:rPr lang="en-US" sz="1600" kern="0" dirty="0"/>
+              <a:t>Independent Loss Measurement (LM) message defined with </a:t>
+            </a:r>
+            <a:r>
+              <a:rPr lang="en-US" sz="1600" b="1" kern="0" dirty="0"/>
+              <a:t>fixed offsets</a:t>
+            </a:r>
+            <a:r>
+              <a:rPr lang="en-US" sz="1600" kern="0" dirty="0"/>
+              <a:t> for transmit and receive traffic counters</a:t>
+            </a:r>
+          </a:p>
+          <a:p>
+            <a:pPr lvl="1"/>
+            <a:r>
+              <a:rPr lang="en-US" sz="1600" kern="0" dirty="0"/>
+              <a:t>Hardware efficient counter-stamping</a:t>
+            </a:r>
+          </a:p>
+          <a:p>
+            <a:r>
+              <a:rPr lang="en-US" sz="1600" kern="0" dirty="0"/>
+              <a:t>LM message format aligned with DM message format</a:t>
+            </a:r>
+          </a:p>
+          <a:p>
+            <a:r>
+              <a:rPr lang="en-US" sz="1600" kern="0" dirty="0"/>
+              <a:t>LM Message format is also defined for authenticated mode</a:t>
+            </a:r>
+          </a:p>
+          <a:p>
+            <a:r>
+              <a:rPr lang="en-US" sz="1600" kern="0" dirty="0"/>
+              <a:t>User-configured destination UDP </a:t>
+            </a:r>
+            <a:r>
+              <a:rPr lang="en-US" sz="1600" b="1" kern="0" dirty="0"/>
+              <a:t>port2</a:t>
+            </a:r>
+            <a:r>
+              <a:rPr lang="en-US" sz="1600" kern="0" dirty="0"/>
+              <a:t> is used for identifying LM probe packets</a:t>
+            </a:r>
+          </a:p>
+          <a:p>
+            <a:r>
+              <a:rPr lang="en-US" sz="1600" kern="0" dirty="0"/>
+              <a:t>Corresponding LM message shown for STAMP</a:t>
+            </a:r>
+          </a:p>
+        </p:txBody>
+      </p:sp>
+      <p:sp>
+        <p:nvSpPr>
+          <p:cNvPr id="3" name="Slide Number Placeholder 2"/>
+          <p:cNvSpPr>
+            <a:spLocks noGrp="1"/>
+          </p:cNvSpPr>
+          <p:nvPr>
+            <p:ph type="sldNum" sz="quarter" idx="12"/>
+          </p:nvPr>
+        </p:nvSpPr>
+        <p:spPr/>
+        <p:txBody>
+          <a:bodyPr/>
+          <a:lstStyle/>
+          <a:p>
+            <a:pPr>
+              <a:defRPr/>
+            </a:pPr>
+            <a:fld id="{BD6E0F59-1DD8-40FC-9C92-B6295CBA6CCA}" type="slidenum">
+              <a:rPr lang="en-US" altLang="zh-CN" smtClean="0"/>
+              <a:pPr>
+                <a:defRPr/>
+              </a:pPr>
+              <a:t>10</a:t>
+            </a:fld>
+            <a:endParaRPr lang="en-US" altLang="zh-CN" dirty="0"/>
+          </a:p>
+        </p:txBody>
+      </p:sp>
+    </p:spTree>
+    <p:extLst>
+      <p:ext uri="{BB962C8B-B14F-4D97-AF65-F5344CB8AC3E}">
+        <p14:creationId xmlns:p14="http://schemas.microsoft.com/office/powerpoint/2010/main" val="207738585"/>
+      </p:ext>
+    </p:extLst>
+  </p:cSld>
+  <p:clrMapOvr>
+    <a:masterClrMapping/>
+  </p:clrMapOvr>
+</p:sld>
+</file>
+
+<file path=ppt/slides/slide11.xml><?xml version="1.0" encoding="utf-8"?>
+<p:sld xmlns:a="http://schemas.openxmlformats.org/drawingml/2006/main" xmlns:r="http://schemas.openxmlformats.org/officeDocument/2006/relationships" xmlns:p="http://schemas.openxmlformats.org/presentationml/2006/main">
+  <p:cSld>
+    <p:spTree>
+      <p:nvGrpSpPr>
+        <p:cNvPr id="1" name=""/>
+        <p:cNvGrpSpPr/>
+        <p:nvPr/>
+      </p:nvGrpSpPr>
+      <p:grpSpPr>
+        <a:xfrm>
+          <a:off x="0" y="0"/>
+          <a:ext cx="0" cy="0"/>
+          <a:chOff x="0" y="0"/>
+          <a:chExt cx="0" cy="0"/>
+        </a:xfrm>
+      </p:grpSpPr>
+      <p:sp>
+        <p:nvSpPr>
+          <p:cNvPr id="3" name="Title 2"/>
+          <p:cNvSpPr>
+            <a:spLocks noGrp="1"/>
+          </p:cNvSpPr>
+          <p:nvPr>
+            <p:ph type="title"/>
+          </p:nvPr>
+        </p:nvSpPr>
+        <p:spPr>
+          <a:xfrm>
+            <a:off x="304800" y="-39330"/>
+            <a:ext cx="8505372" cy="706080"/>
+          </a:xfrm>
+        </p:spPr>
+        <p:txBody>
+          <a:bodyPr/>
+          <a:lstStyle/>
+          <a:p>
+            <a:pPr algn="l"/>
+            <a:r>
+              <a:rPr lang="en-US" sz="2200" dirty="0">
+                <a:solidFill>
+                  <a:srgbClr val="0070C0"/>
+                </a:solidFill>
+                <a:latin typeface="Calibri Light" panose="020F0302020204030204" pitchFamily="34" charset="0"/>
+                <a:cs typeface="Calibri Light" panose="020F0302020204030204" pitchFamily="34" charset="0"/>
+              </a:rPr>
+              <a:t>STAMP DM Message with LM TLV (Destination UDP </a:t>
+            </a:r>
+            <a:r>
+              <a:rPr lang="en-US" sz="2200" b="1" dirty="0">
+                <a:solidFill>
+                  <a:srgbClr val="0070C0"/>
+                </a:solidFill>
+                <a:latin typeface="Calibri Light" panose="020F0302020204030204" pitchFamily="34" charset="0"/>
+                <a:cs typeface="Calibri Light" panose="020F0302020204030204" pitchFamily="34" charset="0"/>
+              </a:rPr>
+              <a:t>Port3</a:t>
+            </a:r>
+            <a:r>
+              <a:rPr lang="en-US" sz="2200" dirty="0">
+                <a:solidFill>
+                  <a:srgbClr val="0070C0"/>
+                </a:solidFill>
+                <a:latin typeface="Calibri Light" panose="020F0302020204030204" pitchFamily="34" charset="0"/>
+                <a:cs typeface="Calibri Light" panose="020F0302020204030204" pitchFamily="34" charset="0"/>
+              </a:rPr>
+              <a:t> for DM+LM)</a:t>
+            </a:r>
+          </a:p>
+        </p:txBody>
+      </p:sp>
+      <p:sp>
+        <p:nvSpPr>
+          <p:cNvPr id="5" name="Rectangle 4"/>
+          <p:cNvSpPr/>
+          <p:nvPr/>
+        </p:nvSpPr>
+        <p:spPr>
+          <a:xfrm>
+            <a:off x="149367" y="597635"/>
+            <a:ext cx="4310743" cy="4247317"/>
+          </a:xfrm>
+          <a:prstGeom prst="rect">
+            <a:avLst/>
+          </a:prstGeom>
+          <a:solidFill>
+            <a:schemeClr val="accent6">
+              <a:lumMod val="20000"/>
+              <a:lumOff val="80000"/>
+            </a:schemeClr>
+          </a:solidFill>
+        </p:spPr>
+        <p:txBody>
+          <a:bodyPr wrap="square">
+            <a:spAutoFit/>
+          </a:bodyPr>
+          <a:lstStyle/>
+          <a:p>
+            <a:pPr>
+              <a:spcAft>
+                <a:spcPts val="0"/>
+              </a:spcAft>
+            </a:pPr>
+            <a:r>
+              <a:rPr lang="en-US" sz="750" b="1" dirty="0">
+                <a:latin typeface="Courier" charset="0"/>
+                <a:ea typeface="Courier" charset="0"/>
+                <a:cs typeface="Courier" charset="0"/>
+              </a:rPr>
+              <a:t>       0                   1                   2                   3</a:t>
+            </a:r>
+          </a:p>
+          <a:p>
+            <a:pPr>
+              <a:spcAft>
+                <a:spcPts val="0"/>
+              </a:spcAft>
+            </a:pPr>
+            <a:r>
+              <a:rPr lang="en-US" sz="750" b="1" dirty="0">
+                <a:latin typeface="Courier" charset="0"/>
+                <a:ea typeface="Courier" charset="0"/>
+                <a:cs typeface="Courier" charset="0"/>
+              </a:rPr>
+              <a:t>       0 1 2 3 4 5 6 7 8 9 0 1 2 3 4 5 6 7 8 9 0 1 2 3 4 5 6 7 8 9 0 1</a:t>
+            </a:r>
+          </a:p>
+          <a:p>
+            <a:pPr>
+              <a:spcAft>
+                <a:spcPts val="0"/>
+              </a:spcAft>
+            </a:pPr>
+            <a:r>
+              <a:rPr lang="en-US" sz="750" b="1" dirty="0">
+                <a:latin typeface="Courier" charset="0"/>
+                <a:ea typeface="Courier" charset="0"/>
+                <a:cs typeface="Courier" charset="0"/>
+              </a:rPr>
+              <a:t>      +-+-+-+-+-+-+-+-+-+-+-+-+-+-+-+-+-+-+-+-+-+-+-+-+-+-+-+-+-+-+-+-+</a:t>
+            </a:r>
+          </a:p>
+          <a:p>
+            <a:pPr>
+              <a:spcAft>
+                <a:spcPts val="0"/>
+              </a:spcAft>
+            </a:pPr>
+            <a:r>
+              <a:rPr lang="en-US" sz="750" b="1" dirty="0">
+                <a:latin typeface="Courier" charset="0"/>
+                <a:ea typeface="Courier" charset="0"/>
+                <a:cs typeface="Courier" charset="0"/>
+              </a:rPr>
+              <a:t>      |                        Sequence Number                        |</a:t>
+            </a:r>
+          </a:p>
+          <a:p>
+            <a:pPr>
+              <a:spcAft>
+                <a:spcPts val="0"/>
+              </a:spcAft>
+            </a:pPr>
+            <a:r>
+              <a:rPr lang="en-US" sz="750" b="1" dirty="0">
+                <a:latin typeface="Courier" charset="0"/>
+                <a:ea typeface="Courier" charset="0"/>
+                <a:cs typeface="Courier" charset="0"/>
+              </a:rPr>
+              <a:t>      +-+-+-+-+-+-+-+-+-+-+-+-+-+-+-+-+-+-+-+-+-+-+-+-+-+-+-+-+-+-+-+-+</a:t>
+            </a:r>
+          </a:p>
+          <a:p>
+            <a:pPr>
+              <a:spcAft>
+                <a:spcPts val="0"/>
+              </a:spcAft>
+            </a:pPr>
+            <a:r>
+              <a:rPr lang="en-US" sz="750" b="1" dirty="0">
+                <a:latin typeface="Courier" charset="0"/>
+                <a:ea typeface="Courier" charset="0"/>
+                <a:cs typeface="Courier" charset="0"/>
+              </a:rPr>
+              <a:t>      |                          Timestamp                            |</a:t>
+            </a:r>
+          </a:p>
+          <a:p>
+            <a:pPr>
+              <a:spcAft>
+                <a:spcPts val="0"/>
+              </a:spcAft>
+            </a:pPr>
+            <a:r>
+              <a:rPr lang="en-US" sz="750" b="1" dirty="0">
+                <a:latin typeface="Courier" charset="0"/>
+                <a:ea typeface="Courier" charset="0"/>
+                <a:cs typeface="Courier" charset="0"/>
+              </a:rPr>
+              <a:t>      |                                                               |</a:t>
+            </a:r>
+          </a:p>
+          <a:p>
+            <a:pPr>
+              <a:spcAft>
+                <a:spcPts val="0"/>
+              </a:spcAft>
+            </a:pPr>
+            <a:r>
+              <a:rPr lang="en-US" sz="750" b="1" dirty="0">
+                <a:latin typeface="Courier" charset="0"/>
+                <a:ea typeface="Courier" charset="0"/>
+                <a:cs typeface="Courier" charset="0"/>
+              </a:rPr>
+              <a:t>      +-+-+-+-+-+-+-+-+-+-+-+-+-+-+-+-+-+-+-+-+-+-+-+-+-+-+-+-+-+-+-+-+</a:t>
+            </a:r>
+          </a:p>
+          <a:p>
+            <a:pPr>
+              <a:spcAft>
+                <a:spcPts val="0"/>
+              </a:spcAft>
+            </a:pPr>
+            <a:r>
+              <a:rPr lang="en-US" sz="750" b="1" dirty="0">
+                <a:latin typeface="Courier" charset="0"/>
+                <a:ea typeface="Courier" charset="0"/>
+                <a:cs typeface="Courier" charset="0"/>
+              </a:rPr>
+              <a:t>      |         Error Estimate        |                               |</a:t>
+            </a:r>
+          </a:p>
+          <a:p>
+            <a:pPr>
+              <a:spcAft>
+                <a:spcPts val="0"/>
+              </a:spcAft>
+            </a:pPr>
+            <a:r>
+              <a:rPr lang="en-US" sz="750" b="1" dirty="0">
+                <a:latin typeface="Courier" charset="0"/>
+                <a:ea typeface="Courier" charset="0"/>
+                <a:cs typeface="Courier" charset="0"/>
+              </a:rPr>
+              <a:t>      +-+-+-+-+-+-+-+-+-+-+-+-+-+-+-+-+                               |</a:t>
+            </a:r>
+          </a:p>
+          <a:p>
+            <a:pPr>
+              <a:spcAft>
+                <a:spcPts val="0"/>
+              </a:spcAft>
+            </a:pPr>
+            <a:r>
+              <a:rPr lang="en-US" sz="750" b="1" dirty="0">
+                <a:latin typeface="Courier" charset="0"/>
+                <a:ea typeface="Courier" charset="0"/>
+                <a:cs typeface="Courier" charset="0"/>
+              </a:rPr>
+              <a:t>      |                                                               |</a:t>
+            </a:r>
+          </a:p>
+          <a:p>
+            <a:pPr>
+              <a:spcAft>
+                <a:spcPts val="0"/>
+              </a:spcAft>
+            </a:pPr>
+            <a:r>
+              <a:rPr lang="en-US" sz="750" b="1" dirty="0">
+                <a:latin typeface="Courier" charset="0"/>
+                <a:ea typeface="Courier" charset="0"/>
+                <a:cs typeface="Courier" charset="0"/>
+              </a:rPr>
+              <a:t>      +                                                               +</a:t>
+            </a:r>
+          </a:p>
+          <a:p>
+            <a:pPr>
+              <a:spcAft>
+                <a:spcPts val="0"/>
+              </a:spcAft>
+            </a:pPr>
+            <a:r>
+              <a:rPr lang="en-US" sz="750" b="1" dirty="0">
+                <a:latin typeface="Courier" charset="0"/>
+                <a:ea typeface="Courier" charset="0"/>
+                <a:cs typeface="Courier" charset="0"/>
+              </a:rPr>
+              <a:t>      |                                                               |</a:t>
+            </a:r>
+          </a:p>
+          <a:p>
+            <a:pPr>
+              <a:spcAft>
+                <a:spcPts val="0"/>
+              </a:spcAft>
+            </a:pPr>
+            <a:r>
+              <a:rPr lang="en-US" sz="750" b="1" dirty="0">
+                <a:latin typeface="Courier" charset="0"/>
+                <a:ea typeface="Courier" charset="0"/>
+                <a:cs typeface="Courier" charset="0"/>
+              </a:rPr>
+              <a:t>      |                         MBZ (30 octets)                       |</a:t>
+            </a:r>
+          </a:p>
+          <a:p>
+            <a:pPr>
+              <a:spcAft>
+                <a:spcPts val="0"/>
+              </a:spcAft>
+            </a:pPr>
+            <a:r>
+              <a:rPr lang="en-US" sz="750" b="1" dirty="0">
+                <a:latin typeface="Courier" charset="0"/>
+                <a:ea typeface="Courier" charset="0"/>
+                <a:cs typeface="Courier" charset="0"/>
+              </a:rPr>
+              <a:t>      +                                                               +</a:t>
+            </a:r>
+          </a:p>
+          <a:p>
+            <a:pPr>
+              <a:spcAft>
+                <a:spcPts val="0"/>
+              </a:spcAft>
+            </a:pPr>
+            <a:r>
+              <a:rPr lang="en-US" sz="750" b="1" dirty="0">
+                <a:latin typeface="Courier" charset="0"/>
+                <a:ea typeface="Courier" charset="0"/>
+                <a:cs typeface="Courier" charset="0"/>
+              </a:rPr>
+              <a:t>      |                                                               |</a:t>
+            </a:r>
+          </a:p>
+          <a:p>
+            <a:pPr>
+              <a:spcAft>
+                <a:spcPts val="0"/>
+              </a:spcAft>
+            </a:pPr>
+            <a:r>
+              <a:rPr lang="en-US" sz="750" b="1" dirty="0">
+                <a:latin typeface="Courier" charset="0"/>
+                <a:ea typeface="Courier" charset="0"/>
+                <a:cs typeface="Courier" charset="0"/>
+              </a:rPr>
+              <a:t>      |                                                               |</a:t>
+            </a:r>
+          </a:p>
+          <a:p>
+            <a:pPr>
+              <a:spcAft>
+                <a:spcPts val="0"/>
+              </a:spcAft>
+            </a:pPr>
+            <a:r>
+              <a:rPr lang="en-US" sz="750" b="1" dirty="0">
+                <a:latin typeface="Courier" charset="0"/>
+                <a:ea typeface="Courier" charset="0"/>
+                <a:cs typeface="Courier" charset="0"/>
+              </a:rPr>
+              <a:t>      +                                                               +</a:t>
+            </a:r>
+          </a:p>
+          <a:p>
+            <a:pPr>
+              <a:spcAft>
+                <a:spcPts val="0"/>
+              </a:spcAft>
+            </a:pPr>
+            <a:r>
+              <a:rPr lang="en-US" sz="750" b="1" dirty="0">
+                <a:latin typeface="Courier" charset="0"/>
+                <a:ea typeface="Courier" charset="0"/>
+                <a:cs typeface="Courier" charset="0"/>
+              </a:rPr>
+              <a:t>      |                                                               |</a:t>
+            </a:r>
+          </a:p>
+          <a:p>
+            <a:pPr>
+              <a:spcAft>
+                <a:spcPts val="0"/>
+              </a:spcAft>
+            </a:pPr>
+            <a:r>
+              <a:rPr lang="en-US" sz="750" b="1" dirty="0">
+                <a:latin typeface="Courier" charset="0"/>
+                <a:ea typeface="Courier" charset="0"/>
+                <a:cs typeface="Courier" charset="0"/>
+              </a:rPr>
+              <a:t>      +                                                               +</a:t>
+            </a:r>
+          </a:p>
+          <a:p>
+            <a:pPr>
+              <a:spcAft>
+                <a:spcPts val="0"/>
+              </a:spcAft>
+            </a:pPr>
+            <a:r>
+              <a:rPr lang="en-US" sz="750" b="1" dirty="0">
+                <a:latin typeface="Courier" charset="0"/>
+                <a:ea typeface="Courier" charset="0"/>
+                <a:cs typeface="Courier" charset="0"/>
+              </a:rPr>
+              <a:t>      |                                                               |</a:t>
+            </a:r>
+          </a:p>
+          <a:p>
+            <a:pPr>
+              <a:spcAft>
+                <a:spcPts val="0"/>
+              </a:spcAft>
+            </a:pPr>
+            <a:r>
+              <a:rPr lang="en-US" sz="750" b="1" dirty="0">
+                <a:latin typeface="Courier" charset="0"/>
+                <a:ea typeface="Courier" charset="0"/>
+                <a:cs typeface="Courier" charset="0"/>
+              </a:rPr>
+              <a:t>      +-+-+-+-+-+-+-+-+-+-+-+-+-+-+-+-+-+-+-+-+-+-+-+-+-+-+-+-+-+-+-+-+</a:t>
+            </a:r>
+          </a:p>
+          <a:p>
+            <a:pPr>
+              <a:spcAft>
+                <a:spcPts val="0"/>
+              </a:spcAft>
+            </a:pPr>
+            <a:r>
+              <a:rPr lang="en-US" sz="750" b="1" dirty="0">
+                <a:solidFill>
+                  <a:srgbClr val="0070C0"/>
+                </a:solidFill>
+                <a:latin typeface="Courier" charset="0"/>
+                <a:ea typeface="Courier" charset="0"/>
+                <a:cs typeface="Courier" charset="0"/>
+              </a:rPr>
+              <a:t>      |    Direct Measurement Type    |           Length              |</a:t>
+            </a:r>
+          </a:p>
+          <a:p>
+            <a:pPr>
+              <a:spcAft>
+                <a:spcPts val="0"/>
+              </a:spcAft>
+            </a:pPr>
+            <a:r>
+              <a:rPr lang="en-US" sz="750" b="1" dirty="0">
+                <a:solidFill>
+                  <a:srgbClr val="0070C0"/>
+                </a:solidFill>
+                <a:latin typeface="Courier" charset="0"/>
+                <a:ea typeface="Courier" charset="0"/>
+                <a:cs typeface="Courier" charset="0"/>
+              </a:rPr>
+              <a:t>      +-+-+-+-+-+-+-+-+-+-+-+-+-+-+-+-+-+-+-+-+-+-+-+-+-+-+-+-+-+-+-+-+</a:t>
+            </a:r>
+          </a:p>
+          <a:p>
+            <a:pPr>
+              <a:spcAft>
+                <a:spcPts val="0"/>
+              </a:spcAft>
+            </a:pPr>
+            <a:r>
+              <a:rPr lang="en-US" sz="750" b="1" dirty="0">
+                <a:solidFill>
+                  <a:srgbClr val="0070C0"/>
+                </a:solidFill>
+                <a:latin typeface="Courier" charset="0"/>
+                <a:ea typeface="Courier" charset="0"/>
+                <a:cs typeface="Courier" charset="0"/>
+              </a:rPr>
+              <a:t>      |             Session-Sender Tx counter  (</a:t>
+            </a:r>
+            <a:r>
+              <a:rPr lang="en-US" sz="750" b="1" dirty="0" err="1">
+                <a:solidFill>
+                  <a:srgbClr val="0070C0"/>
+                </a:solidFill>
+                <a:latin typeface="Courier" charset="0"/>
+                <a:ea typeface="Courier" charset="0"/>
+                <a:cs typeface="Courier" charset="0"/>
+              </a:rPr>
+              <a:t>S_TxC</a:t>
+            </a:r>
+            <a:r>
+              <a:rPr lang="en-US" sz="750" b="1" dirty="0">
+                <a:solidFill>
+                  <a:srgbClr val="0070C0"/>
+                </a:solidFill>
+                <a:latin typeface="Courier" charset="0"/>
+                <a:ea typeface="Courier" charset="0"/>
+                <a:cs typeface="Courier" charset="0"/>
+              </a:rPr>
+              <a:t>)                |</a:t>
+            </a:r>
+          </a:p>
+          <a:p>
+            <a:pPr>
+              <a:spcAft>
+                <a:spcPts val="0"/>
+              </a:spcAft>
+            </a:pPr>
+            <a:r>
+              <a:rPr lang="en-US" sz="750" b="1" dirty="0">
+                <a:solidFill>
+                  <a:srgbClr val="0070C0"/>
+                </a:solidFill>
+                <a:latin typeface="Courier" charset="0"/>
+                <a:ea typeface="Courier" charset="0"/>
+                <a:cs typeface="Courier" charset="0"/>
+              </a:rPr>
+              <a:t>      +-+-+-+-+-+-+-+-+-+-+-+-+-+-+-+-+-+-+-+-+-+-+-+-+-+-+-+-+-+-+-+-+</a:t>
+            </a:r>
+          </a:p>
+          <a:p>
+            <a:pPr>
+              <a:spcAft>
+                <a:spcPts val="0"/>
+              </a:spcAft>
+            </a:pPr>
+            <a:r>
+              <a:rPr lang="en-US" sz="750" b="1" dirty="0">
+                <a:solidFill>
+                  <a:srgbClr val="0070C0"/>
+                </a:solidFill>
+                <a:latin typeface="Courier" charset="0"/>
+                <a:ea typeface="Courier" charset="0"/>
+                <a:cs typeface="Courier" charset="0"/>
+              </a:rPr>
+              <a:t>      |             Session-Reflector Rx counter  (</a:t>
+            </a:r>
+            <a:r>
+              <a:rPr lang="en-US" sz="750" b="1" dirty="0" err="1">
+                <a:solidFill>
+                  <a:srgbClr val="0070C0"/>
+                </a:solidFill>
+                <a:latin typeface="Courier" charset="0"/>
+                <a:ea typeface="Courier" charset="0"/>
+                <a:cs typeface="Courier" charset="0"/>
+              </a:rPr>
+              <a:t>R_RxC</a:t>
+            </a:r>
+            <a:r>
+              <a:rPr lang="en-US" sz="750" b="1" dirty="0">
+                <a:solidFill>
+                  <a:srgbClr val="0070C0"/>
+                </a:solidFill>
+                <a:latin typeface="Courier" charset="0"/>
+                <a:ea typeface="Courier" charset="0"/>
+                <a:cs typeface="Courier" charset="0"/>
+              </a:rPr>
+              <a:t>)             |</a:t>
+            </a:r>
+          </a:p>
+          <a:p>
+            <a:pPr>
+              <a:spcAft>
+                <a:spcPts val="0"/>
+              </a:spcAft>
+            </a:pPr>
+            <a:r>
+              <a:rPr lang="en-US" sz="750" b="1" dirty="0">
+                <a:solidFill>
+                  <a:srgbClr val="0070C0"/>
+                </a:solidFill>
+                <a:latin typeface="Courier" charset="0"/>
+                <a:ea typeface="Courier" charset="0"/>
+                <a:cs typeface="Courier" charset="0"/>
+              </a:rPr>
+              <a:t>      +-+-+-+-+-+-+-+-+-+-+-+-+-+-+-+-+-+-+-+-+-+-+-+-+-+-+-+-+-+-+-+-+</a:t>
+            </a:r>
+          </a:p>
+          <a:p>
+            <a:pPr>
+              <a:spcAft>
+                <a:spcPts val="0"/>
+              </a:spcAft>
+            </a:pPr>
+            <a:r>
+              <a:rPr lang="en-US" sz="750" b="1" dirty="0">
+                <a:solidFill>
+                  <a:srgbClr val="0070C0"/>
+                </a:solidFill>
+                <a:latin typeface="Courier" charset="0"/>
+                <a:ea typeface="Courier" charset="0"/>
+                <a:cs typeface="Courier" charset="0"/>
+              </a:rPr>
+              <a:t>      |             Session-Reflector Tx counter  (</a:t>
+            </a:r>
+            <a:r>
+              <a:rPr lang="en-US" sz="750" b="1" dirty="0" err="1">
+                <a:solidFill>
+                  <a:srgbClr val="0070C0"/>
+                </a:solidFill>
+                <a:latin typeface="Courier" charset="0"/>
+                <a:ea typeface="Courier" charset="0"/>
+                <a:cs typeface="Courier" charset="0"/>
+              </a:rPr>
+              <a:t>R_TxC</a:t>
+            </a:r>
+            <a:r>
+              <a:rPr lang="en-US" sz="750" b="1" dirty="0">
+                <a:solidFill>
+                  <a:srgbClr val="0070C0"/>
+                </a:solidFill>
+                <a:latin typeface="Courier" charset="0"/>
+                <a:ea typeface="Courier" charset="0"/>
+                <a:cs typeface="Courier" charset="0"/>
+              </a:rPr>
+              <a:t>)             |</a:t>
+            </a:r>
+          </a:p>
+          <a:p>
+            <a:pPr>
+              <a:spcAft>
+                <a:spcPts val="0"/>
+              </a:spcAft>
+            </a:pPr>
+            <a:r>
+              <a:rPr lang="en-US" sz="750" b="1" dirty="0">
+                <a:solidFill>
+                  <a:srgbClr val="0070C0"/>
+                </a:solidFill>
+                <a:latin typeface="Courier" charset="0"/>
+                <a:ea typeface="Courier" charset="0"/>
+                <a:cs typeface="Courier" charset="0"/>
+              </a:rPr>
+              <a:t>      +-+-+-+-+-+-+-+-+-+-+-+-+-+-+-+-+-+-+-+-+-+-+-+-+-+-+-+-+-+-+-+-+</a:t>
+            </a:r>
+          </a:p>
+          <a:p>
+            <a:pPr>
+              <a:spcAft>
+                <a:spcPts val="0"/>
+              </a:spcAft>
+            </a:pPr>
+            <a:r>
+              <a:rPr lang="en-US" sz="750" b="1" dirty="0">
+                <a:latin typeface="Courier" charset="0"/>
+                <a:ea typeface="Courier" charset="0"/>
+                <a:cs typeface="Courier" charset="0"/>
+              </a:rPr>
+              <a:t>      |             Type              |           Length              |</a:t>
+            </a:r>
+          </a:p>
+          <a:p>
+            <a:pPr>
+              <a:spcAft>
+                <a:spcPts val="0"/>
+              </a:spcAft>
+            </a:pPr>
+            <a:r>
+              <a:rPr lang="en-US" sz="750" b="1" dirty="0">
+                <a:latin typeface="Courier" charset="0"/>
+                <a:ea typeface="Courier" charset="0"/>
+                <a:cs typeface="Courier" charset="0"/>
+              </a:rPr>
+              <a:t>      +-+-+-+-+-+-+-+-+-+-+-+-+-+-+-+-+-+-+-+-+-+-+-+-+-+-+-+-+-+-+-+-+</a:t>
+            </a:r>
+          </a:p>
+          <a:p>
+            <a:pPr>
+              <a:spcAft>
+                <a:spcPts val="0"/>
+              </a:spcAft>
+            </a:pPr>
+            <a:r>
+              <a:rPr lang="en-US" sz="750" b="1" dirty="0">
+                <a:latin typeface="Courier" charset="0"/>
+                <a:ea typeface="Courier" charset="0"/>
+                <a:cs typeface="Courier" charset="0"/>
+              </a:rPr>
+              <a:t>      ~                            Value                              ~</a:t>
+            </a:r>
+          </a:p>
+          <a:p>
+            <a:pPr>
+              <a:spcAft>
+                <a:spcPts val="0"/>
+              </a:spcAft>
+            </a:pPr>
+            <a:r>
+              <a:rPr lang="en-US" sz="750" b="1" dirty="0">
+                <a:latin typeface="Courier" charset="0"/>
+                <a:ea typeface="Courier" charset="0"/>
+                <a:cs typeface="Courier" charset="0"/>
+              </a:rPr>
+              <a:t>      +-+-+-+-+-+-+-+-+-+-+-+-+-+-+-+-+-+-+-+-+-+-+-+-+-+-+-+-+-+-+-+-+</a:t>
+            </a:r>
+          </a:p>
+          <a:p>
+            <a:pPr>
+              <a:spcAft>
+                <a:spcPts val="0"/>
+              </a:spcAft>
+            </a:pPr>
+            <a:endParaRPr lang="en-US" sz="750" b="1" dirty="0">
+              <a:latin typeface="Courier" charset="0"/>
+              <a:ea typeface="Courier" charset="0"/>
+              <a:cs typeface="Courier" charset="0"/>
+            </a:endParaRPr>
+          </a:p>
+          <a:p>
+            <a:pPr>
+              <a:spcAft>
+                <a:spcPts val="0"/>
+              </a:spcAft>
+            </a:pPr>
+            <a:r>
+              <a:rPr lang="en-US" sz="750" b="1" dirty="0">
+                <a:latin typeface="Courier" charset="0"/>
+                <a:ea typeface="Courier" charset="0"/>
+                <a:cs typeface="Courier" charset="0"/>
+              </a:rPr>
+              <a:t>	    Figure: Sender Message Format</a:t>
+            </a:r>
+          </a:p>
+        </p:txBody>
+      </p:sp>
+      <p:sp>
+        <p:nvSpPr>
+          <p:cNvPr id="14" name="Rectangle 13">
+            <a:extLst>
+              <a:ext uri="{FF2B5EF4-FFF2-40B4-BE49-F238E27FC236}">
+                <a16:creationId xmlns:a16="http://schemas.microsoft.com/office/drawing/2014/main" id="{5F9D9D1B-92A3-C64D-87B1-9B0B9C9E3A13}"/>
+              </a:ext>
+            </a:extLst>
+          </p:cNvPr>
+          <p:cNvSpPr/>
+          <p:nvPr/>
+        </p:nvSpPr>
+        <p:spPr>
+          <a:xfrm>
+            <a:off x="4460110" y="597635"/>
+            <a:ext cx="4368799" cy="4247317"/>
+          </a:xfrm>
+          <a:prstGeom prst="rect">
+            <a:avLst/>
+          </a:prstGeom>
+          <a:solidFill>
+            <a:schemeClr val="accent6">
+              <a:lumMod val="20000"/>
+              <a:lumOff val="80000"/>
+            </a:schemeClr>
+          </a:solidFill>
+        </p:spPr>
+        <p:txBody>
+          <a:bodyPr wrap="square">
+            <a:spAutoFit/>
+          </a:bodyPr>
+          <a:lstStyle/>
+          <a:p>
+            <a:pPr>
+              <a:spcAft>
+                <a:spcPts val="0"/>
+              </a:spcAft>
+            </a:pPr>
+            <a:r>
+              <a:rPr lang="en-US" sz="750" b="1" dirty="0">
+                <a:latin typeface="Courier" charset="0"/>
+                <a:ea typeface="Courier" charset="0"/>
+                <a:cs typeface="Courier" charset="0"/>
+              </a:rPr>
+              <a:t>     0                   1                   2                   3</a:t>
+            </a:r>
+          </a:p>
+          <a:p>
+            <a:pPr>
+              <a:spcAft>
+                <a:spcPts val="0"/>
+              </a:spcAft>
+            </a:pPr>
+            <a:r>
+              <a:rPr lang="en-US" sz="750" b="1" dirty="0">
+                <a:latin typeface="Courier" charset="0"/>
+                <a:ea typeface="Courier" charset="0"/>
+                <a:cs typeface="Courier" charset="0"/>
+              </a:rPr>
+              <a:t>     0 1 2 3 4 5 6 7 8 9 0 1 2 3 4 5 6 7 8 9 0 1 2 3 4 5 6 7 8 9 0 1</a:t>
+            </a:r>
+          </a:p>
+          <a:p>
+            <a:pPr>
+              <a:spcAft>
+                <a:spcPts val="0"/>
+              </a:spcAft>
+            </a:pPr>
+            <a:r>
+              <a:rPr lang="en-US" sz="750" b="1" dirty="0">
+                <a:latin typeface="Courier" charset="0"/>
+                <a:ea typeface="Courier" charset="0"/>
+                <a:cs typeface="Courier" charset="0"/>
+              </a:rPr>
+              <a:t>    +-+-+-+-+-+-+-+-+-+-+-+-+-+-+-+-+-+-+-+-+-+-+-+-+-+-+-+-+-+-+-+-+</a:t>
+            </a:r>
+          </a:p>
+          <a:p>
+            <a:pPr>
+              <a:spcAft>
+                <a:spcPts val="0"/>
+              </a:spcAft>
+            </a:pPr>
+            <a:r>
+              <a:rPr lang="en-US" sz="750" b="1" dirty="0">
+                <a:latin typeface="Courier" charset="0"/>
+                <a:ea typeface="Courier" charset="0"/>
+                <a:cs typeface="Courier" charset="0"/>
+              </a:rPr>
+              <a:t>    |                        Sequence Number                        |</a:t>
+            </a:r>
+          </a:p>
+          <a:p>
+            <a:pPr>
+              <a:spcAft>
+                <a:spcPts val="0"/>
+              </a:spcAft>
+            </a:pPr>
+            <a:r>
+              <a:rPr lang="en-US" sz="750" b="1" dirty="0">
+                <a:latin typeface="Courier" charset="0"/>
+                <a:ea typeface="Courier" charset="0"/>
+                <a:cs typeface="Courier" charset="0"/>
+              </a:rPr>
+              <a:t>    +-+-+-+-+-+-+-+-+-+-+-+-+-+-+-+-+-+-+-+-+-+-+-+-+-+-+-+-+-+-+-+-+</a:t>
+            </a:r>
+          </a:p>
+          <a:p>
+            <a:pPr>
+              <a:spcAft>
+                <a:spcPts val="0"/>
+              </a:spcAft>
+            </a:pPr>
+            <a:r>
+              <a:rPr lang="en-US" sz="750" b="1" dirty="0">
+                <a:latin typeface="Courier" charset="0"/>
+                <a:ea typeface="Courier" charset="0"/>
+                <a:cs typeface="Courier" charset="0"/>
+              </a:rPr>
+              <a:t>    |                          Timestamp                            |</a:t>
+            </a:r>
+          </a:p>
+          <a:p>
+            <a:pPr>
+              <a:spcAft>
+                <a:spcPts val="0"/>
+              </a:spcAft>
+            </a:pPr>
+            <a:r>
+              <a:rPr lang="en-US" sz="750" b="1" dirty="0">
+                <a:latin typeface="Courier" charset="0"/>
+                <a:ea typeface="Courier" charset="0"/>
+                <a:cs typeface="Courier" charset="0"/>
+              </a:rPr>
+              <a:t>    |                                                               |</a:t>
+            </a:r>
+          </a:p>
+          <a:p>
+            <a:pPr>
+              <a:spcAft>
+                <a:spcPts val="0"/>
+              </a:spcAft>
+            </a:pPr>
+            <a:r>
+              <a:rPr lang="en-US" sz="750" b="1" dirty="0">
+                <a:latin typeface="Courier" charset="0"/>
+                <a:ea typeface="Courier" charset="0"/>
+                <a:cs typeface="Courier" charset="0"/>
+              </a:rPr>
+              <a:t>    +-+-+-+-+-+-+-+-+-+-+-+-+-+-+-+-+-+-+-+-+-+-+-+-+-+-+-+-+-+-+-+-+</a:t>
+            </a:r>
+          </a:p>
+          <a:p>
+            <a:pPr>
+              <a:spcAft>
+                <a:spcPts val="0"/>
+              </a:spcAft>
+            </a:pPr>
+            <a:r>
+              <a:rPr lang="en-US" sz="750" b="1" dirty="0">
+                <a:latin typeface="Courier" charset="0"/>
+                <a:ea typeface="Courier" charset="0"/>
+                <a:cs typeface="Courier" charset="0"/>
+              </a:rPr>
+              <a:t>    |         Error Estimate        |           MBZ                 |</a:t>
+            </a:r>
+          </a:p>
+          <a:p>
+            <a:pPr>
+              <a:spcAft>
+                <a:spcPts val="0"/>
+              </a:spcAft>
+            </a:pPr>
+            <a:r>
+              <a:rPr lang="en-US" sz="750" b="1" dirty="0">
+                <a:latin typeface="Courier" charset="0"/>
+                <a:ea typeface="Courier" charset="0"/>
+                <a:cs typeface="Courier" charset="0"/>
+              </a:rPr>
+              <a:t>    +-+-+-+-+-+-+-+-+-+-+-+-+-+-+-+-+-+-+-+-+-+-+-+-+-+-+-+-+-+-+-+-+</a:t>
+            </a:r>
+          </a:p>
+          <a:p>
+            <a:pPr>
+              <a:spcAft>
+                <a:spcPts val="0"/>
+              </a:spcAft>
+            </a:pPr>
+            <a:r>
+              <a:rPr lang="en-US" sz="750" b="1" dirty="0">
+                <a:latin typeface="Courier" charset="0"/>
+                <a:ea typeface="Courier" charset="0"/>
+                <a:cs typeface="Courier" charset="0"/>
+              </a:rPr>
+              <a:t>    |                          Receive Timestamp                    |</a:t>
+            </a:r>
+          </a:p>
+          <a:p>
+            <a:pPr>
+              <a:spcAft>
+                <a:spcPts val="0"/>
+              </a:spcAft>
+            </a:pPr>
+            <a:r>
+              <a:rPr lang="en-US" sz="750" b="1" dirty="0">
+                <a:latin typeface="Courier" charset="0"/>
+                <a:ea typeface="Courier" charset="0"/>
+                <a:cs typeface="Courier" charset="0"/>
+              </a:rPr>
+              <a:t>    |                                                               |</a:t>
+            </a:r>
+          </a:p>
+          <a:p>
+            <a:pPr>
+              <a:spcAft>
+                <a:spcPts val="0"/>
+              </a:spcAft>
+            </a:pPr>
+            <a:r>
+              <a:rPr lang="en-US" sz="750" b="1" dirty="0">
+                <a:latin typeface="Courier" charset="0"/>
+                <a:ea typeface="Courier" charset="0"/>
+                <a:cs typeface="Courier" charset="0"/>
+              </a:rPr>
+              <a:t>    +-+-+-+-+-+-+-+-+-+-+-+-+-+-+-+-+-+-+-+-+-+-+-+-+-+-+-+-+-+-+-+-+</a:t>
+            </a:r>
+          </a:p>
+          <a:p>
+            <a:pPr>
+              <a:spcAft>
+                <a:spcPts val="0"/>
+              </a:spcAft>
+            </a:pPr>
+            <a:r>
+              <a:rPr lang="en-US" sz="750" b="1" dirty="0">
+                <a:latin typeface="Courier" charset="0"/>
+                <a:ea typeface="Courier" charset="0"/>
+                <a:cs typeface="Courier" charset="0"/>
+              </a:rPr>
+              <a:t>    |                 Session-Sender Sequence Number                |</a:t>
+            </a:r>
+          </a:p>
+          <a:p>
+            <a:pPr>
+              <a:spcAft>
+                <a:spcPts val="0"/>
+              </a:spcAft>
+            </a:pPr>
+            <a:r>
+              <a:rPr lang="en-US" sz="750" b="1" dirty="0">
+                <a:latin typeface="Courier" charset="0"/>
+                <a:ea typeface="Courier" charset="0"/>
+                <a:cs typeface="Courier" charset="0"/>
+              </a:rPr>
+              <a:t>    +-+-+-+-+-+-+-+-+-+-+-+-+-+-+-+-+-+-+-+-+-+-+-+-+-+-+-+-+-+-+-+-+</a:t>
+            </a:r>
+          </a:p>
+          <a:p>
+            <a:pPr>
+              <a:spcAft>
+                <a:spcPts val="0"/>
+              </a:spcAft>
+            </a:pPr>
+            <a:r>
+              <a:rPr lang="en-US" sz="750" b="1" dirty="0">
+                <a:latin typeface="Courier" charset="0"/>
+                <a:ea typeface="Courier" charset="0"/>
+                <a:cs typeface="Courier" charset="0"/>
+              </a:rPr>
+              <a:t>    |                  Session-Sender Timestamp                     |</a:t>
+            </a:r>
+          </a:p>
+          <a:p>
+            <a:pPr>
+              <a:spcAft>
+                <a:spcPts val="0"/>
+              </a:spcAft>
+            </a:pPr>
+            <a:r>
+              <a:rPr lang="en-US" sz="750" b="1" dirty="0">
+                <a:latin typeface="Courier" charset="0"/>
+                <a:ea typeface="Courier" charset="0"/>
+                <a:cs typeface="Courier" charset="0"/>
+              </a:rPr>
+              <a:t>    |                                                               |</a:t>
+            </a:r>
+          </a:p>
+          <a:p>
+            <a:pPr>
+              <a:spcAft>
+                <a:spcPts val="0"/>
+              </a:spcAft>
+            </a:pPr>
+            <a:r>
+              <a:rPr lang="en-US" sz="750" b="1" dirty="0">
+                <a:latin typeface="Courier" charset="0"/>
+                <a:ea typeface="Courier" charset="0"/>
+                <a:cs typeface="Courier" charset="0"/>
+              </a:rPr>
+              <a:t>    +-+-+-+-+-+-+-+-+-+-+-+-+-+-+-+-+-+-+-+-+-+-+-+-+-+-+-+-+-+-+-+-+</a:t>
+            </a:r>
+          </a:p>
+          <a:p>
+            <a:pPr>
+              <a:spcAft>
+                <a:spcPts val="0"/>
+              </a:spcAft>
+            </a:pPr>
+            <a:r>
+              <a:rPr lang="en-US" sz="750" b="1" dirty="0">
+                <a:latin typeface="Courier" charset="0"/>
+                <a:ea typeface="Courier" charset="0"/>
+                <a:cs typeface="Courier" charset="0"/>
+              </a:rPr>
+              <a:t>    | Session-Sender Error Estimate |           MBZ                 |</a:t>
+            </a:r>
+          </a:p>
+          <a:p>
+            <a:pPr>
+              <a:spcAft>
+                <a:spcPts val="0"/>
+              </a:spcAft>
+            </a:pPr>
+            <a:r>
+              <a:rPr lang="en-US" sz="750" b="1" dirty="0">
+                <a:latin typeface="Courier" charset="0"/>
+                <a:ea typeface="Courier" charset="0"/>
+                <a:cs typeface="Courier" charset="0"/>
+              </a:rPr>
+              <a:t>    +-+-+-+-+-+-+-+-+-+-+-+-+-+-+-+-+-+-+-+-+-+-+-+-+-+-+-+-+-+-+-+-+</a:t>
+            </a:r>
+          </a:p>
+          <a:p>
+            <a:pPr>
+              <a:spcAft>
+                <a:spcPts val="0"/>
+              </a:spcAft>
+            </a:pPr>
+            <a:r>
+              <a:rPr lang="en-US" sz="750" b="1" dirty="0">
+                <a:latin typeface="Courier" charset="0"/>
+                <a:ea typeface="Courier" charset="0"/>
+                <a:cs typeface="Courier" charset="0"/>
+              </a:rPr>
+              <a:t>    |</a:t>
+            </a:r>
+            <a:r>
+              <a:rPr lang="en-US" sz="750" b="1" dirty="0" err="1">
+                <a:latin typeface="Courier" charset="0"/>
+                <a:ea typeface="Courier" charset="0"/>
+                <a:cs typeface="Courier" charset="0"/>
+              </a:rPr>
+              <a:t>Ses</a:t>
+            </a:r>
+            <a:r>
+              <a:rPr lang="en-US" sz="750" b="1" dirty="0">
+                <a:latin typeface="Courier" charset="0"/>
+                <a:ea typeface="Courier" charset="0"/>
+                <a:cs typeface="Courier" charset="0"/>
+              </a:rPr>
+              <a:t>-Sender TTL |                  MBZ2                         |</a:t>
+            </a:r>
+          </a:p>
+          <a:p>
+            <a:pPr>
+              <a:spcAft>
+                <a:spcPts val="0"/>
+              </a:spcAft>
+            </a:pPr>
+            <a:r>
+              <a:rPr lang="en-US" sz="750" b="1" dirty="0">
+                <a:latin typeface="Courier" charset="0"/>
+                <a:ea typeface="Courier" charset="0"/>
+                <a:cs typeface="Courier" charset="0"/>
+              </a:rPr>
+              <a:t>    +-+-+-+-+-+-+-+-+-+-+-+-+-+-+-+-+-+-+-+-+-+-+-+-+-+-+-+-+-+-+-+-+</a:t>
+            </a:r>
+          </a:p>
+          <a:p>
+            <a:pPr>
+              <a:spcAft>
+                <a:spcPts val="0"/>
+              </a:spcAft>
+            </a:pPr>
+            <a:r>
+              <a:rPr lang="en-US" sz="750" b="1" dirty="0">
+                <a:solidFill>
+                  <a:srgbClr val="0070C0"/>
+                </a:solidFill>
+                <a:latin typeface="Courier" charset="0"/>
+                <a:ea typeface="Courier" charset="0"/>
+                <a:cs typeface="Courier" charset="0"/>
+              </a:rPr>
+              <a:t>    |    Direct Measurement Type    |           Length              |</a:t>
+            </a:r>
+          </a:p>
+          <a:p>
+            <a:pPr>
+              <a:spcAft>
+                <a:spcPts val="0"/>
+              </a:spcAft>
+            </a:pPr>
+            <a:r>
+              <a:rPr lang="en-US" sz="750" b="1" dirty="0">
+                <a:solidFill>
+                  <a:srgbClr val="0070C0"/>
+                </a:solidFill>
+                <a:latin typeface="Courier" charset="0"/>
+                <a:ea typeface="Courier" charset="0"/>
+                <a:cs typeface="Courier" charset="0"/>
+              </a:rPr>
+              <a:t>    +-+-+-+-+-+-+-+-+-+-+-+-+-+-+-+-+-+-+-+-+-+-+-+-+-+-+-+-+-+-+-+-+</a:t>
+            </a:r>
+          </a:p>
+          <a:p>
+            <a:pPr>
+              <a:spcAft>
+                <a:spcPts val="0"/>
+              </a:spcAft>
+            </a:pPr>
+            <a:r>
+              <a:rPr lang="en-US" sz="750" b="1" dirty="0">
+                <a:solidFill>
+                  <a:srgbClr val="0070C0"/>
+                </a:solidFill>
+                <a:latin typeface="Courier" charset="0"/>
+                <a:ea typeface="Courier" charset="0"/>
+                <a:cs typeface="Courier" charset="0"/>
+              </a:rPr>
+              <a:t>    |             Session-Sender Tx counter  (</a:t>
+            </a:r>
+            <a:r>
+              <a:rPr lang="en-US" sz="750" b="1" dirty="0" err="1">
+                <a:solidFill>
+                  <a:srgbClr val="0070C0"/>
+                </a:solidFill>
+                <a:latin typeface="Courier" charset="0"/>
+                <a:ea typeface="Courier" charset="0"/>
+                <a:cs typeface="Courier" charset="0"/>
+              </a:rPr>
+              <a:t>S_TxC</a:t>
+            </a:r>
+            <a:r>
+              <a:rPr lang="en-US" sz="750" b="1" dirty="0">
+                <a:solidFill>
+                  <a:srgbClr val="0070C0"/>
+                </a:solidFill>
+                <a:latin typeface="Courier" charset="0"/>
+                <a:ea typeface="Courier" charset="0"/>
+                <a:cs typeface="Courier" charset="0"/>
+              </a:rPr>
+              <a:t>)                |</a:t>
+            </a:r>
+          </a:p>
+          <a:p>
+            <a:pPr>
+              <a:spcAft>
+                <a:spcPts val="0"/>
+              </a:spcAft>
+            </a:pPr>
+            <a:r>
+              <a:rPr lang="en-US" sz="750" b="1" dirty="0">
+                <a:solidFill>
+                  <a:srgbClr val="0070C0"/>
+                </a:solidFill>
+                <a:latin typeface="Courier" charset="0"/>
+                <a:ea typeface="Courier" charset="0"/>
+                <a:cs typeface="Courier" charset="0"/>
+              </a:rPr>
+              <a:t>    +-+-+-+-+-+-+-+-+-+-+-+-+-+-+-+-+-+-+-+-+-+-+-+-+-+-+-+-+-+-+-+-+</a:t>
+            </a:r>
+          </a:p>
+          <a:p>
+            <a:pPr>
+              <a:spcAft>
+                <a:spcPts val="0"/>
+              </a:spcAft>
+            </a:pPr>
+            <a:r>
+              <a:rPr lang="en-US" sz="750" b="1" dirty="0">
+                <a:solidFill>
+                  <a:srgbClr val="0070C0"/>
+                </a:solidFill>
+                <a:latin typeface="Courier" charset="0"/>
+                <a:ea typeface="Courier" charset="0"/>
+                <a:cs typeface="Courier" charset="0"/>
+              </a:rPr>
+              <a:t>    |             Session-Reflector Rx counter  (</a:t>
+            </a:r>
+            <a:r>
+              <a:rPr lang="en-US" sz="750" b="1" dirty="0" err="1">
+                <a:solidFill>
+                  <a:srgbClr val="0070C0"/>
+                </a:solidFill>
+                <a:latin typeface="Courier" charset="0"/>
+                <a:ea typeface="Courier" charset="0"/>
+                <a:cs typeface="Courier" charset="0"/>
+              </a:rPr>
+              <a:t>R_RxC</a:t>
+            </a:r>
+            <a:r>
+              <a:rPr lang="en-US" sz="750" b="1" dirty="0">
+                <a:solidFill>
+                  <a:srgbClr val="0070C0"/>
+                </a:solidFill>
+                <a:latin typeface="Courier" charset="0"/>
+                <a:ea typeface="Courier" charset="0"/>
+                <a:cs typeface="Courier" charset="0"/>
+              </a:rPr>
+              <a:t>)             |</a:t>
+            </a:r>
+          </a:p>
+          <a:p>
+            <a:pPr>
+              <a:spcAft>
+                <a:spcPts val="0"/>
+              </a:spcAft>
+            </a:pPr>
+            <a:r>
+              <a:rPr lang="en-US" sz="750" b="1" dirty="0">
+                <a:solidFill>
+                  <a:srgbClr val="0070C0"/>
+                </a:solidFill>
+                <a:latin typeface="Courier" charset="0"/>
+                <a:ea typeface="Courier" charset="0"/>
+                <a:cs typeface="Courier" charset="0"/>
+              </a:rPr>
+              <a:t>    +-+-+-+-+-+-+-+-+-+-+-+-+-+-+-+-+-+-+-+-+-+-+-+-+-+-+-+-+-+-+-+-+</a:t>
+            </a:r>
+          </a:p>
+          <a:p>
+            <a:pPr>
+              <a:spcAft>
+                <a:spcPts val="0"/>
+              </a:spcAft>
+            </a:pPr>
+            <a:r>
+              <a:rPr lang="en-US" sz="750" b="1" dirty="0">
+                <a:solidFill>
+                  <a:srgbClr val="0070C0"/>
+                </a:solidFill>
+                <a:latin typeface="Courier" charset="0"/>
+                <a:ea typeface="Courier" charset="0"/>
+                <a:cs typeface="Courier" charset="0"/>
+              </a:rPr>
+              <a:t>    |             Session-Reflector Tx counter  (</a:t>
+            </a:r>
+            <a:r>
+              <a:rPr lang="en-US" sz="750" b="1" dirty="0" err="1">
+                <a:solidFill>
+                  <a:srgbClr val="0070C0"/>
+                </a:solidFill>
+                <a:latin typeface="Courier" charset="0"/>
+                <a:ea typeface="Courier" charset="0"/>
+                <a:cs typeface="Courier" charset="0"/>
+              </a:rPr>
+              <a:t>R_TxC</a:t>
+            </a:r>
+            <a:r>
+              <a:rPr lang="en-US" sz="750" b="1" dirty="0">
+                <a:solidFill>
+                  <a:srgbClr val="0070C0"/>
+                </a:solidFill>
+                <a:latin typeface="Courier" charset="0"/>
+                <a:ea typeface="Courier" charset="0"/>
+                <a:cs typeface="Courier" charset="0"/>
+              </a:rPr>
+              <a:t>)             |</a:t>
+            </a:r>
+          </a:p>
+          <a:p>
+            <a:pPr>
+              <a:spcAft>
+                <a:spcPts val="0"/>
+              </a:spcAft>
+            </a:pPr>
+            <a:r>
+              <a:rPr lang="en-US" sz="750" b="1" dirty="0">
+                <a:solidFill>
+                  <a:srgbClr val="0070C0"/>
+                </a:solidFill>
+                <a:latin typeface="Courier" charset="0"/>
+                <a:ea typeface="Courier" charset="0"/>
+                <a:cs typeface="Courier" charset="0"/>
+              </a:rPr>
+              <a:t>    +-+-+-+-+-+-+-+-+-+-+-+-+-+-+-+-+-+-+-+-+-+-+-+-+-+-+-+-+-+-+-+-+</a:t>
+            </a:r>
+          </a:p>
+          <a:p>
+            <a:pPr>
+              <a:spcAft>
+                <a:spcPts val="0"/>
+              </a:spcAft>
+            </a:pPr>
+            <a:r>
+              <a:rPr lang="en-US" sz="750" b="1" dirty="0">
+                <a:latin typeface="Courier" charset="0"/>
+                <a:ea typeface="Courier" charset="0"/>
+                <a:cs typeface="Courier" charset="0"/>
+              </a:rPr>
+              <a:t>    |             Type              |           Length              |</a:t>
+            </a:r>
+          </a:p>
+          <a:p>
+            <a:pPr>
+              <a:spcAft>
+                <a:spcPts val="0"/>
+              </a:spcAft>
+            </a:pPr>
+            <a:r>
+              <a:rPr lang="en-US" sz="750" b="1" dirty="0">
+                <a:latin typeface="Courier" charset="0"/>
+                <a:ea typeface="Courier" charset="0"/>
+                <a:cs typeface="Courier" charset="0"/>
+              </a:rPr>
+              <a:t>    +-+-+-+-+-+-+-+-+-+-+-+-+-+-+-+-+-+-+-+-+-+-+-+-+-+-+-+-+-+-+-+-+</a:t>
+            </a:r>
+          </a:p>
+          <a:p>
+            <a:pPr>
+              <a:spcAft>
+                <a:spcPts val="0"/>
+              </a:spcAft>
+            </a:pPr>
+            <a:r>
+              <a:rPr lang="en-US" sz="750" b="1" dirty="0">
+                <a:latin typeface="Courier" charset="0"/>
+                <a:ea typeface="Courier" charset="0"/>
+                <a:cs typeface="Courier" charset="0"/>
+              </a:rPr>
+              <a:t>    ~                            Value                              ~</a:t>
+            </a:r>
+          </a:p>
+          <a:p>
+            <a:pPr>
+              <a:spcAft>
+                <a:spcPts val="0"/>
+              </a:spcAft>
+            </a:pPr>
+            <a:r>
+              <a:rPr lang="en-US" sz="750" b="1" dirty="0">
+                <a:latin typeface="Courier" charset="0"/>
+                <a:ea typeface="Courier" charset="0"/>
+                <a:cs typeface="Courier" charset="0"/>
+              </a:rPr>
+              <a:t>    +-+-+-+-+-+-+-+-+-+-+-+-+-+-+-+-+-+-+-+-+-+-+-+-+-+-+-+-+-+-+-+-+</a:t>
+            </a:r>
+          </a:p>
+          <a:p>
+            <a:pPr>
+              <a:spcAft>
+                <a:spcPts val="0"/>
+              </a:spcAft>
+            </a:pPr>
+            <a:endParaRPr lang="en-US" sz="750" b="1" dirty="0">
+              <a:latin typeface="Courier" charset="0"/>
+              <a:ea typeface="Courier" charset="0"/>
+              <a:cs typeface="Courier" charset="0"/>
+            </a:endParaRPr>
+          </a:p>
+          <a:p>
+            <a:pPr>
+              <a:spcAft>
+                <a:spcPts val="0"/>
+              </a:spcAft>
+            </a:pPr>
+            <a:r>
+              <a:rPr lang="en-US" sz="750" b="1" dirty="0">
+                <a:latin typeface="Courier" charset="0"/>
+                <a:ea typeface="Courier" charset="0"/>
+                <a:cs typeface="Courier" charset="0"/>
+              </a:rPr>
+              <a:t>	    Figure: Reflector Message Format</a:t>
+            </a:r>
+          </a:p>
+        </p:txBody>
+      </p:sp>
+      <p:sp>
+        <p:nvSpPr>
+          <p:cNvPr id="6" name="Footer Placeholder 3">
+            <a:extLst>
+              <a:ext uri="{FF2B5EF4-FFF2-40B4-BE49-F238E27FC236}">
+                <a16:creationId xmlns:a16="http://schemas.microsoft.com/office/drawing/2014/main" id="{DAAC01B7-F9FF-A94D-AC6F-E2071AD95C28}"/>
+              </a:ext>
+            </a:extLst>
+          </p:cNvPr>
+          <p:cNvSpPr txBox="1">
+            <a:spLocks/>
+          </p:cNvSpPr>
+          <p:nvPr/>
+        </p:nvSpPr>
+        <p:spPr>
+          <a:xfrm>
+            <a:off x="3505200" y="4805362"/>
+            <a:ext cx="2209800" cy="357188"/>
+          </a:xfrm>
+          <a:prstGeom prst="rect">
+            <a:avLst/>
+          </a:prstGeom>
+        </p:spPr>
+        <p:txBody>
+          <a:bodyPr/>
+          <a:lstStyle>
+            <a:defPPr>
+              <a:defRPr lang="zh-CN"/>
+            </a:defPPr>
+            <a:lvl1pPr algn="l" rtl="0" fontAlgn="base">
+              <a:spcBef>
+                <a:spcPct val="0"/>
+              </a:spcBef>
+              <a:spcAft>
+                <a:spcPct val="0"/>
+              </a:spcAft>
+              <a:defRPr kern="1200">
+                <a:solidFill>
+                  <a:schemeClr val="tx1"/>
+                </a:solidFill>
+                <a:latin typeface="Arial" charset="0"/>
+                <a:ea typeface="宋体" pitchFamily="2" charset="-122"/>
+                <a:cs typeface="+mn-cs"/>
+              </a:defRPr>
+            </a:lvl1pPr>
+            <a:lvl2pPr marL="457200" algn="l" rtl="0" fontAlgn="base">
+              <a:spcBef>
+                <a:spcPct val="0"/>
+              </a:spcBef>
+              <a:spcAft>
+                <a:spcPct val="0"/>
+              </a:spcAft>
+              <a:defRPr kern="1200">
+                <a:solidFill>
+                  <a:schemeClr val="tx1"/>
+                </a:solidFill>
+                <a:latin typeface="Arial" charset="0"/>
+                <a:ea typeface="宋体" pitchFamily="2" charset="-122"/>
+                <a:cs typeface="+mn-cs"/>
+              </a:defRPr>
+            </a:lvl2pPr>
+            <a:lvl3pPr marL="914400" algn="l" rtl="0" fontAlgn="base">
+              <a:spcBef>
+                <a:spcPct val="0"/>
+              </a:spcBef>
+              <a:spcAft>
+                <a:spcPct val="0"/>
+              </a:spcAft>
+              <a:defRPr kern="1200">
+                <a:solidFill>
+                  <a:schemeClr val="tx1"/>
+                </a:solidFill>
+                <a:latin typeface="Arial" charset="0"/>
+                <a:ea typeface="宋体" pitchFamily="2" charset="-122"/>
+                <a:cs typeface="+mn-cs"/>
+              </a:defRPr>
+            </a:lvl3pPr>
+            <a:lvl4pPr marL="1371600" algn="l" rtl="0" fontAlgn="base">
+              <a:spcBef>
+                <a:spcPct val="0"/>
+              </a:spcBef>
+              <a:spcAft>
+                <a:spcPct val="0"/>
+              </a:spcAft>
+              <a:defRPr kern="1200">
+                <a:solidFill>
+                  <a:schemeClr val="tx1"/>
+                </a:solidFill>
+                <a:latin typeface="Arial" charset="0"/>
+                <a:ea typeface="宋体" pitchFamily="2" charset="-122"/>
+                <a:cs typeface="+mn-cs"/>
+              </a:defRPr>
+            </a:lvl4pPr>
+            <a:lvl5pPr marL="1828800" algn="l" rtl="0" fontAlgn="base">
+              <a:spcBef>
+                <a:spcPct val="0"/>
+              </a:spcBef>
+              <a:spcAft>
+                <a:spcPct val="0"/>
+              </a:spcAft>
+              <a:defRPr kern="1200">
+                <a:solidFill>
+                  <a:schemeClr val="tx1"/>
+                </a:solidFill>
+                <a:latin typeface="Arial" charset="0"/>
+                <a:ea typeface="宋体" pitchFamily="2" charset="-122"/>
+                <a:cs typeface="+mn-cs"/>
+              </a:defRPr>
+            </a:lvl5pPr>
+            <a:lvl6pPr marL="2286000" algn="l" defTabSz="914400" rtl="0" eaLnBrk="1" latinLnBrk="0" hangingPunct="1">
+              <a:defRPr kern="1200">
+                <a:solidFill>
+                  <a:schemeClr val="tx1"/>
+                </a:solidFill>
+                <a:latin typeface="Arial" charset="0"/>
+                <a:ea typeface="宋体" pitchFamily="2" charset="-122"/>
+                <a:cs typeface="+mn-cs"/>
+              </a:defRPr>
+            </a:lvl6pPr>
+            <a:lvl7pPr marL="2743200" algn="l" defTabSz="914400" rtl="0" eaLnBrk="1" latinLnBrk="0" hangingPunct="1">
+              <a:defRPr kern="1200">
+                <a:solidFill>
+                  <a:schemeClr val="tx1"/>
+                </a:solidFill>
+                <a:latin typeface="Arial" charset="0"/>
+                <a:ea typeface="宋体" pitchFamily="2" charset="-122"/>
+                <a:cs typeface="+mn-cs"/>
+              </a:defRPr>
+            </a:lvl7pPr>
+            <a:lvl8pPr marL="3200400" algn="l" defTabSz="914400" rtl="0" eaLnBrk="1" latinLnBrk="0" hangingPunct="1">
+              <a:defRPr kern="1200">
+                <a:solidFill>
+                  <a:schemeClr val="tx1"/>
+                </a:solidFill>
+                <a:latin typeface="Arial" charset="0"/>
+                <a:ea typeface="宋体" pitchFamily="2" charset="-122"/>
+                <a:cs typeface="+mn-cs"/>
+              </a:defRPr>
+            </a:lvl8pPr>
+            <a:lvl9pPr marL="3657600" algn="l" defTabSz="914400" rtl="0" eaLnBrk="1" latinLnBrk="0" hangingPunct="1">
+              <a:defRPr kern="1200">
+                <a:solidFill>
+                  <a:schemeClr val="tx1"/>
+                </a:solidFill>
+                <a:latin typeface="Arial" charset="0"/>
+                <a:ea typeface="宋体" pitchFamily="2" charset="-122"/>
+                <a:cs typeface="+mn-cs"/>
+              </a:defRPr>
+            </a:lvl9pPr>
+          </a:lstStyle>
+          <a:p>
+            <a:pPr>
+              <a:defRPr/>
+            </a:pPr>
+            <a:r>
+              <a:rPr lang="en-US" altLang="zh-CN" sz="1400" dirty="0"/>
+              <a:t>106</a:t>
+            </a:r>
+            <a:r>
+              <a:rPr lang="en-US" altLang="zh-CN" sz="1400" baseline="30000" dirty="0"/>
+              <a:t>th</a:t>
+            </a:r>
+            <a:r>
+              <a:rPr lang="en-US" altLang="zh-CN" sz="1400" dirty="0"/>
+              <a:t> IETF @ Singapore</a:t>
+            </a:r>
+          </a:p>
+        </p:txBody>
+      </p:sp>
+      <p:sp>
+        <p:nvSpPr>
+          <p:cNvPr id="7" name="Slide Number Placeholder 2">
+            <a:extLst>
+              <a:ext uri="{FF2B5EF4-FFF2-40B4-BE49-F238E27FC236}">
+                <a16:creationId xmlns:a16="http://schemas.microsoft.com/office/drawing/2014/main" id="{8D46899F-25E7-8042-9E81-459B5F041477}"/>
+              </a:ext>
+            </a:extLst>
+          </p:cNvPr>
+          <p:cNvSpPr txBox="1">
+            <a:spLocks/>
+          </p:cNvSpPr>
+          <p:nvPr/>
+        </p:nvSpPr>
+        <p:spPr>
+          <a:xfrm>
+            <a:off x="7823200" y="4735393"/>
+            <a:ext cx="1143000" cy="357188"/>
+          </a:xfrm>
+          <a:prstGeom prst="rect">
+            <a:avLst/>
+          </a:prstGeom>
+        </p:spPr>
+        <p:txBody>
+          <a:bodyPr/>
+          <a:lstStyle>
+            <a:defPPr>
+              <a:defRPr lang="zh-CN"/>
+            </a:defPPr>
+            <a:lvl1pPr algn="l" rtl="0" fontAlgn="base">
+              <a:spcBef>
+                <a:spcPct val="0"/>
+              </a:spcBef>
+              <a:spcAft>
+                <a:spcPct val="0"/>
+              </a:spcAft>
+              <a:defRPr kern="1200">
+                <a:solidFill>
+                  <a:schemeClr val="tx1"/>
+                </a:solidFill>
+                <a:latin typeface="Arial" charset="0"/>
+                <a:ea typeface="宋体" pitchFamily="2" charset="-122"/>
+                <a:cs typeface="+mn-cs"/>
+              </a:defRPr>
+            </a:lvl1pPr>
+            <a:lvl2pPr marL="457200" algn="l" rtl="0" fontAlgn="base">
+              <a:spcBef>
+                <a:spcPct val="0"/>
+              </a:spcBef>
+              <a:spcAft>
+                <a:spcPct val="0"/>
+              </a:spcAft>
+              <a:defRPr kern="1200">
+                <a:solidFill>
+                  <a:schemeClr val="tx1"/>
+                </a:solidFill>
+                <a:latin typeface="Arial" charset="0"/>
+                <a:ea typeface="宋体" pitchFamily="2" charset="-122"/>
+                <a:cs typeface="+mn-cs"/>
+              </a:defRPr>
+            </a:lvl2pPr>
+            <a:lvl3pPr marL="914400" algn="l" rtl="0" fontAlgn="base">
+              <a:spcBef>
+                <a:spcPct val="0"/>
+              </a:spcBef>
+              <a:spcAft>
+                <a:spcPct val="0"/>
+              </a:spcAft>
+              <a:defRPr kern="1200">
+                <a:solidFill>
+                  <a:schemeClr val="tx1"/>
+                </a:solidFill>
+                <a:latin typeface="Arial" charset="0"/>
+                <a:ea typeface="宋体" pitchFamily="2" charset="-122"/>
+                <a:cs typeface="+mn-cs"/>
+              </a:defRPr>
+            </a:lvl3pPr>
+            <a:lvl4pPr marL="1371600" algn="l" rtl="0" fontAlgn="base">
+              <a:spcBef>
+                <a:spcPct val="0"/>
+              </a:spcBef>
+              <a:spcAft>
+                <a:spcPct val="0"/>
+              </a:spcAft>
+              <a:defRPr kern="1200">
+                <a:solidFill>
+                  <a:schemeClr val="tx1"/>
+                </a:solidFill>
+                <a:latin typeface="Arial" charset="0"/>
+                <a:ea typeface="宋体" pitchFamily="2" charset="-122"/>
+                <a:cs typeface="+mn-cs"/>
+              </a:defRPr>
+            </a:lvl4pPr>
+            <a:lvl5pPr marL="1828800" algn="l" rtl="0" fontAlgn="base">
+              <a:spcBef>
+                <a:spcPct val="0"/>
+              </a:spcBef>
+              <a:spcAft>
+                <a:spcPct val="0"/>
+              </a:spcAft>
+              <a:defRPr kern="1200">
+                <a:solidFill>
+                  <a:schemeClr val="tx1"/>
+                </a:solidFill>
+                <a:latin typeface="Arial" charset="0"/>
+                <a:ea typeface="宋体" pitchFamily="2" charset="-122"/>
+                <a:cs typeface="+mn-cs"/>
+              </a:defRPr>
+            </a:lvl5pPr>
+            <a:lvl6pPr marL="2286000" algn="l" defTabSz="914400" rtl="0" eaLnBrk="1" latinLnBrk="0" hangingPunct="1">
+              <a:defRPr kern="1200">
+                <a:solidFill>
+                  <a:schemeClr val="tx1"/>
+                </a:solidFill>
+                <a:latin typeface="Arial" charset="0"/>
+                <a:ea typeface="宋体" pitchFamily="2" charset="-122"/>
+                <a:cs typeface="+mn-cs"/>
+              </a:defRPr>
+            </a:lvl6pPr>
+            <a:lvl7pPr marL="2743200" algn="l" defTabSz="914400" rtl="0" eaLnBrk="1" latinLnBrk="0" hangingPunct="1">
+              <a:defRPr kern="1200">
+                <a:solidFill>
+                  <a:schemeClr val="tx1"/>
+                </a:solidFill>
+                <a:latin typeface="Arial" charset="0"/>
+                <a:ea typeface="宋体" pitchFamily="2" charset="-122"/>
+                <a:cs typeface="+mn-cs"/>
+              </a:defRPr>
+            </a:lvl7pPr>
+            <a:lvl8pPr marL="3200400" algn="l" defTabSz="914400" rtl="0" eaLnBrk="1" latinLnBrk="0" hangingPunct="1">
+              <a:defRPr kern="1200">
+                <a:solidFill>
+                  <a:schemeClr val="tx1"/>
+                </a:solidFill>
+                <a:latin typeface="Arial" charset="0"/>
+                <a:ea typeface="宋体" pitchFamily="2" charset="-122"/>
+                <a:cs typeface="+mn-cs"/>
+              </a:defRPr>
+            </a:lvl8pPr>
+            <a:lvl9pPr marL="3657600" algn="l" defTabSz="914400" rtl="0" eaLnBrk="1" latinLnBrk="0" hangingPunct="1">
+              <a:defRPr kern="1200">
+                <a:solidFill>
+                  <a:schemeClr val="tx1"/>
+                </a:solidFill>
+                <a:latin typeface="Arial" charset="0"/>
+                <a:ea typeface="宋体" pitchFamily="2" charset="-122"/>
+                <a:cs typeface="+mn-cs"/>
+              </a:defRPr>
+            </a:lvl9pPr>
+          </a:lstStyle>
+          <a:p>
+            <a:pPr algn="r">
+              <a:defRPr/>
+            </a:pPr>
+            <a:fld id="{D5EE1D1A-EEC2-4D53-94A7-85D62C853479}" type="slidenum">
+              <a:rPr lang="en-US" altLang="zh-CN" sz="1400" smtClean="0"/>
+              <a:pPr algn="r">
+                <a:defRPr/>
+              </a:pPr>
+              <a:t>11</a:t>
+            </a:fld>
+            <a:endParaRPr lang="en-US" altLang="zh-CN" sz="1400" dirty="0"/>
+          </a:p>
+        </p:txBody>
+      </p:sp>
+      <p:cxnSp>
+        <p:nvCxnSpPr>
+          <p:cNvPr id="4" name="Straight Connector 3">
+            <a:extLst>
+              <a:ext uri="{FF2B5EF4-FFF2-40B4-BE49-F238E27FC236}">
+                <a16:creationId xmlns:a16="http://schemas.microsoft.com/office/drawing/2014/main" id="{0B9B10AD-8D48-D148-91E8-65E3279D89CE}"/>
+              </a:ext>
+            </a:extLst>
+          </p:cNvPr>
+          <p:cNvCxnSpPr/>
+          <p:nvPr/>
+        </p:nvCxnSpPr>
+        <p:spPr>
+          <a:xfrm>
+            <a:off x="4572000" y="597635"/>
+            <a:ext cx="0" cy="4207727"/>
+          </a:xfrm>
+          <a:prstGeom prst="line">
+            <a:avLst/>
+          </a:prstGeom>
+          <a:ln>
+            <a:solidFill>
+              <a:schemeClr val="tx2"/>
+            </a:solidFill>
+          </a:ln>
+        </p:spPr>
+        <p:style>
+          <a:lnRef idx="1">
+            <a:schemeClr val="accent1"/>
+          </a:lnRef>
+          <a:fillRef idx="0">
+            <a:schemeClr val="accent1"/>
+          </a:fillRef>
+          <a:effectRef idx="0">
+            <a:schemeClr val="accent1"/>
+          </a:effectRef>
+          <a:fontRef idx="minor">
+            <a:schemeClr val="tx1"/>
+          </a:fontRef>
+        </p:style>
+      </p:cxnSp>
+    </p:spTree>
+    <p:extLst>
+      <p:ext uri="{BB962C8B-B14F-4D97-AF65-F5344CB8AC3E}">
+        <p14:creationId xmlns:p14="http://schemas.microsoft.com/office/powerpoint/2010/main" val="3454801525"/>
+      </p:ext>
+    </p:extLst>
+  </p:cSld>
+  <p:clrMapOvr>
+    <a:masterClrMapping/>
+  </p:clrMapOvr>
+  <p:transition spd="med">
+    <p:fade/>
+  </p:transition>
+</p:sld>
+</file>
+
+<file path=ppt/slides/slide12.xml><?xml version="1.0" encoding="utf-8"?>
+<p:sld xmlns:a="http://schemas.openxmlformats.org/drawingml/2006/main" xmlns:r="http://schemas.openxmlformats.org/officeDocument/2006/relationships" xmlns:p="http://schemas.openxmlformats.org/presentationml/2006/main">
+  <p:cSld>
+    <p:spTree>
+      <p:nvGrpSpPr>
+        <p:cNvPr id="1" name=""/>
+        <p:cNvGrpSpPr/>
+        <p:nvPr/>
+      </p:nvGrpSpPr>
+      <p:grpSpPr>
+        <a:xfrm>
+          <a:off x="0" y="0"/>
+          <a:ext cx="0" cy="0"/>
+          <a:chOff x="0" y="0"/>
+          <a:chExt cx="0" cy="0"/>
+        </a:xfrm>
+      </p:grpSpPr>
+      <p:sp>
+        <p:nvSpPr>
+          <p:cNvPr id="4" name="Footer Placeholder 3"/>
+          <p:cNvSpPr>
+            <a:spLocks noGrp="1"/>
+          </p:cNvSpPr>
+          <p:nvPr>
+            <p:ph type="ftr" sz="quarter" idx="11"/>
+          </p:nvPr>
+        </p:nvSpPr>
+        <p:spPr>
+          <a:xfrm>
+            <a:off x="3048000" y="4786312"/>
+            <a:ext cx="2895600" cy="357188"/>
+          </a:xfrm>
+        </p:spPr>
+        <p:txBody>
+          <a:bodyPr/>
+          <a:lstStyle/>
+          <a:p>
+            <a:pPr>
+              <a:defRPr/>
+            </a:pPr>
+            <a:r>
+              <a:rPr lang="en-US" altLang="zh-CN" dirty="0"/>
+              <a:t>106</a:t>
+            </a:r>
+            <a:r>
+              <a:rPr lang="en-US" altLang="zh-CN" baseline="30000" dirty="0"/>
+              <a:t>th</a:t>
+            </a:r>
+            <a:r>
+              <a:rPr lang="en-US" altLang="zh-CN" dirty="0"/>
+              <a:t> IETF @ Singapore</a:t>
+            </a:r>
+          </a:p>
+        </p:txBody>
+      </p:sp>
+      <p:sp>
+        <p:nvSpPr>
+          <p:cNvPr id="5" name="Rectangle 2"/>
+          <p:cNvSpPr txBox="1">
+            <a:spLocks noChangeArrowheads="1"/>
+          </p:cNvSpPr>
+          <p:nvPr/>
+        </p:nvSpPr>
+        <p:spPr bwMode="auto">
+          <a:xfrm>
+            <a:off x="685800" y="1657350"/>
+            <a:ext cx="7772400" cy="1102519"/>
+          </a:xfrm>
+          <a:prstGeom prst="rect">
+            <a:avLst/>
+          </a:prstGeom>
+          <a:noFill/>
+          <a:ln w="9525">
+            <a:noFill/>
+            <a:miter lim="800000"/>
+            <a:headEnd/>
+            <a:tailEnd/>
+          </a:ln>
+          <a:effectLst/>
+        </p:spPr>
+        <p:txBody>
+          <a:bodyPr vert="horz" wrap="square" lIns="91440" tIns="45720" rIns="91440" bIns="45720" numCol="1" anchor="ctr" anchorCtr="0" compatLnSpc="1">
+            <a:prstTxWarp prst="textNoShape">
+              <a:avLst/>
+            </a:prstTxWarp>
+          </a:bodyPr>
+          <a:lstStyle>
+            <a:lvl1pPr algn="ctr" rtl="0" eaLnBrk="0" fontAlgn="base" hangingPunct="0">
+              <a:spcBef>
+                <a:spcPct val="0"/>
+              </a:spcBef>
+              <a:spcAft>
+                <a:spcPct val="0"/>
+              </a:spcAft>
+              <a:defRPr sz="4400">
+                <a:solidFill>
+                  <a:schemeClr val="tx2"/>
+                </a:solidFill>
+                <a:latin typeface="+mj-lt"/>
+                <a:ea typeface="+mj-ea"/>
+                <a:cs typeface="+mj-cs"/>
+              </a:defRPr>
+            </a:lvl1pPr>
+            <a:lvl2pPr algn="ctr" rtl="0" eaLnBrk="0" fontAlgn="base" hangingPunct="0">
+              <a:spcBef>
+                <a:spcPct val="0"/>
+              </a:spcBef>
+              <a:spcAft>
+                <a:spcPct val="0"/>
+              </a:spcAft>
+              <a:defRPr sz="4400">
+                <a:solidFill>
+                  <a:schemeClr val="tx2"/>
+                </a:solidFill>
+                <a:latin typeface="Arial" charset="0"/>
+                <a:ea typeface="宋体" pitchFamily="2" charset="-122"/>
+              </a:defRPr>
+            </a:lvl2pPr>
+            <a:lvl3pPr algn="ctr" rtl="0" eaLnBrk="0" fontAlgn="base" hangingPunct="0">
+              <a:spcBef>
+                <a:spcPct val="0"/>
+              </a:spcBef>
+              <a:spcAft>
+                <a:spcPct val="0"/>
+              </a:spcAft>
+              <a:defRPr sz="4400">
+                <a:solidFill>
+                  <a:schemeClr val="tx2"/>
+                </a:solidFill>
+                <a:latin typeface="Arial" charset="0"/>
+                <a:ea typeface="宋体" pitchFamily="2" charset="-122"/>
+              </a:defRPr>
+            </a:lvl3pPr>
+            <a:lvl4pPr algn="ctr" rtl="0" eaLnBrk="0" fontAlgn="base" hangingPunct="0">
+              <a:spcBef>
+                <a:spcPct val="0"/>
+              </a:spcBef>
+              <a:spcAft>
+                <a:spcPct val="0"/>
+              </a:spcAft>
+              <a:defRPr sz="4400">
+                <a:solidFill>
+                  <a:schemeClr val="tx2"/>
+                </a:solidFill>
+                <a:latin typeface="Arial" charset="0"/>
+                <a:ea typeface="宋体" pitchFamily="2" charset="-122"/>
+              </a:defRPr>
+            </a:lvl4pPr>
+            <a:lvl5pPr algn="ctr" rtl="0" eaLnBrk="0" fontAlgn="base" hangingPunct="0">
+              <a:spcBef>
+                <a:spcPct val="0"/>
+              </a:spcBef>
+              <a:spcAft>
+                <a:spcPct val="0"/>
+              </a:spcAft>
+              <a:defRPr sz="4400">
+                <a:solidFill>
+                  <a:schemeClr val="tx2"/>
+                </a:solidFill>
+                <a:latin typeface="Arial" charset="0"/>
+                <a:ea typeface="宋体" pitchFamily="2" charset="-122"/>
+              </a:defRPr>
+            </a:lvl5pPr>
+            <a:lvl6pPr marL="457200" algn="ctr" rtl="0" fontAlgn="base">
+              <a:spcBef>
+                <a:spcPct val="0"/>
+              </a:spcBef>
+              <a:spcAft>
+                <a:spcPct val="0"/>
+              </a:spcAft>
+              <a:defRPr sz="4400">
+                <a:solidFill>
+                  <a:schemeClr val="tx2"/>
+                </a:solidFill>
+                <a:latin typeface="Arial" charset="0"/>
+                <a:ea typeface="宋体" pitchFamily="2" charset="-122"/>
+              </a:defRPr>
+            </a:lvl6pPr>
+            <a:lvl7pPr marL="914400" algn="ctr" rtl="0" fontAlgn="base">
+              <a:spcBef>
+                <a:spcPct val="0"/>
+              </a:spcBef>
+              <a:spcAft>
+                <a:spcPct val="0"/>
+              </a:spcAft>
+              <a:defRPr sz="4400">
+                <a:solidFill>
+                  <a:schemeClr val="tx2"/>
+                </a:solidFill>
+                <a:latin typeface="Arial" charset="0"/>
+                <a:ea typeface="宋体" pitchFamily="2" charset="-122"/>
+              </a:defRPr>
+            </a:lvl7pPr>
+            <a:lvl8pPr marL="1371600" algn="ctr" rtl="0" fontAlgn="base">
+              <a:spcBef>
+                <a:spcPct val="0"/>
+              </a:spcBef>
+              <a:spcAft>
+                <a:spcPct val="0"/>
+              </a:spcAft>
+              <a:defRPr sz="4400">
+                <a:solidFill>
+                  <a:schemeClr val="tx2"/>
+                </a:solidFill>
+                <a:latin typeface="Arial" charset="0"/>
+                <a:ea typeface="宋体" pitchFamily="2" charset="-122"/>
+              </a:defRPr>
+            </a:lvl8pPr>
+            <a:lvl9pPr marL="1828800" algn="ctr" rtl="0" fontAlgn="base">
+              <a:spcBef>
+                <a:spcPct val="0"/>
+              </a:spcBef>
+              <a:spcAft>
+                <a:spcPct val="0"/>
+              </a:spcAft>
+              <a:defRPr sz="4400">
+                <a:solidFill>
+                  <a:schemeClr val="tx2"/>
+                </a:solidFill>
+                <a:latin typeface="Arial" charset="0"/>
+                <a:ea typeface="宋体" pitchFamily="2" charset="-122"/>
+              </a:defRPr>
+            </a:lvl9pPr>
+          </a:lstStyle>
+          <a:p>
+            <a:pPr eaLnBrk="1" hangingPunct="1">
+              <a:defRPr/>
+            </a:pPr>
+            <a:r>
+              <a:rPr lang="en-US" altLang="zh-CN" sz="4000" kern="0" dirty="0">
+                <a:effectLst>
+                  <a:outerShdw blurRad="38100" dist="38100" dir="2700000" algn="tl">
+                    <a:srgbClr val="C0C0C0"/>
+                  </a:outerShdw>
+                </a:effectLst>
+                <a:latin typeface="Calibri" charset="0"/>
+                <a:ea typeface="Calibri" charset="0"/>
+                <a:cs typeface="Calibri" charset="0"/>
+              </a:rPr>
+              <a:t>Thank you</a:t>
+            </a:r>
+          </a:p>
+        </p:txBody>
+      </p:sp>
+      <p:sp>
+        <p:nvSpPr>
+          <p:cNvPr id="2" name="Slide Number Placeholder 1"/>
+          <p:cNvSpPr>
+            <a:spLocks noGrp="1"/>
+          </p:cNvSpPr>
+          <p:nvPr>
+            <p:ph type="sldNum" sz="quarter" idx="12"/>
+          </p:nvPr>
+        </p:nvSpPr>
+        <p:spPr/>
+        <p:txBody>
+          <a:bodyPr/>
+          <a:lstStyle/>
+          <a:p>
+            <a:pPr>
+              <a:defRPr/>
+            </a:pPr>
+            <a:fld id="{BD6E0F59-1DD8-40FC-9C92-B6295CBA6CCA}" type="slidenum">
+              <a:rPr lang="en-US" altLang="zh-CN" smtClean="0"/>
+              <a:pPr>
+                <a:defRPr/>
+              </a:pPr>
+              <a:t>12</a:t>
+            </a:fld>
+            <a:endParaRPr lang="en-US" altLang="zh-CN"/>
+          </a:p>
+        </p:txBody>
+      </p:sp>
+    </p:spTree>
+    <p:extLst>
+      <p:ext uri="{BB962C8B-B14F-4D97-AF65-F5344CB8AC3E}">
+        <p14:creationId xmlns:p14="http://schemas.microsoft.com/office/powerpoint/2010/main" val="668811118"/>
+      </p:ext>
+    </p:extLst>
   </p:cSld>
   <p:clrMapOvr>
     <a:masterClrMapping/>
@@ -5390,7 +9124,7 @@
                 <a:latin typeface="Calibri Light" panose="020F0302020204030204" pitchFamily="34" charset="0"/>
                 <a:cs typeface="Calibri Light" panose="020F0302020204030204" pitchFamily="34" charset="0"/>
               </a:rPr>
-              <a:t>Updates Since IETF-104</a:t>
+              <a:t>Updates Since IETF-104 (Revision-00)</a:t>
             </a:r>
           </a:p>
         </p:txBody>
@@ -5425,8 +9159,8 @@
           </a:p>
           <a:p>
             <a:pPr lvl="1">
-              <a:buFont typeface="Wingdings" charset="2"/>
-              <a:buChar char="§"/>
+              <a:buFont typeface="Wingdings" pitchFamily="2" charset="2"/>
+              <a:buChar char="ü"/>
             </a:pPr>
             <a:r>
               <a:rPr lang="en-US" sz="1400" dirty="0"/>
@@ -5446,8 +9180,8 @@
           </a:p>
           <a:p>
             <a:pPr lvl="1">
-              <a:buFont typeface="Wingdings" charset="2"/>
-              <a:buChar char="§"/>
+              <a:buFont typeface="Wingdings" pitchFamily="2" charset="2"/>
+              <a:buChar char="ü"/>
             </a:pPr>
             <a:r>
               <a:rPr lang="en-US" sz="1400" dirty="0"/>
@@ -5456,8 +9190,8 @@
           </a:p>
           <a:p>
             <a:pPr lvl="1">
-              <a:buFont typeface="Wingdings" charset="2"/>
-              <a:buChar char="§"/>
+              <a:buFont typeface="Wingdings" pitchFamily="2" charset="2"/>
+              <a:buChar char="ü"/>
             </a:pPr>
             <a:r>
               <a:rPr lang="en-US" sz="1400" dirty="0"/>
@@ -5466,8 +9200,8 @@
           </a:p>
           <a:p>
             <a:pPr lvl="1">
-              <a:buFont typeface="Wingdings" charset="2"/>
-              <a:buChar char="§"/>
+              <a:buFont typeface="Wingdings" pitchFamily="2" charset="2"/>
+              <a:buChar char="ü"/>
             </a:pPr>
             <a:r>
               <a:rPr lang="en-US" sz="1400" dirty="0"/>
@@ -5476,8 +9210,8 @@
           </a:p>
           <a:p>
             <a:pPr lvl="1">
-              <a:buFont typeface="Wingdings" charset="2"/>
-              <a:buChar char="§"/>
+              <a:buFont typeface="Wingdings" pitchFamily="2" charset="2"/>
+              <a:buChar char="ü"/>
             </a:pPr>
             <a:r>
               <a:rPr lang="en-US" sz="1400" dirty="0"/>
@@ -5486,8 +9220,8 @@
           </a:p>
           <a:p>
             <a:pPr lvl="1">
-              <a:buFont typeface="Wingdings" charset="2"/>
-              <a:buChar char="§"/>
+              <a:buFont typeface="Wingdings" pitchFamily="2" charset="2"/>
+              <a:buChar char="ü"/>
             </a:pPr>
             <a:r>
               <a:rPr lang="en-CA" sz="1400" dirty="0"/>
@@ -5496,8 +9230,8 @@
           </a:p>
           <a:p>
             <a:pPr lvl="1">
-              <a:buFont typeface="Wingdings" charset="2"/>
-              <a:buChar char="§"/>
+              <a:buFont typeface="Wingdings" pitchFamily="2" charset="2"/>
+              <a:buChar char="ü"/>
             </a:pPr>
             <a:r>
               <a:rPr lang="en-US" sz="1400" dirty="0"/>
@@ -5506,8 +9240,8 @@
           </a:p>
           <a:p>
             <a:pPr lvl="2">
-              <a:buFont typeface="Wingdings" charset="2"/>
-              <a:buChar char="§"/>
+              <a:buFont typeface="Wingdings" pitchFamily="2" charset="2"/>
+              <a:buChar char="ü"/>
             </a:pPr>
             <a:r>
               <a:rPr lang="en-US" sz="1400" dirty="0"/>
@@ -5516,8 +9250,8 @@
           </a:p>
           <a:p>
             <a:pPr lvl="1">
-              <a:buFont typeface="Wingdings" charset="2"/>
-              <a:buChar char="§"/>
+              <a:buFont typeface="Wingdings" pitchFamily="2" charset="2"/>
+              <a:buChar char="ü"/>
             </a:pPr>
             <a:r>
               <a:rPr lang="en-US" sz="1400" dirty="0"/>
@@ -5526,12 +9260,12 @@
           </a:p>
           <a:p>
             <a:pPr lvl="2">
-              <a:buFont typeface="Wingdings" charset="2"/>
-              <a:buChar char="§"/>
+              <a:buFont typeface="Wingdings" pitchFamily="2" charset="2"/>
+              <a:buChar char="ü"/>
             </a:pPr>
             <a:r>
               <a:rPr lang="en-US" sz="1400" dirty="0"/>
-              <a:t>Move away from term “in-band probes” with </a:t>
+              <a:t>Change the term “in-band probes” with </a:t>
             </a:r>
             <a:r>
               <a:rPr lang="en-CA" sz="1400" dirty="0"/>
@@ -5721,7 +9455,34 @@
               <a:rPr lang="en-US" sz="1800" dirty="0"/>
               <a:t>Draft was first published</a:t>
             </a:r>
-            <a:endParaRPr lang="en-US" sz="1800" i="1" dirty="0"/>
+          </a:p>
+          <a:p>
+            <a:pPr lvl="1"/>
+            <a:r>
+              <a:rPr lang="en-US" sz="1800" dirty="0"/>
+              <a:t>Using the same mechanism defined in existing </a:t>
+            </a:r>
+            <a:r>
+              <a:rPr lang="en-CA" sz="1800" dirty="0"/>
+              <a:t>draft-</a:t>
+            </a:r>
+            <a:r>
+              <a:rPr lang="en-CA" sz="1800" dirty="0" err="1"/>
+              <a:t>gandhi</a:t>
+            </a:r>
+            <a:r>
+              <a:rPr lang="en-CA" sz="1800" dirty="0"/>
+              <a:t>-spring-</a:t>
+            </a:r>
+            <a:r>
+              <a:rPr lang="en-CA" sz="1800" dirty="0" err="1"/>
+              <a:t>udp</a:t>
+            </a:r>
+            <a:r>
+              <a:rPr lang="en-CA" sz="1800" dirty="0"/>
+              <a:t>-pm (published march 2018) for RFC 6374</a:t>
+            </a:r>
+            <a:endParaRPr lang="en-US" sz="1800" dirty="0"/>
           </a:p>
           <a:p>
             <a:r>
@@ -5733,7 +9494,7 @@
             <a:pPr lvl="1"/>
             <a:r>
               <a:rPr lang="en-US" sz="1800" dirty="0"/>
-              <a:t>Presented at IETF 104 Prague in SPRING WG</a:t>
+              <a:t>Presented revision-00 at IETF 104 Prague in SPRING WG</a:t>
             </a:r>
           </a:p>
           <a:p>
@@ -5746,7 +9507,7 @@
             <a:pPr lvl="1"/>
             <a:r>
               <a:rPr lang="en-US" sz="1800" dirty="0"/>
-              <a:t>Presented at IETF 105 Montreal in IPPM WG</a:t>
+              <a:t>Presented revision-01 at IETF 105 Montreal in IPPM WG</a:t>
             </a:r>
           </a:p>
           <a:p>
@@ -6328,62 +10089,17 @@
       </p:grpSpPr>
       <p:sp>
         <p:nvSpPr>
-          <p:cNvPr id="2" name="Title 1">
-            <a:extLst>
-              <a:ext uri="{FF2B5EF4-FFF2-40B4-BE49-F238E27FC236}">
-                <a16:creationId xmlns:a16="http://schemas.microsoft.com/office/drawing/2014/main" id="{9A6F4236-AC14-394A-A36C-F2BD8CED3237}"/>
-              </a:ext>
-            </a:extLst>
-          </p:cNvPr>
+          <p:cNvPr id="6" name="Footer Placeholder 3"/>
           <p:cNvSpPr>
             <a:spLocks noGrp="1"/>
           </p:cNvSpPr>
           <p:nvPr>
-            <p:ph type="title"/>
+            <p:ph type="ftr" sz="quarter" idx="11"/>
           </p:nvPr>
         </p:nvSpPr>
         <p:spPr>
           <a:xfrm>
-            <a:off x="457200" y="-19050"/>
-            <a:ext cx="8229600" cy="857250"/>
-          </a:xfrm>
-        </p:spPr>
-        <p:txBody>
-          <a:bodyPr/>
-          <a:lstStyle/>
-          <a:p>
-            <a:r>
-              <a:rPr lang="en-US" sz="3600" dirty="0">
-                <a:solidFill>
-                  <a:srgbClr val="0070C0"/>
-                </a:solidFill>
-                <a:latin typeface="Calibri Light" panose="020F0302020204030204" pitchFamily="34" charset="0"/>
-                <a:cs typeface="Calibri Light" panose="020F0302020204030204" pitchFamily="34" charset="0"/>
-              </a:rPr>
-              <a:t>Provisioning Model</a:t>
-            </a:r>
-          </a:p>
-        </p:txBody>
-      </p:sp>
-      <p:sp>
-        <p:nvSpPr>
-          <p:cNvPr id="4" name="Footer Placeholder 3">
-            <a:extLst>
-              <a:ext uri="{FF2B5EF4-FFF2-40B4-BE49-F238E27FC236}">
-                <a16:creationId xmlns:a16="http://schemas.microsoft.com/office/drawing/2014/main" id="{643D160E-CC3C-EB46-A6F1-43B8E2996F46}"/>
-              </a:ext>
-            </a:extLst>
-          </p:cNvPr>
-          <p:cNvSpPr>
-            <a:spLocks noGrp="1"/>
-          </p:cNvSpPr>
-          <p:nvPr>
-            <p:ph type="ftr" sz="quarter" idx="11"/>
-          </p:nvPr>
-        </p:nvSpPr>
-        <p:spPr>
-          <a:xfrm>
-            <a:off x="3124200" y="4805362"/>
+            <a:off x="3124200" y="4786312"/>
             <a:ext cx="2895600" cy="357188"/>
           </a:xfrm>
         </p:spPr>
@@ -6411,13 +10127,7 @@
       </p:sp>
       <p:sp>
         <p:nvSpPr>
-          <p:cNvPr id="5" name="Slide Number Placeholder 4">
-            <a:extLst>
-              <a:ext uri="{FF2B5EF4-FFF2-40B4-BE49-F238E27FC236}">
-                <a16:creationId xmlns:a16="http://schemas.microsoft.com/office/drawing/2014/main" id="{A8B868AE-B105-7547-A646-14FCDF91C2DD}"/>
-              </a:ext>
-            </a:extLst>
-          </p:cNvPr>
+          <p:cNvPr id="3" name="Slide Number Placeholder 2"/>
           <p:cNvSpPr>
             <a:spLocks noGrp="1"/>
           </p:cNvSpPr>
@@ -6433,7 +10143,7 @@
             <a:pPr>
               <a:defRPr/>
             </a:pPr>
-            <a:fld id="{BD6E0F59-1DD8-40FC-9C92-B6295CBA6CCA}" type="slidenum">
+            <a:fld id="{D5EE1D1A-EEC2-4D53-94A7-85D62C853479}" type="slidenum">
               <a:rPr lang="en-US" altLang="zh-CN" smtClean="0"/>
               <a:pPr>
                 <a:defRPr/>
@@ -6446,198 +10156,36 @@
       </p:sp>
       <p:sp>
         <p:nvSpPr>
-          <p:cNvPr id="7" name="Rectangle 6">
+          <p:cNvPr id="8" name="Title 7">
             <a:extLst>
               <a:ext uri="{FF2B5EF4-FFF2-40B4-BE49-F238E27FC236}">
-                <a16:creationId xmlns:a16="http://schemas.microsoft.com/office/drawing/2014/main" id="{AA6E66CA-28BC-2C4A-BC04-4600D8FEBF3B}"/>
+                <a16:creationId xmlns:a16="http://schemas.microsoft.com/office/drawing/2014/main" id="{EAE0D9DC-8575-A84F-A04B-3BD8C30794A3}"/>
               </a:ext>
             </a:extLst>
           </p:cNvPr>
-          <p:cNvSpPr/>
-          <p:nvPr/>
-        </p:nvSpPr>
-        <p:spPr>
-          <a:xfrm>
-            <a:off x="952500" y="829941"/>
-            <a:ext cx="7239000" cy="3600986"/>
-          </a:xfrm>
-          <a:prstGeom prst="rect">
-            <a:avLst/>
-          </a:prstGeom>
-          <a:solidFill>
-            <a:schemeClr val="accent6">
-              <a:lumMod val="20000"/>
-              <a:lumOff val="80000"/>
-            </a:schemeClr>
-          </a:solidFill>
-        </p:spPr>
-        <p:txBody>
-          <a:bodyPr wrap="square">
-            <a:spAutoFit/>
-          </a:bodyPr>
+          <p:cNvSpPr>
+            <a:spLocks noGrp="1"/>
+          </p:cNvSpPr>
+          <p:nvPr>
+            <p:ph type="ctrTitle"/>
+          </p:nvPr>
+        </p:nvSpPr>
+        <p:spPr/>
+        <p:txBody>
+          <a:bodyPr/>
           <a:lstStyle/>
           <a:p>
             <a:r>
-              <a:rPr lang="en-CA" sz="1200" dirty="0">
-                <a:latin typeface="Courier" pitchFamily="2" charset="0"/>
-              </a:rPr>
-              <a:t>                             +------------+</a:t>
-            </a:r>
-          </a:p>
-          <a:p>
-            <a:r>
-              <a:rPr lang="en-CA" sz="1200" dirty="0">
-                <a:latin typeface="Courier" pitchFamily="2" charset="0"/>
-              </a:rPr>
-              <a:t>                             | Controller |</a:t>
-            </a:r>
-          </a:p>
-          <a:p>
-            <a:r>
-              <a:rPr lang="en-CA" sz="1200" dirty="0">
-                <a:latin typeface="Courier" pitchFamily="2" charset="0"/>
-              </a:rPr>
-              <a:t>                             +------------+</a:t>
-            </a:r>
-          </a:p>
-          <a:p>
-            <a:r>
-              <a:rPr lang="en-CA" sz="1200" dirty="0">
-                <a:latin typeface="Courier" pitchFamily="2" charset="0"/>
-              </a:rPr>
-              <a:t>   Measurement Protocol           /  \         Measurement Protocol</a:t>
-            </a:r>
-          </a:p>
-          <a:p>
-            <a:r>
-              <a:rPr lang="en-CA" sz="1200" dirty="0">
-                <a:latin typeface="Courier" pitchFamily="2" charset="0"/>
-              </a:rPr>
-              <a:t>   Destination UDP Port          /    \        Destination UDP port</a:t>
-            </a:r>
-          </a:p>
-          <a:p>
-            <a:r>
-              <a:rPr lang="en-CA" sz="1200" dirty="0">
-                <a:latin typeface="Courier" pitchFamily="2" charset="0"/>
-              </a:rPr>
-              <a:t>   Measurement Type             /      \       Measurement Type</a:t>
-            </a:r>
-          </a:p>
-          <a:p>
-            <a:r>
-              <a:rPr lang="en-CA" sz="1200" dirty="0">
-                <a:latin typeface="Courier" pitchFamily="2" charset="0"/>
-              </a:rPr>
-              <a:t>     Delay/Loss                /        \        Delay/Loss</a:t>
-            </a:r>
-          </a:p>
-          <a:p>
-            <a:r>
-              <a:rPr lang="en-CA" sz="1200" dirty="0">
-                <a:latin typeface="Courier" pitchFamily="2" charset="0"/>
-              </a:rPr>
-              <a:t>   Authentication Mode &amp; Key  /          \     Authentication Mode &amp; Key</a:t>
-            </a:r>
-          </a:p>
-          <a:p>
-            <a:r>
-              <a:rPr lang="en-CA" sz="1200" dirty="0">
-                <a:latin typeface="Courier" pitchFamily="2" charset="0"/>
-              </a:rPr>
-              <a:t>   Timestamp Format          /            \ </a:t>
-            </a:r>
-          </a:p>
-          <a:p>
-            <a:r>
-              <a:rPr lang="en-CA" sz="1200" dirty="0">
-                <a:latin typeface="Courier" pitchFamily="2" charset="0"/>
-              </a:rPr>
-              <a:t>   Measurement Mode         /              \ </a:t>
-            </a:r>
-          </a:p>
-          <a:p>
-            <a:r>
-              <a:rPr lang="en-CA" sz="1200" dirty="0">
-                <a:latin typeface="Courier" pitchFamily="2" charset="0"/>
-              </a:rPr>
-              <a:t>   Padding/MBZ Bytes       /                \ </a:t>
-            </a:r>
-          </a:p>
-          <a:p>
-            <a:r>
-              <a:rPr lang="en-CA" sz="1200" dirty="0">
-                <a:latin typeface="Courier" pitchFamily="2" charset="0"/>
-              </a:rPr>
-              <a:t>   Loss Measurement Mode  /                  \</a:t>
-            </a:r>
-          </a:p>
-          <a:p>
-            <a:r>
-              <a:rPr lang="en-CA" sz="1200" dirty="0">
-                <a:latin typeface="Courier" pitchFamily="2" charset="0"/>
-              </a:rPr>
-              <a:t>                         v                    v</a:t>
-            </a:r>
-          </a:p>
-          <a:p>
-            <a:r>
-              <a:rPr lang="en-CA" sz="1200" dirty="0">
-                <a:latin typeface="Courier" pitchFamily="2" charset="0"/>
-              </a:rPr>
-              <a:t>                     +-------+            +-------+</a:t>
-            </a:r>
-          </a:p>
-          <a:p>
-            <a:r>
-              <a:rPr lang="en-CA" sz="1200" dirty="0">
-                <a:latin typeface="Courier" pitchFamily="2" charset="0"/>
-              </a:rPr>
-              <a:t>                     |       |            |       |</a:t>
-            </a:r>
-          </a:p>
-          <a:p>
-            <a:r>
-              <a:rPr lang="en-CA" sz="1200" dirty="0">
-                <a:latin typeface="Courier" pitchFamily="2" charset="0"/>
-              </a:rPr>
-              <a:t>                     |   R1  |------------|   R5  |</a:t>
-            </a:r>
-          </a:p>
-          <a:p>
-            <a:r>
-              <a:rPr lang="en-CA" sz="1200" dirty="0">
-                <a:latin typeface="Courier" pitchFamily="2" charset="0"/>
-              </a:rPr>
-              <a:t>                     |       |            |       |</a:t>
-            </a:r>
-          </a:p>
-          <a:p>
-            <a:r>
-              <a:rPr lang="en-CA" sz="1200" dirty="0">
-                <a:latin typeface="Courier" pitchFamily="2" charset="0"/>
-              </a:rPr>
-              <a:t>                     +-------+            +-------+</a:t>
-            </a:r>
-          </a:p>
-          <a:p>
-            <a:r>
-              <a:rPr lang="en-CA" sz="1200" dirty="0">
-                <a:latin typeface="Courier" pitchFamily="2" charset="0"/>
-              </a:rPr>
-              <a:t>                      Sender              Responder</a:t>
-            </a:r>
-            <a:endParaRPr lang="en-US" sz="1200" b="1" dirty="0">
-              <a:latin typeface="Courier" pitchFamily="2" charset="0"/>
-              <a:cs typeface="Courier New" panose="02070309020205020404" pitchFamily="49" charset="0"/>
-            </a:endParaRPr>
+              <a:rPr lang="en-US" dirty="0"/>
+              <a:t>Backup</a:t>
+            </a:r>
           </a:p>
         </p:txBody>
       </p:sp>
     </p:spTree>
     <p:extLst>
       <p:ext uri="{BB962C8B-B14F-4D97-AF65-F5344CB8AC3E}">
-        <p14:creationId xmlns:p14="http://schemas.microsoft.com/office/powerpoint/2010/main" val="2882673676"/>
+        <p14:creationId xmlns:p14="http://schemas.microsoft.com/office/powerpoint/2010/main" val="1607707434"/>
       </p:ext>
     </p:extLst>
   </p:cSld>
@@ -6666,7 +10214,13 @@
       </p:grpSpPr>
       <p:sp>
         <p:nvSpPr>
-          <p:cNvPr id="2" name="Title 1"/>
+          <p:cNvPr id="2" name="Title 1">
+            <a:extLst>
+              <a:ext uri="{FF2B5EF4-FFF2-40B4-BE49-F238E27FC236}">
+                <a16:creationId xmlns:a16="http://schemas.microsoft.com/office/drawing/2014/main" id="{9A6F4236-AC14-394A-A36C-F2BD8CED3237}"/>
+              </a:ext>
+            </a:extLst>
+          </p:cNvPr>
           <p:cNvSpPr>
             <a:spLocks noGrp="1"/>
           </p:cNvSpPr>
@@ -6676,15 +10230,14 @@
         </p:nvSpPr>
         <p:spPr>
           <a:xfrm>
-            <a:off x="152400" y="202211"/>
-            <a:ext cx="3962400" cy="845539"/>
+            <a:off x="457200" y="-19050"/>
+            <a:ext cx="8229600" cy="857250"/>
           </a:xfrm>
         </p:spPr>
         <p:txBody>
           <a:bodyPr/>
           <a:lstStyle/>
           <a:p>
-            <a:pPr algn="l"/>
             <a:r>
               <a:rPr lang="en-US" sz="3600" dirty="0">
                 <a:solidFill>
@@ -6693,33 +10246,20 @@
                 <a:latin typeface="Calibri Light" panose="020F0302020204030204" pitchFamily="34" charset="0"/>
                 <a:cs typeface="Calibri Light" panose="020F0302020204030204" pitchFamily="34" charset="0"/>
               </a:rPr>
-              <a:t>LM Message Format</a:t>
-            </a:r>
-            <a:br>
-              <a:rPr lang="en-US" sz="3600" dirty="0">
-                <a:solidFill>
-                  <a:srgbClr val="0070C0"/>
-                </a:solidFill>
-                <a:latin typeface="Calibri Light" panose="020F0302020204030204" pitchFamily="34" charset="0"/>
-                <a:cs typeface="Calibri Light" panose="020F0302020204030204" pitchFamily="34" charset="0"/>
-              </a:rPr>
-            </a:br>
-            <a:r>
-              <a:rPr lang="en-US" sz="3600" dirty="0">
-                <a:solidFill>
-                  <a:srgbClr val="0070C0"/>
-                </a:solidFill>
-                <a:latin typeface="Calibri Light" panose="020F0302020204030204" pitchFamily="34" charset="0"/>
-                <a:cs typeface="Calibri Light" panose="020F0302020204030204" pitchFamily="34" charset="0"/>
-              </a:rPr>
-              <a:t>for TWAMP</a:t>
-            </a:r>
-          </a:p>
-        </p:txBody>
-      </p:sp>
-      <p:sp>
-        <p:nvSpPr>
-          <p:cNvPr id="4" name="Footer Placeholder 3"/>
+              <a:t>Provisioning Model</a:t>
+            </a:r>
+          </a:p>
+        </p:txBody>
+      </p:sp>
+      <p:sp>
+        <p:nvSpPr>
+          <p:cNvPr id="4" name="Footer Placeholder 3">
+            <a:extLst>
+              <a:ext uri="{FF2B5EF4-FFF2-40B4-BE49-F238E27FC236}">
+                <a16:creationId xmlns:a16="http://schemas.microsoft.com/office/drawing/2014/main" id="{643D160E-CC3C-EB46-A6F1-43B8E2996F46}"/>
+              </a:ext>
+            </a:extLst>
+          </p:cNvPr>
           <p:cNvSpPr>
             <a:spLocks noGrp="1"/>
           </p:cNvSpPr>
@@ -6729,7 +10269,7 @@
         </p:nvSpPr>
         <p:spPr>
           <a:xfrm>
-            <a:off x="2971800" y="4857750"/>
+            <a:off x="3124200" y="4805362"/>
             <a:ext cx="2895600" cy="357188"/>
           </a:xfrm>
         </p:spPr>
@@ -6741,15 +10281,15 @@
               <a:defRPr/>
             </a:pPr>
             <a:r>
-              <a:rPr lang="en-US" altLang="zh-CN" sz="1200" dirty="0"/>
+              <a:rPr lang="en-US" altLang="zh-CN" dirty="0"/>
               <a:t>106</a:t>
             </a:r>
             <a:r>
-              <a:rPr lang="en-US" altLang="zh-CN" sz="1200" baseline="30000" dirty="0"/>
+              <a:rPr lang="en-US" altLang="zh-CN" baseline="30000" dirty="0"/>
               <a:t>th</a:t>
             </a:r>
             <a:r>
-              <a:rPr lang="en-US" altLang="zh-CN" sz="1200" dirty="0"/>
+              <a:rPr lang="en-US" altLang="zh-CN" dirty="0"/>
               <a:t> IETF @ Singapore</a:t>
             </a:r>
           </a:p>
@@ -6757,14 +10297,55 @@
       </p:sp>
       <p:sp>
         <p:nvSpPr>
-          <p:cNvPr id="5" name="Rectangle 4"/>
+          <p:cNvPr id="5" name="Slide Number Placeholder 4">
+            <a:extLst>
+              <a:ext uri="{FF2B5EF4-FFF2-40B4-BE49-F238E27FC236}">
+                <a16:creationId xmlns:a16="http://schemas.microsoft.com/office/drawing/2014/main" id="{A8B868AE-B105-7547-A646-14FCDF91C2DD}"/>
+              </a:ext>
+            </a:extLst>
+          </p:cNvPr>
+          <p:cNvSpPr>
+            <a:spLocks noGrp="1"/>
+          </p:cNvSpPr>
+          <p:nvPr>
+            <p:ph type="sldNum" sz="quarter" idx="12"/>
+          </p:nvPr>
+        </p:nvSpPr>
+        <p:spPr/>
+        <p:txBody>
+          <a:bodyPr/>
+          <a:lstStyle/>
+          <a:p>
+            <a:pPr>
+              <a:defRPr/>
+            </a:pPr>
+            <a:fld id="{BD6E0F59-1DD8-40FC-9C92-B6295CBA6CCA}" type="slidenum">
+              <a:rPr lang="en-US" altLang="zh-CN" smtClean="0"/>
+              <a:pPr>
+                <a:defRPr/>
+              </a:pPr>
+              <a:t>9</a:t>
+            </a:fld>
+            <a:endParaRPr lang="en-US" altLang="zh-CN"/>
+          </a:p>
+        </p:txBody>
+      </p:sp>
+      <p:sp>
+        <p:nvSpPr>
+          <p:cNvPr id="7" name="Rectangle 6">
+            <a:extLst>
+              <a:ext uri="{FF2B5EF4-FFF2-40B4-BE49-F238E27FC236}">
+                <a16:creationId xmlns:a16="http://schemas.microsoft.com/office/drawing/2014/main" id="{AA6E66CA-28BC-2C4A-BC04-4600D8FEBF3B}"/>
+              </a:ext>
+            </a:extLst>
+          </p:cNvPr>
           <p:cNvSpPr/>
           <p:nvPr/>
         </p:nvSpPr>
         <p:spPr>
           <a:xfrm>
-            <a:off x="4724400" y="64716"/>
-            <a:ext cx="4191000" cy="4770537"/>
+            <a:off x="952500" y="829941"/>
+            <a:ext cx="7239000" cy="3600986"/>
           </a:xfrm>
           <a:prstGeom prst="rect">
             <a:avLst/>
@@ -6782,1100 +10363,167 @@
           </a:bodyPr>
           <a:lstStyle/>
           <a:p>
-            <a:pPr>
-              <a:spcAft>
-                <a:spcPts val="0"/>
-              </a:spcAft>
-            </a:pPr>
-            <a:r>
-              <a:rPr lang="en-CA" sz="800" b="1" dirty="0">
-                <a:solidFill>
-                  <a:schemeClr val="tx2"/>
-                </a:solidFill>
+            <a:r>
+              <a:rPr lang="en-CA" sz="1200" dirty="0">
                 <a:latin typeface="Courier" pitchFamily="2" charset="0"/>
-                <a:ea typeface="Courier" charset="0"/>
-                <a:cs typeface="Courier" charset="0"/>
-              </a:rPr>
-              <a:t>+---------------------------------------------------------------+</a:t>
-            </a:r>
-            <a:endParaRPr lang="en-US" sz="800" b="1" dirty="0">
-              <a:solidFill>
-                <a:schemeClr val="tx2"/>
-              </a:solidFill>
+              </a:rPr>
+              <a:t>                             +------------+</a:t>
+            </a:r>
+          </a:p>
+          <a:p>
+            <a:r>
+              <a:rPr lang="en-CA" sz="1200" dirty="0">
+                <a:latin typeface="Courier" pitchFamily="2" charset="0"/>
+              </a:rPr>
+              <a:t>                             | Controller |</a:t>
+            </a:r>
+          </a:p>
+          <a:p>
+            <a:r>
+              <a:rPr lang="en-CA" sz="1200" dirty="0">
+                <a:latin typeface="Courier" pitchFamily="2" charset="0"/>
+              </a:rPr>
+              <a:t>                             +------------+</a:t>
+            </a:r>
+          </a:p>
+          <a:p>
+            <a:r>
+              <a:rPr lang="en-CA" sz="1200" dirty="0">
+                <a:latin typeface="Courier" pitchFamily="2" charset="0"/>
+              </a:rPr>
+              <a:t>   Measurement Protocol           /  \         Measurement Protocol</a:t>
+            </a:r>
+          </a:p>
+          <a:p>
+            <a:r>
+              <a:rPr lang="en-CA" sz="1200" dirty="0">
+                <a:latin typeface="Courier" pitchFamily="2" charset="0"/>
+              </a:rPr>
+              <a:t>   Destination UDP Port          /    \        Destination UDP port</a:t>
+            </a:r>
+          </a:p>
+          <a:p>
+            <a:r>
+              <a:rPr lang="en-CA" sz="1200" dirty="0">
+                <a:latin typeface="Courier" pitchFamily="2" charset="0"/>
+              </a:rPr>
+              <a:t>   Measurement Type             /      \       Measurement Type</a:t>
+            </a:r>
+          </a:p>
+          <a:p>
+            <a:r>
+              <a:rPr lang="en-CA" sz="1200" dirty="0">
+                <a:latin typeface="Courier" pitchFamily="2" charset="0"/>
+              </a:rPr>
+              <a:t>     Delay/Loss                /        \        Delay/Loss</a:t>
+            </a:r>
+          </a:p>
+          <a:p>
+            <a:r>
+              <a:rPr lang="en-CA" sz="1200" dirty="0">
+                <a:latin typeface="Courier" pitchFamily="2" charset="0"/>
+              </a:rPr>
+              <a:t>   Authentication Mode &amp; Key  /          \     Authentication Mode &amp; Key</a:t>
+            </a:r>
+          </a:p>
+          <a:p>
+            <a:r>
+              <a:rPr lang="en-CA" sz="1200" dirty="0">
+                <a:latin typeface="Courier" pitchFamily="2" charset="0"/>
+              </a:rPr>
+              <a:t>   Timestamp Format          /            \ </a:t>
+            </a:r>
+          </a:p>
+          <a:p>
+            <a:r>
+              <a:rPr lang="en-CA" sz="1200" dirty="0">
+                <a:latin typeface="Courier" pitchFamily="2" charset="0"/>
+              </a:rPr>
+              <a:t>   Measurement Mode         /              \ </a:t>
+            </a:r>
+          </a:p>
+          <a:p>
+            <a:r>
+              <a:rPr lang="en-CA" sz="1200" dirty="0">
+                <a:latin typeface="Courier" pitchFamily="2" charset="0"/>
+              </a:rPr>
+              <a:t>   Padding/MBZ Bytes       /                \ </a:t>
+            </a:r>
+          </a:p>
+          <a:p>
+            <a:r>
+              <a:rPr lang="en-CA" sz="1200" dirty="0">
+                <a:latin typeface="Courier" pitchFamily="2" charset="0"/>
+              </a:rPr>
+              <a:t>   Loss Measurement Mode  /                  \</a:t>
+            </a:r>
+          </a:p>
+          <a:p>
+            <a:r>
+              <a:rPr lang="en-CA" sz="1200" dirty="0">
+                <a:latin typeface="Courier" pitchFamily="2" charset="0"/>
+              </a:rPr>
+              <a:t>                         v                    v</a:t>
+            </a:r>
+          </a:p>
+          <a:p>
+            <a:r>
+              <a:rPr lang="en-CA" sz="1200" dirty="0">
+                <a:latin typeface="Courier" pitchFamily="2" charset="0"/>
+              </a:rPr>
+              <a:t>                     +-------+            +-------+</a:t>
+            </a:r>
+          </a:p>
+          <a:p>
+            <a:r>
+              <a:rPr lang="en-CA" sz="1200" dirty="0">
+                <a:latin typeface="Courier" pitchFamily="2" charset="0"/>
+              </a:rPr>
+              <a:t>                     |       |            |       |</a:t>
+            </a:r>
+          </a:p>
+          <a:p>
+            <a:r>
+              <a:rPr lang="en-CA" sz="1200" dirty="0">
+                <a:latin typeface="Courier" pitchFamily="2" charset="0"/>
+              </a:rPr>
+              <a:t>                     |   R1  |------------|   R5  |</a:t>
+            </a:r>
+          </a:p>
+          <a:p>
+            <a:r>
+              <a:rPr lang="en-CA" sz="1200" dirty="0">
+                <a:latin typeface="Courier" pitchFamily="2" charset="0"/>
+              </a:rPr>
+              <a:t>                     |       |            |       |</a:t>
+            </a:r>
+          </a:p>
+          <a:p>
+            <a:r>
+              <a:rPr lang="en-CA" sz="1200" dirty="0">
+                <a:latin typeface="Courier" pitchFamily="2" charset="0"/>
+              </a:rPr>
+              <a:t>                     +-------+            +-------+</a:t>
+            </a:r>
+          </a:p>
+          <a:p>
+            <a:r>
+              <a:rPr lang="en-CA" sz="1200" dirty="0">
+                <a:latin typeface="Courier" pitchFamily="2" charset="0"/>
+              </a:rPr>
+              <a:t>                      Sender              Responder</a:t>
+            </a:r>
+            <a:endParaRPr lang="en-US" sz="1200" b="1" dirty="0">
               <a:latin typeface="Courier" pitchFamily="2" charset="0"/>
-              <a:ea typeface="Courier" charset="0"/>
-              <a:cs typeface="Courier" charset="0"/>
+              <a:cs typeface="Courier New" panose="02070309020205020404" pitchFamily="49" charset="0"/>
             </a:endParaRPr>
-          </a:p>
-          <a:p>
-            <a:pPr>
-              <a:spcAft>
-                <a:spcPts val="0"/>
-              </a:spcAft>
-            </a:pPr>
-            <a:r>
-              <a:rPr lang="en-CA" sz="800" b="1" dirty="0">
-                <a:solidFill>
-                  <a:schemeClr val="tx2"/>
-                </a:solidFill>
-                <a:latin typeface="Courier" pitchFamily="2" charset="0"/>
-                <a:ea typeface="Courier" charset="0"/>
-                <a:cs typeface="Courier" charset="0"/>
-              </a:rPr>
-              <a:t>| IP Header                                                     |  </a:t>
-            </a:r>
-            <a:endParaRPr lang="en-US" sz="800" b="1" dirty="0">
-              <a:solidFill>
-                <a:schemeClr val="tx2"/>
-              </a:solidFill>
-              <a:latin typeface="Courier" pitchFamily="2" charset="0"/>
-              <a:ea typeface="Courier" charset="0"/>
-              <a:cs typeface="Courier" charset="0"/>
-            </a:endParaRPr>
-          </a:p>
-          <a:p>
-            <a:pPr>
-              <a:spcAft>
-                <a:spcPts val="0"/>
-              </a:spcAft>
-            </a:pPr>
-            <a:r>
-              <a:rPr lang="en-CA" sz="800" b="1" dirty="0">
-                <a:solidFill>
-                  <a:schemeClr val="tx2"/>
-                </a:solidFill>
-                <a:latin typeface="Courier" pitchFamily="2" charset="0"/>
-                <a:ea typeface="Courier" charset="0"/>
-                <a:cs typeface="Courier" charset="0"/>
-              </a:rPr>
-              <a:t>.  Source IP Address = </a:t>
-            </a:r>
-            <a:r>
-              <a:rPr lang="en-CA" sz="800" b="1" dirty="0" err="1">
-                <a:solidFill>
-                  <a:schemeClr val="tx2"/>
-                </a:solidFill>
-                <a:latin typeface="Courier" pitchFamily="2" charset="0"/>
-                <a:ea typeface="Courier" charset="0"/>
-                <a:cs typeface="Courier" charset="0"/>
-              </a:rPr>
-              <a:t>Querier</a:t>
-            </a:r>
-            <a:r>
-              <a:rPr lang="en-CA" sz="800" b="1" dirty="0">
-                <a:solidFill>
-                  <a:schemeClr val="tx2"/>
-                </a:solidFill>
-                <a:latin typeface="Courier" pitchFamily="2" charset="0"/>
-                <a:ea typeface="Courier" charset="0"/>
-                <a:cs typeface="Courier" charset="0"/>
-              </a:rPr>
-              <a:t> IPv4 or IPv6 Address             .</a:t>
-            </a:r>
-            <a:endParaRPr lang="en-US" sz="800" b="1" dirty="0">
-              <a:solidFill>
-                <a:schemeClr val="tx2"/>
-              </a:solidFill>
-              <a:latin typeface="Courier" pitchFamily="2" charset="0"/>
-              <a:ea typeface="Courier" charset="0"/>
-              <a:cs typeface="Courier" charset="0"/>
-            </a:endParaRPr>
-          </a:p>
-          <a:p>
-            <a:pPr>
-              <a:spcAft>
-                <a:spcPts val="0"/>
-              </a:spcAft>
-            </a:pPr>
-            <a:r>
-              <a:rPr lang="en-CA" sz="800" b="1" dirty="0">
-                <a:solidFill>
-                  <a:schemeClr val="tx2"/>
-                </a:solidFill>
-                <a:latin typeface="Courier" pitchFamily="2" charset="0"/>
-                <a:ea typeface="Courier" charset="0"/>
-                <a:cs typeface="Courier" charset="0"/>
-              </a:rPr>
-              <a:t>.  Destination IP Address = Responder IPv4 or IPv6 Address      .</a:t>
-            </a:r>
-            <a:endParaRPr lang="en-US" sz="800" b="1" dirty="0">
-              <a:solidFill>
-                <a:schemeClr val="tx2"/>
-              </a:solidFill>
-              <a:latin typeface="Courier" pitchFamily="2" charset="0"/>
-              <a:ea typeface="Courier" charset="0"/>
-              <a:cs typeface="Courier" charset="0"/>
-            </a:endParaRPr>
-          </a:p>
-          <a:p>
-            <a:pPr>
-              <a:spcAft>
-                <a:spcPts val="0"/>
-              </a:spcAft>
-            </a:pPr>
-            <a:r>
-              <a:rPr lang="en-CA" sz="800" b="1" dirty="0">
-                <a:solidFill>
-                  <a:schemeClr val="tx2"/>
-                </a:solidFill>
-                <a:latin typeface="Courier" pitchFamily="2" charset="0"/>
-                <a:ea typeface="Courier" charset="0"/>
-                <a:cs typeface="Courier" charset="0"/>
-              </a:rPr>
-              <a:t>.  Protocol = UDP                                               .</a:t>
-            </a:r>
-            <a:endParaRPr lang="en-US" sz="800" b="1" dirty="0">
-              <a:solidFill>
-                <a:schemeClr val="tx2"/>
-              </a:solidFill>
-              <a:latin typeface="Courier" pitchFamily="2" charset="0"/>
-              <a:ea typeface="Courier" charset="0"/>
-              <a:cs typeface="Courier" charset="0"/>
-            </a:endParaRPr>
-          </a:p>
-          <a:p>
-            <a:pPr>
-              <a:spcAft>
-                <a:spcPts val="0"/>
-              </a:spcAft>
-            </a:pPr>
-            <a:r>
-              <a:rPr lang="en-CA" sz="800" b="1" dirty="0">
-                <a:solidFill>
-                  <a:schemeClr val="tx2"/>
-                </a:solidFill>
-                <a:latin typeface="Courier" pitchFamily="2" charset="0"/>
-                <a:ea typeface="Courier" charset="0"/>
-                <a:cs typeface="Courier" charset="0"/>
-              </a:rPr>
-              <a:t>.  Router Alert Option Not Set                                  .</a:t>
-            </a:r>
-            <a:endParaRPr lang="en-US" sz="800" b="1" dirty="0">
-              <a:solidFill>
-                <a:schemeClr val="tx2"/>
-              </a:solidFill>
-              <a:latin typeface="Courier" pitchFamily="2" charset="0"/>
-              <a:ea typeface="Courier" charset="0"/>
-              <a:cs typeface="Courier" charset="0"/>
-            </a:endParaRPr>
-          </a:p>
-          <a:p>
-            <a:pPr>
-              <a:spcAft>
-                <a:spcPts val="0"/>
-              </a:spcAft>
-            </a:pPr>
-            <a:r>
-              <a:rPr lang="en-CA" sz="800" b="1" dirty="0">
-                <a:solidFill>
-                  <a:schemeClr val="tx2"/>
-                </a:solidFill>
-                <a:latin typeface="Courier" pitchFamily="2" charset="0"/>
-                <a:ea typeface="Courier" charset="0"/>
-                <a:cs typeface="Courier" charset="0"/>
-              </a:rPr>
-              <a:t>.                                                               .</a:t>
-            </a:r>
-            <a:endParaRPr lang="en-US" sz="800" b="1" dirty="0">
-              <a:solidFill>
-                <a:schemeClr val="tx2"/>
-              </a:solidFill>
-              <a:latin typeface="Courier" pitchFamily="2" charset="0"/>
-              <a:ea typeface="Courier" charset="0"/>
-              <a:cs typeface="Courier" charset="0"/>
-            </a:endParaRPr>
-          </a:p>
-          <a:p>
-            <a:pPr>
-              <a:spcAft>
-                <a:spcPts val="0"/>
-              </a:spcAft>
-            </a:pPr>
-            <a:r>
-              <a:rPr lang="en-CA" sz="800" b="1" dirty="0">
-                <a:solidFill>
-                  <a:schemeClr val="tx2"/>
-                </a:solidFill>
-                <a:latin typeface="Courier" pitchFamily="2" charset="0"/>
-                <a:ea typeface="Courier" charset="0"/>
-                <a:cs typeface="Courier" charset="0"/>
-              </a:rPr>
-              <a:t>+---------------------------------------------------------------+</a:t>
-            </a:r>
-            <a:endParaRPr lang="en-US" sz="800" b="1" dirty="0">
-              <a:solidFill>
-                <a:schemeClr val="tx2"/>
-              </a:solidFill>
-              <a:latin typeface="Courier" pitchFamily="2" charset="0"/>
-              <a:ea typeface="Courier" charset="0"/>
-              <a:cs typeface="Courier" charset="0"/>
-            </a:endParaRPr>
-          </a:p>
-          <a:p>
-            <a:pPr>
-              <a:spcAft>
-                <a:spcPts val="0"/>
-              </a:spcAft>
-            </a:pPr>
-            <a:r>
-              <a:rPr lang="en-CA" sz="800" b="1" dirty="0">
-                <a:solidFill>
-                  <a:schemeClr val="tx2"/>
-                </a:solidFill>
-                <a:latin typeface="Courier" pitchFamily="2" charset="0"/>
-                <a:ea typeface="Courier" charset="0"/>
-                <a:cs typeface="Courier" charset="0"/>
-              </a:rPr>
-              <a:t>| UDP Header                                                    |</a:t>
-            </a:r>
-            <a:endParaRPr lang="en-US" sz="800" b="1" dirty="0">
-              <a:solidFill>
-                <a:schemeClr val="tx2"/>
-              </a:solidFill>
-              <a:latin typeface="Courier" pitchFamily="2" charset="0"/>
-              <a:ea typeface="Courier" charset="0"/>
-              <a:cs typeface="Courier" charset="0"/>
-            </a:endParaRPr>
-          </a:p>
-          <a:p>
-            <a:pPr>
-              <a:spcAft>
-                <a:spcPts val="0"/>
-              </a:spcAft>
-            </a:pPr>
-            <a:r>
-              <a:rPr lang="en-CA" sz="800" b="1" dirty="0">
-                <a:solidFill>
-                  <a:schemeClr val="tx2"/>
-                </a:solidFill>
-                <a:latin typeface="Courier" pitchFamily="2" charset="0"/>
-                <a:ea typeface="Courier" charset="0"/>
-                <a:cs typeface="Courier" charset="0"/>
-              </a:rPr>
-              <a:t>.  Source Port = As chosen by </a:t>
-            </a:r>
-            <a:r>
-              <a:rPr lang="en-CA" sz="800" b="1" dirty="0" err="1">
-                <a:solidFill>
-                  <a:schemeClr val="tx2"/>
-                </a:solidFill>
-                <a:latin typeface="Courier" pitchFamily="2" charset="0"/>
-                <a:ea typeface="Courier" charset="0"/>
-                <a:cs typeface="Courier" charset="0"/>
-              </a:rPr>
-              <a:t>Querier</a:t>
-            </a:r>
-            <a:r>
-              <a:rPr lang="en-CA" sz="800" b="1" dirty="0">
-                <a:solidFill>
-                  <a:schemeClr val="tx2"/>
-                </a:solidFill>
-                <a:latin typeface="Courier" pitchFamily="2" charset="0"/>
-                <a:ea typeface="Courier" charset="0"/>
-                <a:cs typeface="Courier" charset="0"/>
-              </a:rPr>
-              <a:t>                           .</a:t>
-            </a:r>
-            <a:endParaRPr lang="en-US" sz="800" b="1" dirty="0">
-              <a:solidFill>
-                <a:schemeClr val="tx2"/>
-              </a:solidFill>
-              <a:latin typeface="Courier" pitchFamily="2" charset="0"/>
-              <a:ea typeface="Courier" charset="0"/>
-              <a:cs typeface="Courier" charset="0"/>
-            </a:endParaRPr>
-          </a:p>
-          <a:p>
-            <a:pPr>
-              <a:spcAft>
-                <a:spcPts val="0"/>
-              </a:spcAft>
-            </a:pPr>
-            <a:r>
-              <a:rPr lang="en-CA" sz="800" b="1" dirty="0">
-                <a:solidFill>
-                  <a:schemeClr val="tx2"/>
-                </a:solidFill>
-                <a:latin typeface="Courier" pitchFamily="2" charset="0"/>
-                <a:ea typeface="Courier" charset="0"/>
-                <a:cs typeface="Courier" charset="0"/>
-              </a:rPr>
-              <a:t>.  Destination Port = User-configured Port for Loss Measurement .</a:t>
-            </a:r>
-            <a:endParaRPr lang="en-US" sz="800" b="1" dirty="0">
-              <a:solidFill>
-                <a:schemeClr val="tx2"/>
-              </a:solidFill>
-              <a:latin typeface="Courier" pitchFamily="2" charset="0"/>
-              <a:ea typeface="Courier" charset="0"/>
-              <a:cs typeface="Courier" charset="0"/>
-            </a:endParaRPr>
-          </a:p>
-          <a:p>
-            <a:pPr>
-              <a:spcAft>
-                <a:spcPts val="0"/>
-              </a:spcAft>
-            </a:pPr>
-            <a:r>
-              <a:rPr lang="en-CA" sz="800" b="1" dirty="0">
-                <a:solidFill>
-                  <a:schemeClr val="tx2"/>
-                </a:solidFill>
-                <a:latin typeface="Courier" pitchFamily="2" charset="0"/>
-                <a:ea typeface="Courier" charset="0"/>
-                <a:cs typeface="Courier" charset="0"/>
-              </a:rPr>
-              <a:t>.                                                               .</a:t>
-            </a:r>
-            <a:endParaRPr lang="en-US" sz="800" b="1" dirty="0">
-              <a:solidFill>
-                <a:schemeClr val="tx2"/>
-              </a:solidFill>
-              <a:latin typeface="Courier" pitchFamily="2" charset="0"/>
-              <a:ea typeface="Courier" charset="0"/>
-              <a:cs typeface="Courier" charset="0"/>
-            </a:endParaRPr>
-          </a:p>
-          <a:p>
-            <a:pPr>
-              <a:spcAft>
-                <a:spcPts val="0"/>
-              </a:spcAft>
-            </a:pPr>
-            <a:r>
-              <a:rPr lang="en-US" sz="800" b="1" dirty="0">
-                <a:solidFill>
-                  <a:schemeClr val="tx2"/>
-                </a:solidFill>
-                <a:latin typeface="Courier" pitchFamily="2" charset="0"/>
-                <a:ea typeface="Courier" charset="0"/>
-                <a:cs typeface="Courier" charset="0"/>
-              </a:rPr>
-              <a:t>+-+-+-+-+-+-+-+-+-+-+-+-+-+-+-+-+-+-+-+-+-+-+-+-+-+-+-+-+-+-+-+-+</a:t>
-            </a:r>
-          </a:p>
-          <a:p>
-            <a:pPr>
-              <a:spcAft>
-                <a:spcPts val="0"/>
-              </a:spcAft>
-            </a:pPr>
-            <a:r>
-              <a:rPr lang="en-US" sz="800" b="1" dirty="0">
-                <a:solidFill>
-                  <a:schemeClr val="tx2"/>
-                </a:solidFill>
-                <a:latin typeface="Courier" pitchFamily="2" charset="0"/>
-                <a:ea typeface="Courier" charset="0"/>
-                <a:cs typeface="Courier" charset="0"/>
-              </a:rPr>
-              <a:t>|                        Sequence Number                        |</a:t>
-            </a:r>
-          </a:p>
-          <a:p>
-            <a:pPr>
-              <a:spcAft>
-                <a:spcPts val="0"/>
-              </a:spcAft>
-            </a:pPr>
-            <a:r>
-              <a:rPr lang="en-US" sz="800" b="1" dirty="0">
-                <a:solidFill>
-                  <a:schemeClr val="tx2"/>
-                </a:solidFill>
-                <a:latin typeface="Courier" pitchFamily="2" charset="0"/>
-                <a:ea typeface="Courier" charset="0"/>
-                <a:cs typeface="Courier" charset="0"/>
-              </a:rPr>
-              <a:t>+-+-+-+-+-+-+-+-+-+-+-+-+-+-+-+-+-+-+-+-+-+-+-+-+-+-+-+-+-+-+-+-+</a:t>
-            </a:r>
-          </a:p>
-          <a:p>
-            <a:pPr>
-              <a:spcAft>
-                <a:spcPts val="0"/>
-              </a:spcAft>
-            </a:pPr>
-            <a:r>
-              <a:rPr lang="en-US" sz="800" b="1" dirty="0">
-                <a:solidFill>
-                  <a:schemeClr val="tx2"/>
-                </a:solidFill>
-                <a:latin typeface="Courier" pitchFamily="2" charset="0"/>
-                <a:ea typeface="Courier" charset="0"/>
-                <a:cs typeface="Courier" charset="0"/>
-              </a:rPr>
-              <a:t>|                        Transmit Counter                       |</a:t>
-            </a:r>
-          </a:p>
-          <a:p>
-            <a:pPr>
-              <a:spcAft>
-                <a:spcPts val="0"/>
-              </a:spcAft>
-            </a:pPr>
-            <a:r>
-              <a:rPr lang="en-US" sz="800" b="1" dirty="0">
-                <a:solidFill>
-                  <a:schemeClr val="tx2"/>
-                </a:solidFill>
-                <a:latin typeface="Courier" pitchFamily="2" charset="0"/>
-                <a:ea typeface="Courier" charset="0"/>
-                <a:cs typeface="Courier" charset="0"/>
-              </a:rPr>
-              <a:t>|                                                               |</a:t>
-            </a:r>
-          </a:p>
-          <a:p>
-            <a:pPr>
-              <a:spcAft>
-                <a:spcPts val="0"/>
-              </a:spcAft>
-            </a:pPr>
-            <a:r>
-              <a:rPr lang="en-US" sz="800" b="1" dirty="0">
-                <a:solidFill>
-                  <a:schemeClr val="tx2"/>
-                </a:solidFill>
-                <a:latin typeface="Courier" pitchFamily="2" charset="0"/>
-                <a:ea typeface="Courier" charset="0"/>
-                <a:cs typeface="Courier" charset="0"/>
-              </a:rPr>
-              <a:t>+-+-+-+-+-+-+-+-+-+-+-+-+-+-+-+-+-+-+-+-+-+-+-+-+-+-+-+-+-+-+-+-+</a:t>
-            </a:r>
-          </a:p>
-          <a:p>
-            <a:pPr>
-              <a:spcAft>
-                <a:spcPts val="0"/>
-              </a:spcAft>
-            </a:pPr>
-            <a:r>
-              <a:rPr lang="en-CA" sz="800" b="1" dirty="0">
-                <a:latin typeface="Courier" pitchFamily="2" charset="0"/>
-              </a:rPr>
-              <a:t>|</a:t>
-            </a:r>
-            <a:r>
-              <a:rPr lang="en-CA" sz="800" b="1" dirty="0">
-                <a:solidFill>
-                  <a:schemeClr val="accent6">
-                    <a:lumMod val="50000"/>
-                  </a:schemeClr>
-                </a:solidFill>
-                <a:latin typeface="Courier" pitchFamily="2" charset="0"/>
-              </a:rPr>
-              <a:t>X|B|I| Reserved                | Block Number                  |</a:t>
-            </a:r>
-          </a:p>
-          <a:p>
-            <a:pPr>
-              <a:spcAft>
-                <a:spcPts val="0"/>
-              </a:spcAft>
-            </a:pPr>
-            <a:r>
-              <a:rPr lang="en-US" sz="800" b="1" dirty="0">
-                <a:solidFill>
-                  <a:schemeClr val="accent6">
-                    <a:lumMod val="50000"/>
-                  </a:schemeClr>
-                </a:solidFill>
-                <a:latin typeface="Courier" pitchFamily="2" charset="0"/>
-                <a:ea typeface="Courier" charset="0"/>
-                <a:cs typeface="Courier" charset="0"/>
-              </a:rPr>
-              <a:t>+-+-+-+-+-+-+-+-+-+-+-+-+-+-+-+-+-+-+-+-+-+-+-+-+-+-+-+-+-+-+-+-+</a:t>
-            </a:r>
-          </a:p>
-          <a:p>
-            <a:pPr>
-              <a:spcAft>
-                <a:spcPts val="0"/>
-              </a:spcAft>
-            </a:pPr>
-            <a:r>
-              <a:rPr lang="en-US" sz="800" b="1" dirty="0">
-                <a:solidFill>
-                  <a:schemeClr val="accent6"/>
-                </a:solidFill>
-                <a:latin typeface="Courier" pitchFamily="2" charset="0"/>
-                <a:ea typeface="Courier" charset="0"/>
-                <a:cs typeface="Courier" charset="0"/>
-              </a:rPr>
-              <a:t>|                        Receive Counter                        |</a:t>
-            </a:r>
-          </a:p>
-          <a:p>
-            <a:pPr>
-              <a:spcAft>
-                <a:spcPts val="0"/>
-              </a:spcAft>
-            </a:pPr>
-            <a:r>
-              <a:rPr lang="en-US" sz="800" b="1" dirty="0">
-                <a:solidFill>
-                  <a:schemeClr val="accent6"/>
-                </a:solidFill>
-                <a:latin typeface="Courier" pitchFamily="2" charset="0"/>
-                <a:ea typeface="Courier" charset="0"/>
-                <a:cs typeface="Courier" charset="0"/>
-              </a:rPr>
-              <a:t>|                                                               |</a:t>
-            </a:r>
-          </a:p>
-          <a:p>
-            <a:pPr>
-              <a:spcAft>
-                <a:spcPts val="0"/>
-              </a:spcAft>
-            </a:pPr>
-            <a:r>
-              <a:rPr lang="en-US" sz="800" b="1" dirty="0">
-                <a:solidFill>
-                  <a:schemeClr val="accent6"/>
-                </a:solidFill>
-                <a:latin typeface="Courier" pitchFamily="2" charset="0"/>
-                <a:ea typeface="Courier" charset="0"/>
-                <a:cs typeface="Courier" charset="0"/>
-              </a:rPr>
-              <a:t>+-+-+-+-+-+-+-+-+-+-+-+-+-+-+-+-+-+-+-+-+-+-+-+-+-+-+-+-+-+-+-+-+</a:t>
-            </a:r>
-          </a:p>
-          <a:p>
-            <a:pPr>
-              <a:spcAft>
-                <a:spcPts val="0"/>
-              </a:spcAft>
-            </a:pPr>
-            <a:r>
-              <a:rPr lang="en-US" sz="800" b="1" dirty="0">
-                <a:solidFill>
-                  <a:schemeClr val="accent6"/>
-                </a:solidFill>
-                <a:latin typeface="Courier" pitchFamily="2" charset="0"/>
-                <a:ea typeface="Courier" charset="0"/>
-                <a:cs typeface="Courier" charset="0"/>
-              </a:rPr>
-              <a:t>|                        Sender Sequence Number                 |</a:t>
-            </a:r>
-          </a:p>
-          <a:p>
-            <a:pPr>
-              <a:spcAft>
-                <a:spcPts val="0"/>
-              </a:spcAft>
-            </a:pPr>
-            <a:r>
-              <a:rPr lang="en-US" sz="800" b="1" dirty="0">
-                <a:solidFill>
-                  <a:schemeClr val="accent6"/>
-                </a:solidFill>
-                <a:latin typeface="Courier" pitchFamily="2" charset="0"/>
-                <a:ea typeface="Courier" charset="0"/>
-                <a:cs typeface="Courier" charset="0"/>
-              </a:rPr>
-              <a:t>+-+-+-+-+-+-+-+-+-+-+-+-+-+-+-+-+-+-+-+-+-+-+-+-+-+-+-+-+-+-+-+-+</a:t>
-            </a:r>
-          </a:p>
-          <a:p>
-            <a:pPr>
-              <a:spcAft>
-                <a:spcPts val="0"/>
-              </a:spcAft>
-            </a:pPr>
-            <a:r>
-              <a:rPr lang="en-US" sz="800" b="1" dirty="0">
-                <a:solidFill>
-                  <a:schemeClr val="accent6"/>
-                </a:solidFill>
-                <a:latin typeface="Courier" pitchFamily="2" charset="0"/>
-                <a:ea typeface="Courier" charset="0"/>
-                <a:cs typeface="Courier" charset="0"/>
-              </a:rPr>
-              <a:t>|                        Sender Counter                         |</a:t>
-            </a:r>
-          </a:p>
-          <a:p>
-            <a:pPr>
-              <a:spcAft>
-                <a:spcPts val="0"/>
-              </a:spcAft>
-            </a:pPr>
-            <a:r>
-              <a:rPr lang="en-US" sz="800" b="1" dirty="0">
-                <a:solidFill>
-                  <a:schemeClr val="accent6"/>
-                </a:solidFill>
-                <a:latin typeface="Courier" pitchFamily="2" charset="0"/>
-                <a:ea typeface="Courier" charset="0"/>
-                <a:cs typeface="Courier" charset="0"/>
-              </a:rPr>
-              <a:t>|                                                               |</a:t>
-            </a:r>
-          </a:p>
-          <a:p>
-            <a:pPr>
-              <a:spcAft>
-                <a:spcPts val="0"/>
-              </a:spcAft>
-            </a:pPr>
-            <a:r>
-              <a:rPr lang="en-US" sz="800" b="1" dirty="0">
-                <a:solidFill>
-                  <a:schemeClr val="accent6"/>
-                </a:solidFill>
-                <a:latin typeface="Courier" pitchFamily="2" charset="0"/>
-                <a:ea typeface="Courier" charset="0"/>
-                <a:cs typeface="Courier" charset="0"/>
-              </a:rPr>
-              <a:t>+-+-+-+-+-+-+-+-+-+-+-+-+-+-+-+-+-+-+-+-+-+-+-+-+-+-+-+-+-+-+-+-+</a:t>
-            </a:r>
-          </a:p>
-          <a:p>
-            <a:pPr>
-              <a:spcAft>
-                <a:spcPts val="0"/>
-              </a:spcAft>
-            </a:pPr>
-            <a:r>
-              <a:rPr lang="en-CA" sz="800" b="1" dirty="0">
-                <a:solidFill>
-                  <a:schemeClr val="accent6"/>
-                </a:solidFill>
-                <a:latin typeface="Courier" pitchFamily="2" charset="0"/>
-              </a:rPr>
-              <a:t>|X|B| Reserved                  | Sender Block Number           |</a:t>
-            </a:r>
-          </a:p>
-          <a:p>
-            <a:pPr>
-              <a:spcAft>
-                <a:spcPts val="0"/>
-              </a:spcAft>
-            </a:pPr>
-            <a:r>
-              <a:rPr lang="en-US" sz="800" b="1" dirty="0">
-                <a:solidFill>
-                  <a:schemeClr val="accent6"/>
-                </a:solidFill>
-                <a:latin typeface="Courier" pitchFamily="2" charset="0"/>
-                <a:ea typeface="Courier" charset="0"/>
-                <a:cs typeface="Courier" charset="0"/>
-              </a:rPr>
-              <a:t>+-+-+-+-+-+-+-+-+-+-+-+-+-+-+-+-+-+-+-+-+-+-+-+-+-+-+-+-+-+-+-+-+</a:t>
-            </a:r>
-          </a:p>
-          <a:p>
-            <a:pPr>
-              <a:spcAft>
-                <a:spcPts val="0"/>
-              </a:spcAft>
-            </a:pPr>
-            <a:r>
-              <a:rPr lang="en-US" sz="800" b="1" dirty="0">
-                <a:solidFill>
-                  <a:schemeClr val="accent6"/>
-                </a:solidFill>
-                <a:latin typeface="Courier" pitchFamily="2" charset="0"/>
-                <a:ea typeface="Courier" charset="0"/>
-                <a:cs typeface="Courier" charset="0"/>
-              </a:rPr>
-              <a:t>|  Sender TTL   |                                     </a:t>
-            </a:r>
-            <a:r>
-              <a:rPr lang="en-CA" sz="800" b="1" dirty="0">
-                <a:solidFill>
-                  <a:schemeClr val="accent6"/>
-                </a:solidFill>
-                <a:latin typeface="Courier" pitchFamily="2" charset="0"/>
-              </a:rPr>
-              <a:t>          </a:t>
-            </a:r>
-            <a:r>
-              <a:rPr lang="en-US" sz="800" b="1" dirty="0">
-                <a:solidFill>
-                  <a:schemeClr val="accent6"/>
-                </a:solidFill>
-                <a:latin typeface="Courier" pitchFamily="2" charset="0"/>
-                <a:ea typeface="Courier" charset="0"/>
-                <a:cs typeface="Courier" charset="0"/>
-              </a:rPr>
-              <a:t>|</a:t>
-            </a:r>
-          </a:p>
-          <a:p>
-            <a:pPr>
-              <a:spcAft>
-                <a:spcPts val="0"/>
-              </a:spcAft>
-            </a:pPr>
-            <a:r>
-              <a:rPr lang="en-US" sz="800" b="1" dirty="0">
-                <a:solidFill>
-                  <a:schemeClr val="accent6"/>
-                </a:solidFill>
-                <a:latin typeface="Courier" pitchFamily="2" charset="0"/>
-                <a:ea typeface="Courier" charset="0"/>
-                <a:cs typeface="Courier" charset="0"/>
-              </a:rPr>
-              <a:t>+-+-+-+-+-+-+-+-+                                               </a:t>
-            </a:r>
-            <a:r>
-              <a:rPr lang="en-US" sz="800" b="1" dirty="0">
-                <a:solidFill>
-                  <a:schemeClr val="bg1">
-                    <a:lumMod val="65000"/>
-                  </a:schemeClr>
-                </a:solidFill>
-                <a:latin typeface="Courier" pitchFamily="2" charset="0"/>
-                <a:ea typeface="Courier" charset="0"/>
-                <a:cs typeface="Courier" charset="0"/>
-              </a:rPr>
-              <a:t>+</a:t>
-            </a:r>
-          </a:p>
-          <a:p>
-            <a:pPr>
-              <a:spcAft>
-                <a:spcPts val="0"/>
-              </a:spcAft>
-            </a:pPr>
-            <a:r>
-              <a:rPr lang="en-US" sz="800" b="1" dirty="0">
-                <a:solidFill>
-                  <a:schemeClr val="tx2"/>
-                </a:solidFill>
-                <a:latin typeface="Courier" pitchFamily="2" charset="0"/>
-                <a:ea typeface="Courier" charset="0"/>
-                <a:cs typeface="Courier" charset="0"/>
-              </a:rPr>
-              <a:t>|                        Padding                                |</a:t>
-            </a:r>
-          </a:p>
-          <a:p>
-            <a:pPr>
-              <a:spcAft>
-                <a:spcPts val="0"/>
-              </a:spcAft>
-            </a:pPr>
-            <a:r>
-              <a:rPr lang="en-US" sz="800" b="1" dirty="0">
-                <a:solidFill>
-                  <a:schemeClr val="tx2"/>
-                </a:solidFill>
-                <a:latin typeface="Courier" pitchFamily="2" charset="0"/>
-                <a:ea typeface="Courier" charset="0"/>
-                <a:cs typeface="Courier" charset="0"/>
-              </a:rPr>
-              <a:t>.                                                               .</a:t>
-            </a:r>
-          </a:p>
-          <a:p>
-            <a:r>
-              <a:rPr lang="en-US" sz="800" b="1" dirty="0">
-                <a:solidFill>
-                  <a:schemeClr val="tx2"/>
-                </a:solidFill>
-                <a:latin typeface="Courier" pitchFamily="2" charset="0"/>
-                <a:ea typeface="Courier" charset="0"/>
-                <a:cs typeface="Courier" charset="0"/>
-              </a:rPr>
-              <a:t>|                               +-+-+-+-+-+-+-+-+-+-+-+-+-+-+-+-+</a:t>
-            </a:r>
-          </a:p>
-          <a:p>
-            <a:r>
-              <a:rPr lang="en-US" sz="800" b="1" dirty="0">
-                <a:solidFill>
-                  <a:schemeClr val="tx2"/>
-                </a:solidFill>
-                <a:latin typeface="Courier" pitchFamily="2" charset="0"/>
-                <a:ea typeface="Courier" charset="0"/>
-                <a:cs typeface="Courier" charset="0"/>
-              </a:rPr>
-              <a:t>|                               |      Checksum Complement      |</a:t>
-            </a:r>
-          </a:p>
-          <a:p>
-            <a:r>
-              <a:rPr lang="en-US" sz="800" b="1" dirty="0">
-                <a:solidFill>
-                  <a:schemeClr val="tx2"/>
-                </a:solidFill>
-                <a:latin typeface="Courier" pitchFamily="2" charset="0"/>
-                <a:ea typeface="Courier" charset="0"/>
-                <a:cs typeface="Courier" charset="0"/>
-              </a:rPr>
-              <a:t>+-+-+-+-+-+-+-+-+-+-+-+-+-+-+-+-+-+-+-+-+-+-+-+-+-+-+-+-+-+-+-+-+</a:t>
-            </a:r>
-          </a:p>
-        </p:txBody>
-      </p:sp>
-      <p:sp>
-        <p:nvSpPr>
-          <p:cNvPr id="6" name="Content Placeholder 2"/>
-          <p:cNvSpPr txBox="1">
-            <a:spLocks/>
-          </p:cNvSpPr>
-          <p:nvPr/>
-        </p:nvSpPr>
-        <p:spPr bwMode="auto">
-          <a:xfrm>
-            <a:off x="228600" y="1309592"/>
-            <a:ext cx="4000500" cy="2862358"/>
-          </a:xfrm>
-          <a:prstGeom prst="rect">
-            <a:avLst/>
-          </a:prstGeom>
-          <a:noFill/>
-          <a:ln w="9525">
-            <a:noFill/>
-            <a:miter lim="800000"/>
-            <a:headEnd/>
-            <a:tailEnd/>
-          </a:ln>
-        </p:spPr>
-        <p:txBody>
-          <a:bodyPr vert="horz" wrap="square" lIns="91440" tIns="45720" rIns="91440" bIns="45720" numCol="1" anchor="t" anchorCtr="0" compatLnSpc="1">
-            <a:prstTxWarp prst="textNoShape">
-              <a:avLst/>
-            </a:prstTxWarp>
-          </a:bodyPr>
-          <a:lstStyle>
-            <a:lvl1pPr marL="342900" indent="-342900" algn="l" rtl="0" eaLnBrk="0" fontAlgn="base" hangingPunct="0">
-              <a:spcBef>
-                <a:spcPct val="20000"/>
-              </a:spcBef>
-              <a:spcAft>
-                <a:spcPct val="0"/>
-              </a:spcAft>
-              <a:buChar char="•"/>
-              <a:defRPr sz="3200">
-                <a:solidFill>
-                  <a:schemeClr val="tx1"/>
-                </a:solidFill>
-                <a:latin typeface="Calibri" charset="0"/>
-                <a:ea typeface="Calibri" charset="0"/>
-                <a:cs typeface="Calibri" charset="0"/>
-              </a:defRPr>
-            </a:lvl1pPr>
-            <a:lvl2pPr marL="742950" indent="-285750" algn="l" rtl="0" eaLnBrk="0" fontAlgn="base" hangingPunct="0">
-              <a:spcBef>
-                <a:spcPct val="20000"/>
-              </a:spcBef>
-              <a:spcAft>
-                <a:spcPct val="0"/>
-              </a:spcAft>
-              <a:buChar char="–"/>
-              <a:defRPr sz="2800">
-                <a:solidFill>
-                  <a:schemeClr val="tx1"/>
-                </a:solidFill>
-                <a:latin typeface="Calibri" charset="0"/>
-                <a:ea typeface="Calibri" charset="0"/>
-                <a:cs typeface="Calibri" charset="0"/>
-              </a:defRPr>
-            </a:lvl2pPr>
-            <a:lvl3pPr marL="1143000" indent="-228600" algn="l" rtl="0" eaLnBrk="0" fontAlgn="base" hangingPunct="0">
-              <a:spcBef>
-                <a:spcPct val="20000"/>
-              </a:spcBef>
-              <a:spcAft>
-                <a:spcPct val="0"/>
-              </a:spcAft>
-              <a:buChar char="•"/>
-              <a:defRPr sz="2400">
-                <a:solidFill>
-                  <a:schemeClr val="tx1"/>
-                </a:solidFill>
-                <a:latin typeface="Calibri" charset="0"/>
-                <a:ea typeface="Calibri" charset="0"/>
-                <a:cs typeface="Calibri" charset="0"/>
-              </a:defRPr>
-            </a:lvl3pPr>
-            <a:lvl4pPr marL="1600200" indent="-228600" algn="l" rtl="0" eaLnBrk="0" fontAlgn="base" hangingPunct="0">
-              <a:spcBef>
-                <a:spcPct val="20000"/>
-              </a:spcBef>
-              <a:spcAft>
-                <a:spcPct val="0"/>
-              </a:spcAft>
-              <a:buChar char="–"/>
-              <a:defRPr sz="2000">
-                <a:solidFill>
-                  <a:schemeClr val="tx1"/>
-                </a:solidFill>
-                <a:latin typeface="Calibri" charset="0"/>
-                <a:ea typeface="Calibri" charset="0"/>
-                <a:cs typeface="Calibri" charset="0"/>
-              </a:defRPr>
-            </a:lvl4pPr>
-            <a:lvl5pPr marL="2057400" indent="-228600" algn="l" rtl="0" eaLnBrk="0" fontAlgn="base" hangingPunct="0">
-              <a:spcBef>
-                <a:spcPct val="20000"/>
-              </a:spcBef>
-              <a:spcAft>
-                <a:spcPct val="0"/>
-              </a:spcAft>
-              <a:buChar char="»"/>
-              <a:defRPr sz="2000">
-                <a:solidFill>
-                  <a:schemeClr val="tx1"/>
-                </a:solidFill>
-                <a:latin typeface="Calibri" charset="0"/>
-                <a:ea typeface="Calibri" charset="0"/>
-                <a:cs typeface="Calibri" charset="0"/>
-              </a:defRPr>
-            </a:lvl5pPr>
-            <a:lvl6pPr marL="2514600" indent="-228600" algn="l" rtl="0" fontAlgn="base">
-              <a:spcBef>
-                <a:spcPct val="20000"/>
-              </a:spcBef>
-              <a:spcAft>
-                <a:spcPct val="0"/>
-              </a:spcAft>
-              <a:buChar char="»"/>
-              <a:defRPr sz="2000">
-                <a:solidFill>
-                  <a:schemeClr val="tx1"/>
-                </a:solidFill>
-                <a:latin typeface="+mn-lt"/>
-                <a:ea typeface="+mn-ea"/>
-              </a:defRPr>
-            </a:lvl6pPr>
-            <a:lvl7pPr marL="2971800" indent="-228600" algn="l" rtl="0" fontAlgn="base">
-              <a:spcBef>
-                <a:spcPct val="20000"/>
-              </a:spcBef>
-              <a:spcAft>
-                <a:spcPct val="0"/>
-              </a:spcAft>
-              <a:buChar char="»"/>
-              <a:defRPr sz="2000">
-                <a:solidFill>
-                  <a:schemeClr val="tx1"/>
-                </a:solidFill>
-                <a:latin typeface="+mn-lt"/>
-                <a:ea typeface="+mn-ea"/>
-              </a:defRPr>
-            </a:lvl7pPr>
-            <a:lvl8pPr marL="3429000" indent="-228600" algn="l" rtl="0" fontAlgn="base">
-              <a:spcBef>
-                <a:spcPct val="20000"/>
-              </a:spcBef>
-              <a:spcAft>
-                <a:spcPct val="0"/>
-              </a:spcAft>
-              <a:buChar char="»"/>
-              <a:defRPr sz="2000">
-                <a:solidFill>
-                  <a:schemeClr val="tx1"/>
-                </a:solidFill>
-                <a:latin typeface="+mn-lt"/>
-                <a:ea typeface="+mn-ea"/>
-              </a:defRPr>
-            </a:lvl8pPr>
-            <a:lvl9pPr marL="3886200" indent="-228600" algn="l" rtl="0" fontAlgn="base">
-              <a:spcBef>
-                <a:spcPct val="20000"/>
-              </a:spcBef>
-              <a:spcAft>
-                <a:spcPct val="0"/>
-              </a:spcAft>
-              <a:buChar char="»"/>
-              <a:defRPr sz="2000">
-                <a:solidFill>
-                  <a:schemeClr val="tx1"/>
-                </a:solidFill>
-                <a:latin typeface="+mn-lt"/>
-                <a:ea typeface="+mn-ea"/>
-              </a:defRPr>
-            </a:lvl9pPr>
-          </a:lstStyle>
-          <a:p>
-            <a:r>
-              <a:rPr lang="en-US" sz="1600" kern="0" dirty="0"/>
-              <a:t>Independent Loss Measurement (LM) message defined with </a:t>
-            </a:r>
-            <a:r>
-              <a:rPr lang="en-US" sz="1600" b="1" kern="0" dirty="0"/>
-              <a:t>fixed offsets</a:t>
-            </a:r>
-            <a:r>
-              <a:rPr lang="en-US" sz="1600" kern="0" dirty="0"/>
-              <a:t> for transmit and receive traffic counters</a:t>
-            </a:r>
-          </a:p>
-          <a:p>
-            <a:pPr lvl="1"/>
-            <a:r>
-              <a:rPr lang="en-US" sz="1600" kern="0" dirty="0"/>
-              <a:t>Hardware efficient counter-stamping</a:t>
-            </a:r>
-          </a:p>
-          <a:p>
-            <a:r>
-              <a:rPr lang="en-US" sz="1600" kern="0" dirty="0"/>
-              <a:t>LM message format aligned with DM message format</a:t>
-            </a:r>
-          </a:p>
-          <a:p>
-            <a:r>
-              <a:rPr lang="en-US" sz="1600" kern="0" dirty="0"/>
-              <a:t>LM Message format is also defined for authenticated mode</a:t>
-            </a:r>
-          </a:p>
-          <a:p>
-            <a:r>
-              <a:rPr lang="en-US" sz="1600" kern="0" dirty="0"/>
-              <a:t>User-configured destination UDP </a:t>
-            </a:r>
-            <a:r>
-              <a:rPr lang="en-US" sz="1600" b="1" kern="0" dirty="0"/>
-              <a:t>port2</a:t>
-            </a:r>
-            <a:r>
-              <a:rPr lang="en-US" sz="1600" kern="0" dirty="0"/>
-              <a:t> is used for identifying LM probe packets</a:t>
-            </a:r>
-          </a:p>
-        </p:txBody>
-      </p:sp>
-      <p:sp>
-        <p:nvSpPr>
-          <p:cNvPr id="3" name="Slide Number Placeholder 2"/>
-          <p:cNvSpPr>
-            <a:spLocks noGrp="1"/>
-          </p:cNvSpPr>
-          <p:nvPr>
-            <p:ph type="sldNum" sz="quarter" idx="12"/>
-          </p:nvPr>
-        </p:nvSpPr>
-        <p:spPr/>
-        <p:txBody>
-          <a:bodyPr/>
-          <a:lstStyle/>
-          <a:p>
-            <a:pPr>
-              <a:defRPr/>
-            </a:pPr>
-            <a:fld id="{BD6E0F59-1DD8-40FC-9C92-B6295CBA6CCA}" type="slidenum">
-              <a:rPr lang="en-US" altLang="zh-CN" smtClean="0"/>
-              <a:pPr>
-                <a:defRPr/>
-              </a:pPr>
-              <a:t>9</a:t>
-            </a:fld>
-            <a:endParaRPr lang="en-US" altLang="zh-CN" dirty="0"/>
           </a:p>
         </p:txBody>
       </p:sp>
     </p:spTree>
     <p:extLst>
       <p:ext uri="{BB962C8B-B14F-4D97-AF65-F5344CB8AC3E}">
-        <p14:creationId xmlns:p14="http://schemas.microsoft.com/office/powerpoint/2010/main" val="207738585"/>
+        <p14:creationId xmlns:p14="http://schemas.microsoft.com/office/powerpoint/2010/main" val="2882673676"/>
       </p:ext>
     </p:extLst>
   </p:cSld>
